--- a/SS_DataFrame_Slides.pptx
+++ b/SS_DataFrame_Slides.pptx
@@ -30,6 +30,17 @@
     <p:sldId id="275" r:id="rId27"/>
     <p:sldId id="276" r:id="rId28"/>
     <p:sldId id="277" r:id="rId29"/>
+    <p:sldId id="278" r:id="rId30"/>
+    <p:sldId id="279" r:id="rId31"/>
+    <p:sldId id="280" r:id="rId32"/>
+    <p:sldId id="281" r:id="rId33"/>
+    <p:sldId id="282" r:id="rId34"/>
+    <p:sldId id="283" r:id="rId35"/>
+    <p:sldId id="284" r:id="rId36"/>
+    <p:sldId id="285" r:id="rId37"/>
+    <p:sldId id="286" r:id="rId38"/>
+    <p:sldId id="287" r:id="rId39"/>
+    <p:sldId id="288" r:id="rId40"/>
   </p:sldIdLst>
   <p:sldSz cx="9144000" cy="5143500"/>
   <p:notesSz cx="6858000" cy="9144000"/>
@@ -3846,7 +3857,7 @@
                   <a:srgbClr val="DD5B1C"/>
                 </a:solidFill>
               </a:rPr>
-              <a:t>A Data Frame Abstraction Layer for SparkR</a:t>
+              <a:t>A DataFrame Abstraction Layer for SparkR</a:t>
             </a:r>
           </a:p>
         </p:txBody>
@@ -3954,7 +3965,7 @@
       </p:grpSpPr>
       <p:sp>
         <p:nvSpPr>
-          <p:cNvPr id="89" name="Shape 89"/>
+          <p:cNvPr id="96" name="Shape 96"/>
           <p:cNvSpPr/>
           <p:nvPr>
             <p:ph type="title"/>
@@ -3962,8 +3973,8 @@
         </p:nvSpPr>
         <p:spPr>
           <a:xfrm>
-            <a:off x="457200" y="2006203"/>
-            <a:ext cx="8229600" cy="1131095"/>
+            <a:off x="457199" y="1935564"/>
+            <a:ext cx="8229601" cy="1131095"/>
           </a:xfrm>
           <a:prstGeom prst="rect">
             <a:avLst/>
@@ -3971,7 +3982,11 @@
         </p:spPr>
         <p:txBody>
           <a:bodyPr/>
-          <a:lstStyle/>
+          <a:lstStyle>
+            <a:lvl1pPr defTabSz="420623">
+              <a:defRPr sz="4048"/>
+            </a:lvl1pPr>
+          </a:lstStyle>
           <a:p>
             <a:pPr lvl="0">
               <a:defRPr sz="1800">
@@ -3981,19 +3996,19 @@
               </a:defRPr>
             </a:pPr>
             <a:r>
-              <a:rPr sz="4400">
-                <a:solidFill>
-                  <a:srgbClr val="595959"/>
-                </a:solidFill>
-              </a:rPr>
-              <a:t>There’s got to be a better way.</a:t>
+              <a:rPr sz="4048">
+                <a:solidFill>
+                  <a:srgbClr val="595959"/>
+                </a:solidFill>
+              </a:rPr>
+              <a:t>Maybe this isn’t such a bad thing…</a:t>
             </a:r>
           </a:p>
         </p:txBody>
       </p:sp>
       <p:sp>
         <p:nvSpPr>
-          <p:cNvPr id="90" name="Shape 90"/>
+          <p:cNvPr id="97" name="Shape 97"/>
           <p:cNvSpPr/>
           <p:nvPr>
             <p:ph type="sldNum" sz="quarter" idx="2"/>
@@ -4058,7 +4073,7 @@
       </p:grpSpPr>
       <p:sp>
         <p:nvSpPr>
-          <p:cNvPr id="92" name="Shape 92"/>
+          <p:cNvPr id="99" name="Shape 99"/>
           <p:cNvSpPr/>
           <p:nvPr>
             <p:ph type="title"/>
@@ -4070,8 +4085,12 @@
           </a:prstGeom>
         </p:spPr>
         <p:txBody>
-          <a:bodyPr/>
-          <a:lstStyle/>
+          <a:bodyPr lIns="0" tIns="0" rIns="0" bIns="0"/>
+          <a:lstStyle>
+            <a:lvl1pPr defTabSz="342900">
+              <a:defRPr sz="3300"/>
+            </a:lvl1pPr>
+          </a:lstStyle>
           <a:p>
             <a:pPr lvl="0">
               <a:defRPr sz="1800">
@@ -4081,98 +4100,356 @@
               </a:defRPr>
             </a:pPr>
             <a:r>
-              <a:rPr sz="4400">
-                <a:solidFill>
-                  <a:srgbClr val="595959"/>
-                </a:solidFill>
-              </a:rPr>
-              <a:t>Why DataFrames?</a:t>
+              <a:rPr sz="3300">
+                <a:solidFill>
+                  <a:srgbClr val="595959"/>
+                </a:solidFill>
+              </a:rPr>
+              <a:t>How can I use Spark to do something simple?</a:t>
             </a:r>
           </a:p>
         </p:txBody>
       </p:sp>
       <p:sp>
         <p:nvSpPr>
-          <p:cNvPr id="93" name="Shape 93"/>
+          <p:cNvPr id="100" name="Shape 100"/>
           <p:cNvSpPr/>
           <p:nvPr>
             <p:ph type="body" idx="1"/>
           </p:nvPr>
         </p:nvSpPr>
         <p:spPr>
+          <a:xfrm>
+            <a:off x="457200" y="1705542"/>
+            <a:ext cx="8229600" cy="2561124"/>
+          </a:xfrm>
           <a:prstGeom prst="rect">
             <a:avLst/>
           </a:prstGeom>
         </p:spPr>
         <p:txBody>
-          <a:bodyPr/>
+          <a:bodyPr lIns="0" tIns="0" rIns="0" bIns="0" anchor="ctr"/>
           <a:lstStyle/>
           <a:p>
-            <a:pPr lvl="0">
-              <a:defRPr sz="1800">
-                <a:solidFill>
-                  <a:srgbClr val="000000"/>
-                </a:solidFill>
-              </a:defRPr>
-            </a:pPr>
-            <a:r>
-              <a:rPr sz="2800">
-                <a:solidFill>
-                  <a:srgbClr val="595959"/>
-                </a:solidFill>
-              </a:rPr>
-              <a:t>Uses the distributed, parallel capabilities offered by RDDs, but imposes a schema on the data</a:t>
-            </a:r>
-            <a:endParaRPr sz="2800">
-              <a:solidFill>
-                <a:srgbClr val="595959"/>
-              </a:solidFill>
-            </a:endParaRPr>
-          </a:p>
-          <a:p>
-            <a:pPr lvl="0">
-              <a:defRPr sz="1800">
-                <a:solidFill>
-                  <a:srgbClr val="000000"/>
-                </a:solidFill>
-              </a:defRPr>
-            </a:pPr>
-            <a:r>
-              <a:rPr sz="2800">
-                <a:solidFill>
-                  <a:srgbClr val="595959"/>
-                </a:solidFill>
-              </a:rPr>
-              <a:t>More structure == Easier access and manipulation</a:t>
-            </a:r>
-            <a:endParaRPr sz="2800">
-              <a:solidFill>
-                <a:srgbClr val="595959"/>
-              </a:solidFill>
-            </a:endParaRPr>
-          </a:p>
-          <a:p>
-            <a:pPr lvl="0">
-              <a:defRPr sz="1800">
-                <a:solidFill>
-                  <a:srgbClr val="000000"/>
-                </a:solidFill>
-              </a:defRPr>
-            </a:pPr>
-            <a:r>
-              <a:rPr sz="2800">
-                <a:solidFill>
-                  <a:srgbClr val="595959"/>
-                </a:solidFill>
-              </a:rPr>
-              <a:t>Plays very nicely with existing R conventions since DataFrames are the standard in R</a:t>
+            <a:pPr lvl="0" marL="0" indent="0" algn="ctr" defTabSz="584200">
+              <a:spcBef>
+                <a:spcPts val="0"/>
+              </a:spcBef>
+              <a:buSzTx/>
+              <a:buFontTx/>
+              <a:buNone/>
+              <a:defRPr sz="1800">
+                <a:solidFill>
+                  <a:srgbClr val="000000"/>
+                </a:solidFill>
+              </a:defRPr>
+            </a:pPr>
+            <a:r>
+              <a:rPr>
+                <a:solidFill>
+                  <a:srgbClr val="535353"/>
+                </a:solidFill>
+                <a:latin typeface="Andale Mono"/>
+                <a:ea typeface="Andale Mono"/>
+                <a:cs typeface="Andale Mono"/>
+                <a:sym typeface="Andale Mono"/>
+              </a:rPr>
+              <a:t>"Michael, 29"</a:t>
+            </a:r>
+            <a:endParaRPr>
+              <a:solidFill>
+                <a:srgbClr val="535353"/>
+              </a:solidFill>
+              <a:latin typeface="Andale Mono"/>
+              <a:ea typeface="Andale Mono"/>
+              <a:cs typeface="Andale Mono"/>
+              <a:sym typeface="Andale Mono"/>
+            </a:endParaRPr>
+          </a:p>
+          <a:p>
+            <a:pPr lvl="0" marL="0" indent="0" algn="ctr" defTabSz="584200">
+              <a:spcBef>
+                <a:spcPts val="0"/>
+              </a:spcBef>
+              <a:buSzTx/>
+              <a:buFontTx/>
+              <a:buNone/>
+              <a:defRPr sz="1800">
+                <a:solidFill>
+                  <a:srgbClr val="000000"/>
+                </a:solidFill>
+              </a:defRPr>
+            </a:pPr>
+            <a:r>
+              <a:rPr>
+                <a:solidFill>
+                  <a:srgbClr val="535353"/>
+                </a:solidFill>
+                <a:latin typeface="Andale Mono"/>
+                <a:ea typeface="Andale Mono"/>
+                <a:cs typeface="Andale Mono"/>
+                <a:sym typeface="Andale Mono"/>
+              </a:rPr>
+              <a:t>"Andy, 30"</a:t>
+            </a:r>
+            <a:endParaRPr>
+              <a:solidFill>
+                <a:srgbClr val="535353"/>
+              </a:solidFill>
+              <a:latin typeface="Andale Mono"/>
+              <a:ea typeface="Andale Mono"/>
+              <a:cs typeface="Andale Mono"/>
+              <a:sym typeface="Andale Mono"/>
+            </a:endParaRPr>
+          </a:p>
+          <a:p>
+            <a:pPr lvl="0" marL="0" indent="0" algn="ctr" defTabSz="584200">
+              <a:spcBef>
+                <a:spcPts val="0"/>
+              </a:spcBef>
+              <a:buSzTx/>
+              <a:buFontTx/>
+              <a:buNone/>
+              <a:defRPr sz="1800">
+                <a:solidFill>
+                  <a:srgbClr val="000000"/>
+                </a:solidFill>
+              </a:defRPr>
+            </a:pPr>
+            <a:r>
+              <a:rPr>
+                <a:solidFill>
+                  <a:srgbClr val="535353"/>
+                </a:solidFill>
+                <a:latin typeface="Andale Mono"/>
+                <a:ea typeface="Andale Mono"/>
+                <a:cs typeface="Andale Mono"/>
+                <a:sym typeface="Andale Mono"/>
+              </a:rPr>
+              <a:t>"Justin, 19"</a:t>
+            </a:r>
+            <a:endParaRPr>
+              <a:solidFill>
+                <a:srgbClr val="535353"/>
+              </a:solidFill>
+              <a:latin typeface="Andale Mono"/>
+              <a:ea typeface="Andale Mono"/>
+              <a:cs typeface="Andale Mono"/>
+              <a:sym typeface="Andale Mono"/>
+            </a:endParaRPr>
+          </a:p>
+          <a:p>
+            <a:pPr lvl="0" marL="0" indent="0" algn="ctr" defTabSz="584200">
+              <a:spcBef>
+                <a:spcPts val="0"/>
+              </a:spcBef>
+              <a:buSzTx/>
+              <a:buFontTx/>
+              <a:buNone/>
+              <a:defRPr sz="1800">
+                <a:solidFill>
+                  <a:srgbClr val="000000"/>
+                </a:solidFill>
+              </a:defRPr>
+            </a:pPr>
+            <a:r>
+              <a:rPr>
+                <a:solidFill>
+                  <a:srgbClr val="535353"/>
+                </a:solidFill>
+                <a:latin typeface="Andale Mono"/>
+                <a:ea typeface="Andale Mono"/>
+                <a:cs typeface="Andale Mono"/>
+                <a:sym typeface="Andale Mono"/>
+              </a:rPr>
+              <a:t>"Bob, 22"</a:t>
+            </a:r>
+            <a:endParaRPr>
+              <a:solidFill>
+                <a:srgbClr val="535353"/>
+              </a:solidFill>
+              <a:latin typeface="Andale Mono"/>
+              <a:ea typeface="Andale Mono"/>
+              <a:cs typeface="Andale Mono"/>
+              <a:sym typeface="Andale Mono"/>
+            </a:endParaRPr>
+          </a:p>
+          <a:p>
+            <a:pPr lvl="0" marL="0" indent="0" algn="ctr" defTabSz="584200">
+              <a:spcBef>
+                <a:spcPts val="0"/>
+              </a:spcBef>
+              <a:buSzTx/>
+              <a:buFontTx/>
+              <a:buNone/>
+              <a:defRPr sz="1800">
+                <a:solidFill>
+                  <a:srgbClr val="000000"/>
+                </a:solidFill>
+              </a:defRPr>
+            </a:pPr>
+            <a:r>
+              <a:rPr>
+                <a:solidFill>
+                  <a:srgbClr val="535353"/>
+                </a:solidFill>
+                <a:latin typeface="Andale Mono"/>
+                <a:ea typeface="Andale Mono"/>
+                <a:cs typeface="Andale Mono"/>
+                <a:sym typeface="Andale Mono"/>
+              </a:rPr>
+              <a:t>"Chris, 28"</a:t>
+            </a:r>
+            <a:endParaRPr>
+              <a:solidFill>
+                <a:srgbClr val="535353"/>
+              </a:solidFill>
+              <a:latin typeface="Andale Mono"/>
+              <a:ea typeface="Andale Mono"/>
+              <a:cs typeface="Andale Mono"/>
+              <a:sym typeface="Andale Mono"/>
+            </a:endParaRPr>
+          </a:p>
+          <a:p>
+            <a:pPr lvl="0" marL="0" indent="0" algn="ctr" defTabSz="584200">
+              <a:spcBef>
+                <a:spcPts val="0"/>
+              </a:spcBef>
+              <a:buSzTx/>
+              <a:buFontTx/>
+              <a:buNone/>
+              <a:defRPr sz="1800">
+                <a:solidFill>
+                  <a:srgbClr val="000000"/>
+                </a:solidFill>
+              </a:defRPr>
+            </a:pPr>
+            <a:r>
+              <a:rPr>
+                <a:solidFill>
+                  <a:srgbClr val="535353"/>
+                </a:solidFill>
+                <a:latin typeface="Andale Mono"/>
+                <a:ea typeface="Andale Mono"/>
+                <a:cs typeface="Andale Mono"/>
+                <a:sym typeface="Andale Mono"/>
+              </a:rPr>
+              <a:t>"Garth, 36"</a:t>
+            </a:r>
+            <a:endParaRPr>
+              <a:solidFill>
+                <a:srgbClr val="535353"/>
+              </a:solidFill>
+              <a:latin typeface="Andale Mono"/>
+              <a:ea typeface="Andale Mono"/>
+              <a:cs typeface="Andale Mono"/>
+              <a:sym typeface="Andale Mono"/>
+            </a:endParaRPr>
+          </a:p>
+          <a:p>
+            <a:pPr lvl="0" marL="0" indent="0" algn="ctr" defTabSz="584200">
+              <a:spcBef>
+                <a:spcPts val="0"/>
+              </a:spcBef>
+              <a:buSzTx/>
+              <a:buFontTx/>
+              <a:buNone/>
+              <a:defRPr sz="1800">
+                <a:solidFill>
+                  <a:srgbClr val="000000"/>
+                </a:solidFill>
+              </a:defRPr>
+            </a:pPr>
+            <a:r>
+              <a:rPr>
+                <a:solidFill>
+                  <a:srgbClr val="535353"/>
+                </a:solidFill>
+                <a:latin typeface="Andale Mono"/>
+                <a:ea typeface="Andale Mono"/>
+                <a:cs typeface="Andale Mono"/>
+                <a:sym typeface="Andale Mono"/>
+              </a:rPr>
+              <a:t>"Tasha, 24"</a:t>
+            </a:r>
+            <a:endParaRPr>
+              <a:solidFill>
+                <a:srgbClr val="535353"/>
+              </a:solidFill>
+              <a:latin typeface="Andale Mono"/>
+              <a:ea typeface="Andale Mono"/>
+              <a:cs typeface="Andale Mono"/>
+              <a:sym typeface="Andale Mono"/>
+            </a:endParaRPr>
+          </a:p>
+          <a:p>
+            <a:pPr lvl="0" marL="0" indent="0" algn="ctr" defTabSz="584200">
+              <a:spcBef>
+                <a:spcPts val="0"/>
+              </a:spcBef>
+              <a:buSzTx/>
+              <a:buFontTx/>
+              <a:buNone/>
+              <a:defRPr sz="1800">
+                <a:solidFill>
+                  <a:srgbClr val="000000"/>
+                </a:solidFill>
+              </a:defRPr>
+            </a:pPr>
+            <a:r>
+              <a:rPr>
+                <a:solidFill>
+                  <a:srgbClr val="535353"/>
+                </a:solidFill>
+                <a:latin typeface="Andale Mono"/>
+                <a:ea typeface="Andale Mono"/>
+                <a:cs typeface="Andale Mono"/>
+                <a:sym typeface="Andale Mono"/>
+              </a:rPr>
+              <a:t>"Mac, 30"</a:t>
+            </a:r>
+            <a:endParaRPr>
+              <a:solidFill>
+                <a:srgbClr val="535353"/>
+              </a:solidFill>
+              <a:latin typeface="Andale Mono"/>
+              <a:ea typeface="Andale Mono"/>
+              <a:cs typeface="Andale Mono"/>
+              <a:sym typeface="Andale Mono"/>
+            </a:endParaRPr>
+          </a:p>
+          <a:p>
+            <a:pPr lvl="0" marL="0" indent="0" algn="ctr" defTabSz="584200">
+              <a:spcBef>
+                <a:spcPts val="0"/>
+              </a:spcBef>
+              <a:buSzTx/>
+              <a:buFontTx/>
+              <a:buNone/>
+              <a:defRPr sz="1800">
+                <a:solidFill>
+                  <a:srgbClr val="000000"/>
+                </a:solidFill>
+              </a:defRPr>
+            </a:pPr>
+            <a:r>
+              <a:rPr>
+                <a:solidFill>
+                  <a:srgbClr val="535353"/>
+                </a:solidFill>
+                <a:latin typeface="Andale Mono"/>
+                <a:ea typeface="Andale Mono"/>
+                <a:cs typeface="Andale Mono"/>
+                <a:sym typeface="Andale Mono"/>
+              </a:rPr>
+              <a:t>"Neil, 32"</a:t>
             </a:r>
           </a:p>
         </p:txBody>
       </p:sp>
       <p:sp>
         <p:nvSpPr>
-          <p:cNvPr id="94" name="Shape 94"/>
+          <p:cNvPr id="101" name="Shape 101"/>
           <p:cNvSpPr/>
           <p:nvPr>
             <p:ph type="sldNum" sz="quarter" idx="2"/>
@@ -4189,7 +4466,7 @@
           </a:extLst>
         </p:spPr>
         <p:txBody>
-          <a:bodyPr/>
+          <a:bodyPr lIns="0" tIns="0" rIns="0" bIns="0"/>
           <a:lstStyle/>
           <a:p>
             <a:pPr lvl="0">
@@ -4206,6 +4483,65 @@
                 </a:solidFill>
               </a:rPr>
             </a:fld>
+          </a:p>
+        </p:txBody>
+      </p:sp>
+      <p:sp>
+        <p:nvSpPr>
+          <p:cNvPr id="102" name="Shape 102"/>
+          <p:cNvSpPr/>
+          <p:nvPr/>
+        </p:nvSpPr>
+        <p:spPr>
+          <a:xfrm>
+            <a:off x="457200" y="954945"/>
+            <a:ext cx="8229600" cy="753143"/>
+          </a:xfrm>
+          <a:prstGeom prst="rect">
+            <a:avLst/>
+          </a:prstGeom>
+          <a:ln w="12700">
+            <a:miter lim="400000"/>
+          </a:ln>
+          <a:extLst>
+            <a:ext uri="{C572A759-6A51-4108-AA02-DFA0A04FC94B}">
+              <ma14:wrappingTextBoxFlag xmlns:ma14="http://schemas.microsoft.com/office/mac/drawingml/2011/main" val="1"/>
+            </a:ext>
+          </a:extLst>
+        </p:spPr>
+        <p:txBody>
+          <a:bodyPr lIns="0" tIns="0" rIns="0" bIns="0" anchor="ctr">
+            <a:normAutofit fontScale="100000" lnSpcReduction="0"/>
+          </a:bodyPr>
+          <a:lstStyle>
+            <a:lvl1pPr algn="ctr" defTabSz="584200">
+              <a:defRPr>
+                <a:solidFill>
+                  <a:srgbClr val="535353"/>
+                </a:solidFill>
+                <a:latin typeface="Helvetica Light"/>
+                <a:ea typeface="Helvetica Light"/>
+                <a:cs typeface="Helvetica Light"/>
+                <a:sym typeface="Helvetica Light"/>
+              </a:defRPr>
+            </a:lvl1pPr>
+          </a:lstStyle>
+          <a:p>
+            <a:pPr lvl="0">
+              <a:defRPr>
+                <a:solidFill>
+                  <a:srgbClr val="000000"/>
+                </a:solidFill>
+              </a:defRPr>
+            </a:pPr>
+            <a:r>
+              <a:rPr>
+                <a:solidFill>
+                  <a:srgbClr val="535353"/>
+                </a:solidFill>
+              </a:rPr>
+              <a:t>Let’s say we wanted to do this with regular RDDs. What would that look like?</a:t>
+            </a:r>
           </a:p>
         </p:txBody>
       </p:sp>
@@ -4237,7 +4573,7 @@
       </p:grpSpPr>
       <p:sp>
         <p:nvSpPr>
-          <p:cNvPr id="96" name="Shape 96"/>
+          <p:cNvPr id="104" name="Shape 104"/>
           <p:cNvSpPr/>
           <p:nvPr>
             <p:ph type="title"/>
@@ -4250,35 +4586,43 @@
         </p:spPr>
         <p:txBody>
           <a:bodyPr lIns="0" tIns="0" rIns="0" bIns="0"/>
-          <a:lstStyle/>
-          <a:p>
-            <a:pPr lvl="1">
-              <a:defRPr sz="1800">
-                <a:solidFill>
-                  <a:srgbClr val="000000"/>
-                </a:solidFill>
-              </a:defRPr>
-            </a:pPr>
-            <a:r>
-              <a:rPr sz="4400">
-                <a:solidFill>
-                  <a:srgbClr val="595959"/>
-                </a:solidFill>
-              </a:rPr>
-              <a:t>Example: Column Average</a:t>
+          <a:lstStyle>
+            <a:lvl1pPr defTabSz="342900">
+              <a:defRPr sz="3300"/>
+            </a:lvl1pPr>
+          </a:lstStyle>
+          <a:p>
+            <a:pPr lvl="0">
+              <a:defRPr sz="1800">
+                <a:solidFill>
+                  <a:srgbClr val="000000"/>
+                </a:solidFill>
+              </a:defRPr>
+            </a:pPr>
+            <a:r>
+              <a:rPr sz="3300">
+                <a:solidFill>
+                  <a:srgbClr val="595959"/>
+                </a:solidFill>
+              </a:rPr>
+              <a:t>How can I use Spark to do something simple?</a:t>
             </a:r>
           </a:p>
         </p:txBody>
       </p:sp>
       <p:sp>
         <p:nvSpPr>
-          <p:cNvPr id="97" name="Shape 97"/>
+          <p:cNvPr id="105" name="Shape 105"/>
           <p:cNvSpPr/>
           <p:nvPr>
             <p:ph type="body" idx="1"/>
           </p:nvPr>
         </p:nvSpPr>
         <p:spPr>
+          <a:xfrm>
+            <a:off x="457200" y="1200150"/>
+            <a:ext cx="8229600" cy="3066516"/>
+          </a:xfrm>
           <a:prstGeom prst="rect">
             <a:avLst/>
           </a:prstGeom>
@@ -4287,7 +4631,10 @@
           <a:bodyPr lIns="0" tIns="0" rIns="0" bIns="0"/>
           <a:lstStyle/>
           <a:p>
-            <a:pPr lvl="0" marL="0" indent="0" algn="ctr">
+            <a:pPr lvl="0" marL="0" indent="0" defTabSz="584200">
+              <a:spcBef>
+                <a:spcPts val="0"/>
+              </a:spcBef>
               <a:buSzTx/>
               <a:buFontTx/>
               <a:buNone/>
@@ -4300,18 +4647,18 @@
             <a:r>
               <a:rPr>
                 <a:solidFill>
-                  <a:srgbClr val="595959"/>
+                  <a:srgbClr val="535353"/>
                 </a:solidFill>
                 <a:latin typeface="Andale Mono"/>
                 <a:ea typeface="Andale Mono"/>
                 <a:cs typeface="Andale Mono"/>
                 <a:sym typeface="Andale Mono"/>
               </a:rPr>
-              <a:t>{"name":"Michael", "age":29}</a:t>
+              <a:t>peopleRDD &lt;- textFile(sc, “people.txt”)</a:t>
             </a:r>
             <a:endParaRPr>
               <a:solidFill>
-                <a:srgbClr val="595959"/>
+                <a:srgbClr val="535353"/>
               </a:solidFill>
               <a:latin typeface="Andale Mono"/>
               <a:ea typeface="Andale Mono"/>
@@ -4320,7 +4667,10 @@
             </a:endParaRPr>
           </a:p>
           <a:p>
-            <a:pPr lvl="0" marL="0" indent="0" algn="ctr">
+            <a:pPr lvl="0" marL="0" indent="0" defTabSz="584200">
+              <a:spcBef>
+                <a:spcPts val="0"/>
+              </a:spcBef>
               <a:buSzTx/>
               <a:buFontTx/>
               <a:buNone/>
@@ -4333,18 +4683,18 @@
             <a:r>
               <a:rPr>
                 <a:solidFill>
-                  <a:srgbClr val="595959"/>
+                  <a:srgbClr val="535353"/>
                 </a:solidFill>
                 <a:latin typeface="Andale Mono"/>
                 <a:ea typeface="Andale Mono"/>
                 <a:cs typeface="Andale Mono"/>
                 <a:sym typeface="Andale Mono"/>
               </a:rPr>
-              <a:t>{"name":"Andy", "age":30}</a:t>
+              <a:t>lines &lt;- flatMap(peopleRDD,</a:t>
             </a:r>
             <a:endParaRPr>
               <a:solidFill>
-                <a:srgbClr val="595959"/>
+                <a:srgbClr val="535353"/>
               </a:solidFill>
               <a:latin typeface="Andale Mono"/>
               <a:ea typeface="Andale Mono"/>
@@ -4353,7 +4703,10 @@
             </a:endParaRPr>
           </a:p>
           <a:p>
-            <a:pPr lvl="0" marL="0" indent="0" algn="ctr">
+            <a:pPr lvl="0" marL="0" indent="0" defTabSz="584200">
+              <a:spcBef>
+                <a:spcPts val="0"/>
+              </a:spcBef>
               <a:buSzTx/>
               <a:buFontTx/>
               <a:buNone/>
@@ -4366,18 +4719,18 @@
             <a:r>
               <a:rPr>
                 <a:solidFill>
-                  <a:srgbClr val="595959"/>
+                  <a:srgbClr val="535353"/>
                 </a:solidFill>
                 <a:latin typeface="Andale Mono"/>
                 <a:ea typeface="Andale Mono"/>
                 <a:cs typeface="Andale Mono"/>
                 <a:sym typeface="Andale Mono"/>
               </a:rPr>
-              <a:t>{"name":"Justin", "age":19}</a:t>
+              <a:t>                 function(line) {</a:t>
             </a:r>
             <a:endParaRPr>
               <a:solidFill>
-                <a:srgbClr val="595959"/>
+                <a:srgbClr val="535353"/>
               </a:solidFill>
               <a:latin typeface="Andale Mono"/>
               <a:ea typeface="Andale Mono"/>
@@ -4386,7 +4739,10 @@
             </a:endParaRPr>
           </a:p>
           <a:p>
-            <a:pPr lvl="0" marL="0" indent="0" algn="ctr">
+            <a:pPr lvl="0" marL="0" indent="0" defTabSz="584200">
+              <a:spcBef>
+                <a:spcPts val="0"/>
+              </a:spcBef>
               <a:buSzTx/>
               <a:buFontTx/>
               <a:buNone/>
@@ -4399,18 +4755,18 @@
             <a:r>
               <a:rPr>
                 <a:solidFill>
-                  <a:srgbClr val="595959"/>
+                  <a:srgbClr val="535353"/>
                 </a:solidFill>
                 <a:latin typeface="Andale Mono"/>
                 <a:ea typeface="Andale Mono"/>
                 <a:cs typeface="Andale Mono"/>
                 <a:sym typeface="Andale Mono"/>
               </a:rPr>
-              <a:t>{"name":"Bob", "age":22}</a:t>
+              <a:t>                   strsplit(line, ", ")</a:t>
             </a:r>
             <a:endParaRPr>
               <a:solidFill>
-                <a:srgbClr val="595959"/>
+                <a:srgbClr val="535353"/>
               </a:solidFill>
               <a:latin typeface="Andale Mono"/>
               <a:ea typeface="Andale Mono"/>
@@ -4419,7 +4775,10 @@
             </a:endParaRPr>
           </a:p>
           <a:p>
-            <a:pPr lvl="0" marL="0" indent="0" algn="ctr">
+            <a:pPr lvl="0" marL="0" indent="0" defTabSz="584200">
+              <a:spcBef>
+                <a:spcPts val="0"/>
+              </a:spcBef>
               <a:buSzTx/>
               <a:buFontTx/>
               <a:buNone/>
@@ -4432,18 +4791,18 @@
             <a:r>
               <a:rPr>
                 <a:solidFill>
-                  <a:srgbClr val="595959"/>
+                  <a:srgbClr val="535353"/>
                 </a:solidFill>
                 <a:latin typeface="Andale Mono"/>
                 <a:ea typeface="Andale Mono"/>
                 <a:cs typeface="Andale Mono"/>
                 <a:sym typeface="Andale Mono"/>
               </a:rPr>
-              <a:t>{"name":"Chris", "age":28}</a:t>
+              <a:t>                 })</a:t>
             </a:r>
             <a:endParaRPr>
               <a:solidFill>
-                <a:srgbClr val="595959"/>
+                <a:srgbClr val="535353"/>
               </a:solidFill>
               <a:latin typeface="Andale Mono"/>
               <a:ea typeface="Andale Mono"/>
@@ -4451,134 +4810,11 @@
               <a:sym typeface="Andale Mono"/>
             </a:endParaRPr>
           </a:p>
-          <a:p>
-            <a:pPr lvl="0" marL="0" indent="0" algn="ctr">
-              <a:buSzTx/>
-              <a:buFontTx/>
-              <a:buNone/>
-              <a:defRPr sz="1800">
-                <a:solidFill>
-                  <a:srgbClr val="000000"/>
-                </a:solidFill>
-              </a:defRPr>
-            </a:pPr>
-            <a:r>
-              <a:rPr>
-                <a:solidFill>
-                  <a:srgbClr val="595959"/>
-                </a:solidFill>
-                <a:latin typeface="Andale Mono"/>
-                <a:ea typeface="Andale Mono"/>
-                <a:cs typeface="Andale Mono"/>
-                <a:sym typeface="Andale Mono"/>
-              </a:rPr>
-              <a:t>{"name":"Garth", "age":36}</a:t>
-            </a:r>
-            <a:endParaRPr>
-              <a:solidFill>
-                <a:srgbClr val="595959"/>
-              </a:solidFill>
-              <a:latin typeface="Andale Mono"/>
-              <a:ea typeface="Andale Mono"/>
-              <a:cs typeface="Andale Mono"/>
-              <a:sym typeface="Andale Mono"/>
-            </a:endParaRPr>
-          </a:p>
-          <a:p>
-            <a:pPr lvl="0" marL="0" indent="0" algn="ctr">
-              <a:buSzTx/>
-              <a:buFontTx/>
-              <a:buNone/>
-              <a:defRPr sz="1800">
-                <a:solidFill>
-                  <a:srgbClr val="000000"/>
-                </a:solidFill>
-              </a:defRPr>
-            </a:pPr>
-            <a:r>
-              <a:rPr>
-                <a:solidFill>
-                  <a:srgbClr val="595959"/>
-                </a:solidFill>
-                <a:latin typeface="Andale Mono"/>
-                <a:ea typeface="Andale Mono"/>
-                <a:cs typeface="Andale Mono"/>
-                <a:sym typeface="Andale Mono"/>
-              </a:rPr>
-              <a:t>{"name":"Tasha", "age":24}</a:t>
-            </a:r>
-            <a:endParaRPr>
-              <a:solidFill>
-                <a:srgbClr val="595959"/>
-              </a:solidFill>
-              <a:latin typeface="Andale Mono"/>
-              <a:ea typeface="Andale Mono"/>
-              <a:cs typeface="Andale Mono"/>
-              <a:sym typeface="Andale Mono"/>
-            </a:endParaRPr>
-          </a:p>
-          <a:p>
-            <a:pPr lvl="0" marL="0" indent="0" algn="ctr">
-              <a:buSzTx/>
-              <a:buFontTx/>
-              <a:buNone/>
-              <a:defRPr sz="1800">
-                <a:solidFill>
-                  <a:srgbClr val="000000"/>
-                </a:solidFill>
-              </a:defRPr>
-            </a:pPr>
-            <a:r>
-              <a:rPr>
-                <a:solidFill>
-                  <a:srgbClr val="595959"/>
-                </a:solidFill>
-                <a:latin typeface="Andale Mono"/>
-                <a:ea typeface="Andale Mono"/>
-                <a:cs typeface="Andale Mono"/>
-                <a:sym typeface="Andale Mono"/>
-              </a:rPr>
-              <a:t>{"name":"Mac", "age":30}</a:t>
-            </a:r>
-            <a:endParaRPr>
-              <a:solidFill>
-                <a:srgbClr val="595959"/>
-              </a:solidFill>
-              <a:latin typeface="Andale Mono"/>
-              <a:ea typeface="Andale Mono"/>
-              <a:cs typeface="Andale Mono"/>
-              <a:sym typeface="Andale Mono"/>
-            </a:endParaRPr>
-          </a:p>
-          <a:p>
-            <a:pPr lvl="0" marL="0" indent="0" algn="ctr">
-              <a:buSzTx/>
-              <a:buFontTx/>
-              <a:buNone/>
-              <a:defRPr sz="1800">
-                <a:solidFill>
-                  <a:srgbClr val="000000"/>
-                </a:solidFill>
-              </a:defRPr>
-            </a:pPr>
-            <a:r>
-              <a:rPr>
-                <a:solidFill>
-                  <a:srgbClr val="595959"/>
-                </a:solidFill>
-                <a:latin typeface="Andale Mono"/>
-                <a:ea typeface="Andale Mono"/>
-                <a:cs typeface="Andale Mono"/>
-                <a:sym typeface="Andale Mono"/>
-              </a:rPr>
-              <a:t>{"name":"Neil", "age":32}</a:t>
-            </a:r>
-          </a:p>
         </p:txBody>
       </p:sp>
       <p:sp>
         <p:nvSpPr>
-          <p:cNvPr id="98" name="Shape 98"/>
+          <p:cNvPr id="106" name="Shape 106"/>
           <p:cNvSpPr/>
           <p:nvPr>
             <p:ph type="sldNum" sz="quarter" idx="2"/>
@@ -4643,7 +4879,7 @@
       </p:grpSpPr>
       <p:sp>
         <p:nvSpPr>
-          <p:cNvPr id="100" name="Shape 100"/>
+          <p:cNvPr id="108" name="Shape 108"/>
           <p:cNvSpPr/>
           <p:nvPr>
             <p:ph type="title"/>
@@ -4656,35 +4892,43 @@
         </p:spPr>
         <p:txBody>
           <a:bodyPr lIns="0" tIns="0" rIns="0" bIns="0"/>
-          <a:lstStyle/>
-          <a:p>
-            <a:pPr lvl="1">
-              <a:defRPr sz="1800">
-                <a:solidFill>
-                  <a:srgbClr val="000000"/>
-                </a:solidFill>
-              </a:defRPr>
-            </a:pPr>
-            <a:r>
-              <a:rPr sz="4400">
-                <a:solidFill>
-                  <a:srgbClr val="595959"/>
-                </a:solidFill>
-              </a:rPr>
-              <a:t>Example: Column Average</a:t>
+          <a:lstStyle>
+            <a:lvl1pPr defTabSz="342900">
+              <a:defRPr sz="3300"/>
+            </a:lvl1pPr>
+          </a:lstStyle>
+          <a:p>
+            <a:pPr lvl="0">
+              <a:defRPr sz="1800">
+                <a:solidFill>
+                  <a:srgbClr val="000000"/>
+                </a:solidFill>
+              </a:defRPr>
+            </a:pPr>
+            <a:r>
+              <a:rPr sz="3300">
+                <a:solidFill>
+                  <a:srgbClr val="595959"/>
+                </a:solidFill>
+              </a:rPr>
+              <a:t>How can I use Spark to do something simple?</a:t>
             </a:r>
           </a:p>
         </p:txBody>
       </p:sp>
       <p:sp>
         <p:nvSpPr>
-          <p:cNvPr id="101" name="Shape 101"/>
+          <p:cNvPr id="109" name="Shape 109"/>
           <p:cNvSpPr/>
           <p:nvPr>
             <p:ph type="body" idx="1"/>
           </p:nvPr>
         </p:nvSpPr>
         <p:spPr>
+          <a:xfrm>
+            <a:off x="457200" y="1200150"/>
+            <a:ext cx="8229600" cy="3066516"/>
+          </a:xfrm>
           <a:prstGeom prst="rect">
             <a:avLst/>
           </a:prstGeom>
@@ -4707,7 +4951,7 @@
               </a:defRPr>
             </a:pPr>
             <a:r>
-              <a:rPr sz="2200">
+              <a:rPr>
                 <a:solidFill>
                   <a:srgbClr val="535353"/>
                 </a:solidFill>
@@ -4716,9 +4960,9 @@
                 <a:cs typeface="Andale Mono"/>
                 <a:sym typeface="Andale Mono"/>
               </a:rPr>
-              <a:t>sqlCtx &lt;- sparkRSQL.init(sc)</a:t>
-            </a:r>
-            <a:endParaRPr sz="2200">
+              <a:t>peopleRDD &lt;- textFile(sc, “people.txt”)</a:t>
+            </a:r>
+            <a:endParaRPr>
               <a:solidFill>
                 <a:srgbClr val="535353"/>
               </a:solidFill>
@@ -4742,7 +4986,19 @@
                 </a:solidFill>
               </a:defRPr>
             </a:pPr>
-            <a:endParaRPr sz="2200">
+            <a:r>
+              <a:rPr>
+                <a:solidFill>
+                  <a:srgbClr val="535353"/>
+                </a:solidFill>
+                <a:latin typeface="Andale Mono"/>
+                <a:ea typeface="Andale Mono"/>
+                <a:cs typeface="Andale Mono"/>
+                <a:sym typeface="Andale Mono"/>
+              </a:rPr>
+              <a:t>lines &lt;- flatMap(peopleRDD,</a:t>
+            </a:r>
+            <a:endParaRPr>
               <a:solidFill>
                 <a:srgbClr val="535353"/>
               </a:solidFill>
@@ -4767,7 +5023,7 @@
               </a:defRPr>
             </a:pPr>
             <a:r>
-              <a:rPr sz="2200">
+              <a:rPr>
                 <a:solidFill>
                   <a:srgbClr val="535353"/>
                 </a:solidFill>
@@ -4776,14 +5032,230 @@
                 <a:cs typeface="Andale Mono"/>
                 <a:sym typeface="Andale Mono"/>
               </a:rPr>
-              <a:t>df &lt;- read.df(sqlCtx, “people.json”, “json”)</a:t>
+              <a:t>                 function(line) {</a:t>
+            </a:r>
+            <a:endParaRPr>
+              <a:solidFill>
+                <a:srgbClr val="535353"/>
+              </a:solidFill>
+              <a:latin typeface="Andale Mono"/>
+              <a:ea typeface="Andale Mono"/>
+              <a:cs typeface="Andale Mono"/>
+              <a:sym typeface="Andale Mono"/>
+            </a:endParaRPr>
+          </a:p>
+          <a:p>
+            <a:pPr lvl="0" marL="0" indent="0" defTabSz="584200">
+              <a:spcBef>
+                <a:spcPts val="0"/>
+              </a:spcBef>
+              <a:buSzTx/>
+              <a:buFontTx/>
+              <a:buNone/>
+              <a:defRPr sz="1800">
+                <a:solidFill>
+                  <a:srgbClr val="000000"/>
+                </a:solidFill>
+              </a:defRPr>
+            </a:pPr>
+            <a:r>
+              <a:rPr>
+                <a:solidFill>
+                  <a:srgbClr val="535353"/>
+                </a:solidFill>
+                <a:latin typeface="Andale Mono"/>
+                <a:ea typeface="Andale Mono"/>
+                <a:cs typeface="Andale Mono"/>
+                <a:sym typeface="Andale Mono"/>
+              </a:rPr>
+              <a:t>                   strsplit(line, ", ")</a:t>
+            </a:r>
+            <a:endParaRPr>
+              <a:solidFill>
+                <a:srgbClr val="535353"/>
+              </a:solidFill>
+              <a:latin typeface="Andale Mono"/>
+              <a:ea typeface="Andale Mono"/>
+              <a:cs typeface="Andale Mono"/>
+              <a:sym typeface="Andale Mono"/>
+            </a:endParaRPr>
+          </a:p>
+          <a:p>
+            <a:pPr lvl="0" marL="0" indent="0" defTabSz="584200">
+              <a:spcBef>
+                <a:spcPts val="0"/>
+              </a:spcBef>
+              <a:buSzTx/>
+              <a:buFontTx/>
+              <a:buNone/>
+              <a:defRPr sz="1800">
+                <a:solidFill>
+                  <a:srgbClr val="000000"/>
+                </a:solidFill>
+              </a:defRPr>
+            </a:pPr>
+            <a:r>
+              <a:rPr>
+                <a:solidFill>
+                  <a:srgbClr val="535353"/>
+                </a:solidFill>
+                <a:latin typeface="Andale Mono"/>
+                <a:ea typeface="Andale Mono"/>
+                <a:cs typeface="Andale Mono"/>
+                <a:sym typeface="Andale Mono"/>
+              </a:rPr>
+              <a:t>                 })</a:t>
+            </a:r>
+            <a:endParaRPr>
+              <a:solidFill>
+                <a:srgbClr val="535353"/>
+              </a:solidFill>
+              <a:latin typeface="Andale Mono"/>
+              <a:ea typeface="Andale Mono"/>
+              <a:cs typeface="Andale Mono"/>
+              <a:sym typeface="Andale Mono"/>
+            </a:endParaRPr>
+          </a:p>
+          <a:p>
+            <a:pPr lvl="0" marL="0" indent="0" defTabSz="584200">
+              <a:spcBef>
+                <a:spcPts val="0"/>
+              </a:spcBef>
+              <a:buSzTx/>
+              <a:buFontTx/>
+              <a:buNone/>
+              <a:defRPr sz="1800">
+                <a:solidFill>
+                  <a:srgbClr val="000000"/>
+                </a:solidFill>
+              </a:defRPr>
+            </a:pPr>
+            <a:r>
+              <a:rPr>
+                <a:solidFill>
+                  <a:srgbClr val="535353"/>
+                </a:solidFill>
+                <a:latin typeface="Andale Mono"/>
+                <a:ea typeface="Andale Mono"/>
+                <a:cs typeface="Andale Mono"/>
+                <a:sym typeface="Andale Mono"/>
+              </a:rPr>
+              <a:t>ageInt &lt;- lapply(lines,</a:t>
+            </a:r>
+            <a:endParaRPr>
+              <a:solidFill>
+                <a:srgbClr val="535353"/>
+              </a:solidFill>
+              <a:latin typeface="Andale Mono"/>
+              <a:ea typeface="Andale Mono"/>
+              <a:cs typeface="Andale Mono"/>
+              <a:sym typeface="Andale Mono"/>
+            </a:endParaRPr>
+          </a:p>
+          <a:p>
+            <a:pPr lvl="0" marL="0" indent="0" defTabSz="584200">
+              <a:spcBef>
+                <a:spcPts val="0"/>
+              </a:spcBef>
+              <a:buSzTx/>
+              <a:buFontTx/>
+              <a:buNone/>
+              <a:defRPr sz="1800">
+                <a:solidFill>
+                  <a:srgbClr val="000000"/>
+                </a:solidFill>
+              </a:defRPr>
+            </a:pPr>
+            <a:r>
+              <a:rPr>
+                <a:solidFill>
+                  <a:srgbClr val="535353"/>
+                </a:solidFill>
+                <a:latin typeface="Andale Mono"/>
+                <a:ea typeface="Andale Mono"/>
+                <a:cs typeface="Andale Mono"/>
+                <a:sym typeface="Andale Mono"/>
+              </a:rPr>
+              <a:t>                 function(line) {</a:t>
+            </a:r>
+            <a:endParaRPr>
+              <a:solidFill>
+                <a:srgbClr val="535353"/>
+              </a:solidFill>
+              <a:latin typeface="Andale Mono"/>
+              <a:ea typeface="Andale Mono"/>
+              <a:cs typeface="Andale Mono"/>
+              <a:sym typeface="Andale Mono"/>
+            </a:endParaRPr>
+          </a:p>
+          <a:p>
+            <a:pPr lvl="0" marL="0" indent="0" defTabSz="584200">
+              <a:spcBef>
+                <a:spcPts val="0"/>
+              </a:spcBef>
+              <a:buSzTx/>
+              <a:buFontTx/>
+              <a:buNone/>
+              <a:defRPr sz="1800">
+                <a:solidFill>
+                  <a:srgbClr val="000000"/>
+                </a:solidFill>
+              </a:defRPr>
+            </a:pPr>
+            <a:r>
+              <a:rPr>
+                <a:solidFill>
+                  <a:srgbClr val="535353"/>
+                </a:solidFill>
+                <a:latin typeface="Andale Mono"/>
+                <a:ea typeface="Andale Mono"/>
+                <a:cs typeface="Andale Mono"/>
+                <a:sym typeface="Andale Mono"/>
+              </a:rPr>
+              <a:t>                   as.numeric(line[2])</a:t>
+            </a:r>
+            <a:endParaRPr>
+              <a:solidFill>
+                <a:srgbClr val="535353"/>
+              </a:solidFill>
+              <a:latin typeface="Andale Mono"/>
+              <a:ea typeface="Andale Mono"/>
+              <a:cs typeface="Andale Mono"/>
+              <a:sym typeface="Andale Mono"/>
+            </a:endParaRPr>
+          </a:p>
+          <a:p>
+            <a:pPr lvl="0" marL="0" indent="0" defTabSz="584200">
+              <a:spcBef>
+                <a:spcPts val="0"/>
+              </a:spcBef>
+              <a:buSzTx/>
+              <a:buFontTx/>
+              <a:buNone/>
+              <a:defRPr sz="1800">
+                <a:solidFill>
+                  <a:srgbClr val="000000"/>
+                </a:solidFill>
+              </a:defRPr>
+            </a:pPr>
+            <a:r>
+              <a:rPr>
+                <a:solidFill>
+                  <a:srgbClr val="535353"/>
+                </a:solidFill>
+                <a:latin typeface="Andale Mono"/>
+                <a:ea typeface="Andale Mono"/>
+                <a:cs typeface="Andale Mono"/>
+                <a:sym typeface="Andale Mono"/>
+              </a:rPr>
+              <a:t>                 })</a:t>
             </a:r>
           </a:p>
         </p:txBody>
       </p:sp>
       <p:sp>
         <p:nvSpPr>
-          <p:cNvPr id="102" name="Shape 102"/>
+          <p:cNvPr id="110" name="Shape 110"/>
           <p:cNvSpPr/>
           <p:nvPr>
             <p:ph type="sldNum" sz="quarter" idx="2"/>
@@ -4848,7 +5320,7 @@
       </p:grpSpPr>
       <p:sp>
         <p:nvSpPr>
-          <p:cNvPr id="104" name="Shape 104"/>
+          <p:cNvPr id="112" name="Shape 112"/>
           <p:cNvSpPr/>
           <p:nvPr>
             <p:ph type="title"/>
@@ -4861,35 +5333,43 @@
         </p:spPr>
         <p:txBody>
           <a:bodyPr lIns="0" tIns="0" rIns="0" bIns="0"/>
-          <a:lstStyle/>
-          <a:p>
-            <a:pPr lvl="1">
-              <a:defRPr sz="1800">
-                <a:solidFill>
-                  <a:srgbClr val="000000"/>
-                </a:solidFill>
-              </a:defRPr>
-            </a:pPr>
-            <a:r>
-              <a:rPr sz="4400">
-                <a:solidFill>
-                  <a:srgbClr val="595959"/>
-                </a:solidFill>
-              </a:rPr>
-              <a:t>Example: Column Average</a:t>
+          <a:lstStyle>
+            <a:lvl1pPr defTabSz="342900">
+              <a:defRPr sz="3300"/>
+            </a:lvl1pPr>
+          </a:lstStyle>
+          <a:p>
+            <a:pPr lvl="0">
+              <a:defRPr sz="1800">
+                <a:solidFill>
+                  <a:srgbClr val="000000"/>
+                </a:solidFill>
+              </a:defRPr>
+            </a:pPr>
+            <a:r>
+              <a:rPr sz="3300">
+                <a:solidFill>
+                  <a:srgbClr val="595959"/>
+                </a:solidFill>
+              </a:rPr>
+              <a:t>How can I use Spark to do something simple?</a:t>
             </a:r>
           </a:p>
         </p:txBody>
       </p:sp>
       <p:sp>
         <p:nvSpPr>
-          <p:cNvPr id="105" name="Shape 105"/>
+          <p:cNvPr id="113" name="Shape 113"/>
           <p:cNvSpPr/>
           <p:nvPr>
             <p:ph type="body" idx="1"/>
           </p:nvPr>
         </p:nvSpPr>
         <p:spPr>
+          <a:xfrm>
+            <a:off x="457200" y="1200150"/>
+            <a:ext cx="8229600" cy="3066516"/>
+          </a:xfrm>
           <a:prstGeom prst="rect">
             <a:avLst/>
           </a:prstGeom>
@@ -4912,7 +5392,7 @@
               </a:defRPr>
             </a:pPr>
             <a:r>
-              <a:rPr sz="2200">
+              <a:rPr>
                 <a:solidFill>
                   <a:srgbClr val="535353"/>
                 </a:solidFill>
@@ -4921,9 +5401,9 @@
                 <a:cs typeface="Andale Mono"/>
                 <a:sym typeface="Andale Mono"/>
               </a:rPr>
-              <a:t>sqlCtx &lt;- sparkRSQL.init(sc)</a:t>
-            </a:r>
-            <a:endParaRPr sz="2200">
+              <a:t>peopleRDD &lt;- textFile(sc, “people.txt”)</a:t>
+            </a:r>
+            <a:endParaRPr>
               <a:solidFill>
                 <a:srgbClr val="535353"/>
               </a:solidFill>
@@ -4947,7 +5427,19 @@
                 </a:solidFill>
               </a:defRPr>
             </a:pPr>
-            <a:endParaRPr sz="2200">
+            <a:r>
+              <a:rPr>
+                <a:solidFill>
+                  <a:srgbClr val="535353"/>
+                </a:solidFill>
+                <a:latin typeface="Andale Mono"/>
+                <a:ea typeface="Andale Mono"/>
+                <a:cs typeface="Andale Mono"/>
+                <a:sym typeface="Andale Mono"/>
+              </a:rPr>
+              <a:t>lines &lt;- flatMap(peopleRDD,</a:t>
+            </a:r>
+            <a:endParaRPr>
               <a:solidFill>
                 <a:srgbClr val="535353"/>
               </a:solidFill>
@@ -4972,7 +5464,7 @@
               </a:defRPr>
             </a:pPr>
             <a:r>
-              <a:rPr sz="2200">
+              <a:rPr>
                 <a:solidFill>
                   <a:srgbClr val="535353"/>
                 </a:solidFill>
@@ -4981,9 +5473,9 @@
                 <a:cs typeface="Andale Mono"/>
                 <a:sym typeface="Andale Mono"/>
               </a:rPr>
-              <a:t>df &lt;- read.df(sqlCtx, “people.json”, “json”)</a:t>
-            </a:r>
-            <a:endParaRPr sz="2200">
+              <a:t>                 function(line) {</a:t>
+            </a:r>
+            <a:endParaRPr>
               <a:solidFill>
                 <a:srgbClr val="535353"/>
               </a:solidFill>
@@ -5007,7 +5499,19 @@
                 </a:solidFill>
               </a:defRPr>
             </a:pPr>
-            <a:endParaRPr sz="2200">
+            <a:r>
+              <a:rPr>
+                <a:solidFill>
+                  <a:srgbClr val="535353"/>
+                </a:solidFill>
+                <a:latin typeface="Andale Mono"/>
+                <a:ea typeface="Andale Mono"/>
+                <a:cs typeface="Andale Mono"/>
+                <a:sym typeface="Andale Mono"/>
+              </a:rPr>
+              <a:t>                   strsplit(line, ", ")</a:t>
+            </a:r>
+            <a:endParaRPr>
               <a:solidFill>
                 <a:srgbClr val="535353"/>
               </a:solidFill>
@@ -5032,7 +5536,7 @@
               </a:defRPr>
             </a:pPr>
             <a:r>
-              <a:rPr sz="2200">
+              <a:rPr>
                 <a:solidFill>
                   <a:srgbClr val="535353"/>
                 </a:solidFill>
@@ -5041,14 +5545,194 @@
                 <a:cs typeface="Andale Mono"/>
                 <a:sym typeface="Andale Mono"/>
               </a:rPr>
-              <a:t>avg &lt;- select(df, avg(df$age))</a:t>
+              <a:t>                 })</a:t>
+            </a:r>
+            <a:endParaRPr>
+              <a:solidFill>
+                <a:srgbClr val="535353"/>
+              </a:solidFill>
+              <a:latin typeface="Andale Mono"/>
+              <a:ea typeface="Andale Mono"/>
+              <a:cs typeface="Andale Mono"/>
+              <a:sym typeface="Andale Mono"/>
+            </a:endParaRPr>
+          </a:p>
+          <a:p>
+            <a:pPr lvl="0" marL="0" indent="0" defTabSz="584200">
+              <a:spcBef>
+                <a:spcPts val="0"/>
+              </a:spcBef>
+              <a:buSzTx/>
+              <a:buFontTx/>
+              <a:buNone/>
+              <a:defRPr sz="1800">
+                <a:solidFill>
+                  <a:srgbClr val="000000"/>
+                </a:solidFill>
+              </a:defRPr>
+            </a:pPr>
+            <a:r>
+              <a:rPr>
+                <a:solidFill>
+                  <a:srgbClr val="535353"/>
+                </a:solidFill>
+                <a:latin typeface="Andale Mono"/>
+                <a:ea typeface="Andale Mono"/>
+                <a:cs typeface="Andale Mono"/>
+                <a:sym typeface="Andale Mono"/>
+              </a:rPr>
+              <a:t>ageInt &lt;- lapply(lines,</a:t>
+            </a:r>
+            <a:endParaRPr>
+              <a:solidFill>
+                <a:srgbClr val="535353"/>
+              </a:solidFill>
+              <a:latin typeface="Andale Mono"/>
+              <a:ea typeface="Andale Mono"/>
+              <a:cs typeface="Andale Mono"/>
+              <a:sym typeface="Andale Mono"/>
+            </a:endParaRPr>
+          </a:p>
+          <a:p>
+            <a:pPr lvl="0" marL="0" indent="0" defTabSz="584200">
+              <a:spcBef>
+                <a:spcPts val="0"/>
+              </a:spcBef>
+              <a:buSzTx/>
+              <a:buFontTx/>
+              <a:buNone/>
+              <a:defRPr sz="1800">
+                <a:solidFill>
+                  <a:srgbClr val="000000"/>
+                </a:solidFill>
+              </a:defRPr>
+            </a:pPr>
+            <a:r>
+              <a:rPr>
+                <a:solidFill>
+                  <a:srgbClr val="535353"/>
+                </a:solidFill>
+                <a:latin typeface="Andale Mono"/>
+                <a:ea typeface="Andale Mono"/>
+                <a:cs typeface="Andale Mono"/>
+                <a:sym typeface="Andale Mono"/>
+              </a:rPr>
+              <a:t>                 function(line) {</a:t>
+            </a:r>
+            <a:endParaRPr>
+              <a:solidFill>
+                <a:srgbClr val="535353"/>
+              </a:solidFill>
+              <a:latin typeface="Andale Mono"/>
+              <a:ea typeface="Andale Mono"/>
+              <a:cs typeface="Andale Mono"/>
+              <a:sym typeface="Andale Mono"/>
+            </a:endParaRPr>
+          </a:p>
+          <a:p>
+            <a:pPr lvl="0" marL="0" indent="0" defTabSz="584200">
+              <a:spcBef>
+                <a:spcPts val="0"/>
+              </a:spcBef>
+              <a:buSzTx/>
+              <a:buFontTx/>
+              <a:buNone/>
+              <a:defRPr sz="1800">
+                <a:solidFill>
+                  <a:srgbClr val="000000"/>
+                </a:solidFill>
+              </a:defRPr>
+            </a:pPr>
+            <a:r>
+              <a:rPr>
+                <a:solidFill>
+                  <a:srgbClr val="535353"/>
+                </a:solidFill>
+                <a:latin typeface="Andale Mono"/>
+                <a:ea typeface="Andale Mono"/>
+                <a:cs typeface="Andale Mono"/>
+                <a:sym typeface="Andale Mono"/>
+              </a:rPr>
+              <a:t>                   as.numeric(line[2])</a:t>
+            </a:r>
+            <a:endParaRPr>
+              <a:solidFill>
+                <a:srgbClr val="535353"/>
+              </a:solidFill>
+              <a:latin typeface="Andale Mono"/>
+              <a:ea typeface="Andale Mono"/>
+              <a:cs typeface="Andale Mono"/>
+              <a:sym typeface="Andale Mono"/>
+            </a:endParaRPr>
+          </a:p>
+          <a:p>
+            <a:pPr lvl="0" marL="0" indent="0" defTabSz="584200">
+              <a:spcBef>
+                <a:spcPts val="0"/>
+              </a:spcBef>
+              <a:buSzTx/>
+              <a:buFontTx/>
+              <a:buNone/>
+              <a:defRPr sz="1800">
+                <a:solidFill>
+                  <a:srgbClr val="000000"/>
+                </a:solidFill>
+              </a:defRPr>
+            </a:pPr>
+            <a:r>
+              <a:rPr>
+                <a:solidFill>
+                  <a:srgbClr val="535353"/>
+                </a:solidFill>
+                <a:latin typeface="Andale Mono"/>
+                <a:ea typeface="Andale Mono"/>
+                <a:cs typeface="Andale Mono"/>
+                <a:sym typeface="Andale Mono"/>
+              </a:rPr>
+              <a:t>                 })</a:t>
+            </a:r>
+            <a:endParaRPr>
+              <a:solidFill>
+                <a:srgbClr val="535353"/>
+              </a:solidFill>
+              <a:latin typeface="Andale Mono"/>
+              <a:ea typeface="Andale Mono"/>
+              <a:cs typeface="Andale Mono"/>
+              <a:sym typeface="Andale Mono"/>
+            </a:endParaRPr>
+          </a:p>
+          <a:p>
+            <a:pPr lvl="0" marL="0" indent="0" defTabSz="584200">
+              <a:spcBef>
+                <a:spcPts val="0"/>
+              </a:spcBef>
+              <a:buSzTx/>
+              <a:buFontTx/>
+              <a:buNone/>
+              <a:defRPr sz="1800">
+                <a:solidFill>
+                  <a:srgbClr val="000000"/>
+                </a:solidFill>
+              </a:defRPr>
+            </a:pPr>
+            <a:r>
+              <a:rPr>
+                <a:solidFill>
+                  <a:srgbClr val="535353"/>
+                </a:solidFill>
+                <a:latin typeface="Andale Mono"/>
+                <a:ea typeface="Andale Mono"/>
+                <a:cs typeface="Andale Mono"/>
+                <a:sym typeface="Andale Mono"/>
+              </a:rPr>
+              <a:t>sum &lt;- reduce(ageInt,function(x,y) {x+y})</a:t>
             </a:r>
           </a:p>
         </p:txBody>
       </p:sp>
       <p:sp>
         <p:nvSpPr>
-          <p:cNvPr id="106" name="Shape 106"/>
+          <p:cNvPr id="114" name="Shape 114"/>
           <p:cNvSpPr/>
           <p:nvPr>
             <p:ph type="sldNum" sz="quarter" idx="2"/>
@@ -5113,24 +5797,24 @@
       </p:grpSpPr>
       <p:sp>
         <p:nvSpPr>
-          <p:cNvPr id="108" name="Shape 108"/>
+          <p:cNvPr id="116" name="Shape 116"/>
           <p:cNvSpPr/>
           <p:nvPr>
             <p:ph type="title"/>
           </p:nvPr>
         </p:nvSpPr>
         <p:spPr>
-          <a:xfrm>
-            <a:off x="457200" y="2006203"/>
-            <a:ext cx="8229600" cy="1131095"/>
-          </a:xfrm>
           <a:prstGeom prst="rect">
             <a:avLst/>
           </a:prstGeom>
         </p:spPr>
         <p:txBody>
-          <a:bodyPr/>
-          <a:lstStyle/>
+          <a:bodyPr lIns="0" tIns="0" rIns="0" bIns="0"/>
+          <a:lstStyle>
+            <a:lvl1pPr defTabSz="342900">
+              <a:defRPr sz="3300"/>
+            </a:lvl1pPr>
+          </a:lstStyle>
           <a:p>
             <a:pPr lvl="0">
               <a:defRPr sz="1800">
@@ -5140,19 +5824,428 @@
               </a:defRPr>
             </a:pPr>
             <a:r>
-              <a:rPr sz="4400">
-                <a:solidFill>
-                  <a:srgbClr val="595959"/>
-                </a:solidFill>
-              </a:rPr>
-              <a:t>Live Demo</a:t>
+              <a:rPr sz="3300">
+                <a:solidFill>
+                  <a:srgbClr val="595959"/>
+                </a:solidFill>
+              </a:rPr>
+              <a:t>How can I use Spark to do something simple?</a:t>
             </a:r>
           </a:p>
         </p:txBody>
       </p:sp>
       <p:sp>
         <p:nvSpPr>
-          <p:cNvPr id="109" name="Shape 109"/>
+          <p:cNvPr id="117" name="Shape 117"/>
+          <p:cNvSpPr/>
+          <p:nvPr>
+            <p:ph type="body" idx="1"/>
+          </p:nvPr>
+        </p:nvSpPr>
+        <p:spPr>
+          <a:xfrm>
+            <a:off x="457200" y="1200150"/>
+            <a:ext cx="8229600" cy="3066516"/>
+          </a:xfrm>
+          <a:prstGeom prst="rect">
+            <a:avLst/>
+          </a:prstGeom>
+        </p:spPr>
+        <p:txBody>
+          <a:bodyPr lIns="0" tIns="0" rIns="0" bIns="0"/>
+          <a:lstStyle/>
+          <a:p>
+            <a:pPr lvl="0" marL="0" indent="0" defTabSz="584200">
+              <a:spcBef>
+                <a:spcPts val="0"/>
+              </a:spcBef>
+              <a:buSzTx/>
+              <a:buFontTx/>
+              <a:buNone/>
+              <a:defRPr sz="1800">
+                <a:solidFill>
+                  <a:srgbClr val="000000"/>
+                </a:solidFill>
+              </a:defRPr>
+            </a:pPr>
+            <a:r>
+              <a:rPr>
+                <a:solidFill>
+                  <a:srgbClr val="535353"/>
+                </a:solidFill>
+                <a:latin typeface="Andale Mono"/>
+                <a:ea typeface="Andale Mono"/>
+                <a:cs typeface="Andale Mono"/>
+                <a:sym typeface="Andale Mono"/>
+              </a:rPr>
+              <a:t>peopleRDD &lt;- textFile(sc, “people.txt”)</a:t>
+            </a:r>
+            <a:endParaRPr>
+              <a:solidFill>
+                <a:srgbClr val="535353"/>
+              </a:solidFill>
+              <a:latin typeface="Andale Mono"/>
+              <a:ea typeface="Andale Mono"/>
+              <a:cs typeface="Andale Mono"/>
+              <a:sym typeface="Andale Mono"/>
+            </a:endParaRPr>
+          </a:p>
+          <a:p>
+            <a:pPr lvl="0" marL="0" indent="0" defTabSz="584200">
+              <a:spcBef>
+                <a:spcPts val="0"/>
+              </a:spcBef>
+              <a:buSzTx/>
+              <a:buFontTx/>
+              <a:buNone/>
+              <a:defRPr sz="1800">
+                <a:solidFill>
+                  <a:srgbClr val="000000"/>
+                </a:solidFill>
+              </a:defRPr>
+            </a:pPr>
+            <a:r>
+              <a:rPr>
+                <a:solidFill>
+                  <a:srgbClr val="535353"/>
+                </a:solidFill>
+                <a:latin typeface="Andale Mono"/>
+                <a:ea typeface="Andale Mono"/>
+                <a:cs typeface="Andale Mono"/>
+                <a:sym typeface="Andale Mono"/>
+              </a:rPr>
+              <a:t>lines &lt;- flatMap(peopleRDD,</a:t>
+            </a:r>
+            <a:endParaRPr>
+              <a:solidFill>
+                <a:srgbClr val="535353"/>
+              </a:solidFill>
+              <a:latin typeface="Andale Mono"/>
+              <a:ea typeface="Andale Mono"/>
+              <a:cs typeface="Andale Mono"/>
+              <a:sym typeface="Andale Mono"/>
+            </a:endParaRPr>
+          </a:p>
+          <a:p>
+            <a:pPr lvl="0" marL="0" indent="0" defTabSz="584200">
+              <a:spcBef>
+                <a:spcPts val="0"/>
+              </a:spcBef>
+              <a:buSzTx/>
+              <a:buFontTx/>
+              <a:buNone/>
+              <a:defRPr sz="1800">
+                <a:solidFill>
+                  <a:srgbClr val="000000"/>
+                </a:solidFill>
+              </a:defRPr>
+            </a:pPr>
+            <a:r>
+              <a:rPr>
+                <a:solidFill>
+                  <a:srgbClr val="535353"/>
+                </a:solidFill>
+                <a:latin typeface="Andale Mono"/>
+                <a:ea typeface="Andale Mono"/>
+                <a:cs typeface="Andale Mono"/>
+                <a:sym typeface="Andale Mono"/>
+              </a:rPr>
+              <a:t>                 function(line) {</a:t>
+            </a:r>
+            <a:endParaRPr>
+              <a:solidFill>
+                <a:srgbClr val="535353"/>
+              </a:solidFill>
+              <a:latin typeface="Andale Mono"/>
+              <a:ea typeface="Andale Mono"/>
+              <a:cs typeface="Andale Mono"/>
+              <a:sym typeface="Andale Mono"/>
+            </a:endParaRPr>
+          </a:p>
+          <a:p>
+            <a:pPr lvl="0" marL="0" indent="0" defTabSz="584200">
+              <a:spcBef>
+                <a:spcPts val="0"/>
+              </a:spcBef>
+              <a:buSzTx/>
+              <a:buFontTx/>
+              <a:buNone/>
+              <a:defRPr sz="1800">
+                <a:solidFill>
+                  <a:srgbClr val="000000"/>
+                </a:solidFill>
+              </a:defRPr>
+            </a:pPr>
+            <a:r>
+              <a:rPr>
+                <a:solidFill>
+                  <a:srgbClr val="535353"/>
+                </a:solidFill>
+                <a:latin typeface="Andale Mono"/>
+                <a:ea typeface="Andale Mono"/>
+                <a:cs typeface="Andale Mono"/>
+                <a:sym typeface="Andale Mono"/>
+              </a:rPr>
+              <a:t>                   strsplit(line, ", ")</a:t>
+            </a:r>
+            <a:endParaRPr>
+              <a:solidFill>
+                <a:srgbClr val="535353"/>
+              </a:solidFill>
+              <a:latin typeface="Andale Mono"/>
+              <a:ea typeface="Andale Mono"/>
+              <a:cs typeface="Andale Mono"/>
+              <a:sym typeface="Andale Mono"/>
+            </a:endParaRPr>
+          </a:p>
+          <a:p>
+            <a:pPr lvl="0" marL="0" indent="0" defTabSz="584200">
+              <a:spcBef>
+                <a:spcPts val="0"/>
+              </a:spcBef>
+              <a:buSzTx/>
+              <a:buFontTx/>
+              <a:buNone/>
+              <a:defRPr sz="1800">
+                <a:solidFill>
+                  <a:srgbClr val="000000"/>
+                </a:solidFill>
+              </a:defRPr>
+            </a:pPr>
+            <a:r>
+              <a:rPr>
+                <a:solidFill>
+                  <a:srgbClr val="535353"/>
+                </a:solidFill>
+                <a:latin typeface="Andale Mono"/>
+                <a:ea typeface="Andale Mono"/>
+                <a:cs typeface="Andale Mono"/>
+                <a:sym typeface="Andale Mono"/>
+              </a:rPr>
+              <a:t>                 })</a:t>
+            </a:r>
+            <a:endParaRPr>
+              <a:solidFill>
+                <a:srgbClr val="535353"/>
+              </a:solidFill>
+              <a:latin typeface="Andale Mono"/>
+              <a:ea typeface="Andale Mono"/>
+              <a:cs typeface="Andale Mono"/>
+              <a:sym typeface="Andale Mono"/>
+            </a:endParaRPr>
+          </a:p>
+          <a:p>
+            <a:pPr lvl="0" marL="0" indent="0" defTabSz="584200">
+              <a:spcBef>
+                <a:spcPts val="0"/>
+              </a:spcBef>
+              <a:buSzTx/>
+              <a:buFontTx/>
+              <a:buNone/>
+              <a:defRPr sz="1800">
+                <a:solidFill>
+                  <a:srgbClr val="000000"/>
+                </a:solidFill>
+              </a:defRPr>
+            </a:pPr>
+            <a:r>
+              <a:rPr>
+                <a:solidFill>
+                  <a:srgbClr val="535353"/>
+                </a:solidFill>
+                <a:latin typeface="Andale Mono"/>
+                <a:ea typeface="Andale Mono"/>
+                <a:cs typeface="Andale Mono"/>
+                <a:sym typeface="Andale Mono"/>
+              </a:rPr>
+              <a:t>ageInt &lt;- lapply(lines,</a:t>
+            </a:r>
+            <a:endParaRPr>
+              <a:solidFill>
+                <a:srgbClr val="535353"/>
+              </a:solidFill>
+              <a:latin typeface="Andale Mono"/>
+              <a:ea typeface="Andale Mono"/>
+              <a:cs typeface="Andale Mono"/>
+              <a:sym typeface="Andale Mono"/>
+            </a:endParaRPr>
+          </a:p>
+          <a:p>
+            <a:pPr lvl="0" marL="0" indent="0" defTabSz="584200">
+              <a:spcBef>
+                <a:spcPts val="0"/>
+              </a:spcBef>
+              <a:buSzTx/>
+              <a:buFontTx/>
+              <a:buNone/>
+              <a:defRPr sz="1800">
+                <a:solidFill>
+                  <a:srgbClr val="000000"/>
+                </a:solidFill>
+              </a:defRPr>
+            </a:pPr>
+            <a:r>
+              <a:rPr>
+                <a:solidFill>
+                  <a:srgbClr val="535353"/>
+                </a:solidFill>
+                <a:latin typeface="Andale Mono"/>
+                <a:ea typeface="Andale Mono"/>
+                <a:cs typeface="Andale Mono"/>
+                <a:sym typeface="Andale Mono"/>
+              </a:rPr>
+              <a:t>                 function(line) {</a:t>
+            </a:r>
+            <a:endParaRPr>
+              <a:solidFill>
+                <a:srgbClr val="535353"/>
+              </a:solidFill>
+              <a:latin typeface="Andale Mono"/>
+              <a:ea typeface="Andale Mono"/>
+              <a:cs typeface="Andale Mono"/>
+              <a:sym typeface="Andale Mono"/>
+            </a:endParaRPr>
+          </a:p>
+          <a:p>
+            <a:pPr lvl="0" marL="0" indent="0" defTabSz="584200">
+              <a:spcBef>
+                <a:spcPts val="0"/>
+              </a:spcBef>
+              <a:buSzTx/>
+              <a:buFontTx/>
+              <a:buNone/>
+              <a:defRPr sz="1800">
+                <a:solidFill>
+                  <a:srgbClr val="000000"/>
+                </a:solidFill>
+              </a:defRPr>
+            </a:pPr>
+            <a:r>
+              <a:rPr>
+                <a:solidFill>
+                  <a:srgbClr val="535353"/>
+                </a:solidFill>
+                <a:latin typeface="Andale Mono"/>
+                <a:ea typeface="Andale Mono"/>
+                <a:cs typeface="Andale Mono"/>
+                <a:sym typeface="Andale Mono"/>
+              </a:rPr>
+              <a:t>                   as.numeric(line[2])</a:t>
+            </a:r>
+            <a:endParaRPr>
+              <a:solidFill>
+                <a:srgbClr val="535353"/>
+              </a:solidFill>
+              <a:latin typeface="Andale Mono"/>
+              <a:ea typeface="Andale Mono"/>
+              <a:cs typeface="Andale Mono"/>
+              <a:sym typeface="Andale Mono"/>
+            </a:endParaRPr>
+          </a:p>
+          <a:p>
+            <a:pPr lvl="0" marL="0" indent="0" defTabSz="584200">
+              <a:spcBef>
+                <a:spcPts val="0"/>
+              </a:spcBef>
+              <a:buSzTx/>
+              <a:buFontTx/>
+              <a:buNone/>
+              <a:defRPr sz="1800">
+                <a:solidFill>
+                  <a:srgbClr val="000000"/>
+                </a:solidFill>
+              </a:defRPr>
+            </a:pPr>
+            <a:r>
+              <a:rPr>
+                <a:solidFill>
+                  <a:srgbClr val="535353"/>
+                </a:solidFill>
+                <a:latin typeface="Andale Mono"/>
+                <a:ea typeface="Andale Mono"/>
+                <a:cs typeface="Andale Mono"/>
+                <a:sym typeface="Andale Mono"/>
+              </a:rPr>
+              <a:t>                 })</a:t>
+            </a:r>
+            <a:endParaRPr>
+              <a:solidFill>
+                <a:srgbClr val="535353"/>
+              </a:solidFill>
+              <a:latin typeface="Andale Mono"/>
+              <a:ea typeface="Andale Mono"/>
+              <a:cs typeface="Andale Mono"/>
+              <a:sym typeface="Andale Mono"/>
+            </a:endParaRPr>
+          </a:p>
+          <a:p>
+            <a:pPr lvl="0" marL="0" indent="0" defTabSz="584200">
+              <a:spcBef>
+                <a:spcPts val="0"/>
+              </a:spcBef>
+              <a:buSzTx/>
+              <a:buFontTx/>
+              <a:buNone/>
+              <a:defRPr sz="1800">
+                <a:solidFill>
+                  <a:srgbClr val="000000"/>
+                </a:solidFill>
+              </a:defRPr>
+            </a:pPr>
+            <a:r>
+              <a:rPr>
+                <a:solidFill>
+                  <a:srgbClr val="535353"/>
+                </a:solidFill>
+                <a:latin typeface="Andale Mono"/>
+                <a:ea typeface="Andale Mono"/>
+                <a:cs typeface="Andale Mono"/>
+                <a:sym typeface="Andale Mono"/>
+              </a:rPr>
+              <a:t>sum &lt;- reduce(ageInt,function(x,y) {x+y})</a:t>
+            </a:r>
+            <a:endParaRPr>
+              <a:solidFill>
+                <a:srgbClr val="535353"/>
+              </a:solidFill>
+              <a:latin typeface="Andale Mono"/>
+              <a:ea typeface="Andale Mono"/>
+              <a:cs typeface="Andale Mono"/>
+              <a:sym typeface="Andale Mono"/>
+            </a:endParaRPr>
+          </a:p>
+          <a:p>
+            <a:pPr lvl="0" marL="0" indent="0" defTabSz="584200">
+              <a:spcBef>
+                <a:spcPts val="0"/>
+              </a:spcBef>
+              <a:buSzTx/>
+              <a:buFontTx/>
+              <a:buNone/>
+              <a:defRPr sz="1800">
+                <a:solidFill>
+                  <a:srgbClr val="000000"/>
+                </a:solidFill>
+              </a:defRPr>
+            </a:pPr>
+            <a:r>
+              <a:rPr>
+                <a:solidFill>
+                  <a:srgbClr val="535353"/>
+                </a:solidFill>
+                <a:latin typeface="Andale Mono"/>
+                <a:ea typeface="Andale Mono"/>
+                <a:cs typeface="Andale Mono"/>
+                <a:sym typeface="Andale Mono"/>
+              </a:rPr>
+              <a:t>avg &lt;- sum / count(peopleRDD)</a:t>
+            </a:r>
+          </a:p>
+        </p:txBody>
+      </p:sp>
+      <p:sp>
+        <p:nvSpPr>
+          <p:cNvPr id="118" name="Shape 118"/>
           <p:cNvSpPr/>
           <p:nvPr>
             <p:ph type="sldNum" sz="quarter" idx="2"/>
@@ -5169,7 +6262,7 @@
           </a:extLst>
         </p:spPr>
         <p:txBody>
-          <a:bodyPr/>
+          <a:bodyPr lIns="0" tIns="0" rIns="0" bIns="0"/>
           <a:lstStyle/>
           <a:p>
             <a:pPr lvl="0">
@@ -5217,7 +6310,7 @@
       </p:grpSpPr>
       <p:sp>
         <p:nvSpPr>
-          <p:cNvPr id="111" name="Shape 111"/>
+          <p:cNvPr id="120" name="Shape 120"/>
           <p:cNvSpPr/>
           <p:nvPr>
             <p:ph type="title"/>
@@ -5229,131 +6322,443 @@
           </a:prstGeom>
         </p:spPr>
         <p:txBody>
-          <a:bodyPr/>
-          <a:lstStyle/>
-          <a:p>
-            <a:pPr lvl="1">
-              <a:defRPr sz="1800">
-                <a:solidFill>
-                  <a:srgbClr val="000000"/>
-                </a:solidFill>
-              </a:defRPr>
-            </a:pPr>
-            <a:r>
-              <a:rPr sz="4400">
-                <a:solidFill>
-                  <a:srgbClr val="595959"/>
-                </a:solidFill>
-              </a:rPr>
-              <a:t>DataFrames in SparkR</a:t>
+          <a:bodyPr lIns="0" tIns="0" rIns="0" bIns="0"/>
+          <a:lstStyle>
+            <a:lvl1pPr defTabSz="342900">
+              <a:defRPr sz="3300"/>
+            </a:lvl1pPr>
+          </a:lstStyle>
+          <a:p>
+            <a:pPr lvl="0">
+              <a:defRPr sz="1800">
+                <a:solidFill>
+                  <a:srgbClr val="000000"/>
+                </a:solidFill>
+              </a:defRPr>
+            </a:pPr>
+            <a:r>
+              <a:rPr sz="3300">
+                <a:solidFill>
+                  <a:srgbClr val="595959"/>
+                </a:solidFill>
+              </a:rPr>
+              <a:t>How can I use Spark to do something simple?</a:t>
             </a:r>
           </a:p>
         </p:txBody>
       </p:sp>
       <p:sp>
         <p:nvSpPr>
-          <p:cNvPr id="112" name="Shape 112"/>
+          <p:cNvPr id="121" name="Shape 121"/>
           <p:cNvSpPr/>
           <p:nvPr>
             <p:ph type="body" idx="1"/>
           </p:nvPr>
         </p:nvSpPr>
         <p:spPr>
+          <a:xfrm>
+            <a:off x="457200" y="1200150"/>
+            <a:ext cx="8229600" cy="3066516"/>
+          </a:xfrm>
           <a:prstGeom prst="rect">
             <a:avLst/>
           </a:prstGeom>
         </p:spPr>
         <p:txBody>
-          <a:bodyPr/>
+          <a:bodyPr lIns="0" tIns="0" rIns="0" bIns="0"/>
           <a:lstStyle/>
           <a:p>
-            <a:pPr lvl="0">
-              <a:defRPr sz="1800">
-                <a:solidFill>
-                  <a:srgbClr val="000000"/>
-                </a:solidFill>
-              </a:defRPr>
-            </a:pPr>
-            <a:r>
-              <a:rPr sz="2800">
-                <a:solidFill>
-                  <a:srgbClr val="595959"/>
-                </a:solidFill>
-              </a:rPr>
-              <a:t>Multiple Components:</a:t>
-            </a:r>
-            <a:endParaRPr sz="2800">
-              <a:solidFill>
-                <a:srgbClr val="595959"/>
-              </a:solidFill>
-            </a:endParaRPr>
-          </a:p>
-          <a:p>
-            <a:pPr lvl="1">
-              <a:defRPr sz="1800">
-                <a:solidFill>
-                  <a:srgbClr val="000000"/>
-                </a:solidFill>
-              </a:defRPr>
-            </a:pPr>
-            <a:r>
-              <a:rPr sz="2800">
-                <a:solidFill>
-                  <a:srgbClr val="595959"/>
-                </a:solidFill>
-              </a:rPr>
-              <a:t>A set of native S4 classes and methods that live inside a standard R package</a:t>
-            </a:r>
-            <a:endParaRPr sz="2800">
-              <a:solidFill>
-                <a:srgbClr val="595959"/>
-              </a:solidFill>
-            </a:endParaRPr>
-          </a:p>
-          <a:p>
-            <a:pPr lvl="1">
-              <a:defRPr sz="1800">
-                <a:solidFill>
-                  <a:srgbClr val="000000"/>
-                </a:solidFill>
-              </a:defRPr>
-            </a:pPr>
-            <a:r>
-              <a:rPr sz="2800">
-                <a:solidFill>
-                  <a:srgbClr val="595959"/>
-                </a:solidFill>
-              </a:rPr>
-              <a:t>A SparkR backend that passes data structures and method calls to the JVM</a:t>
-            </a:r>
-            <a:endParaRPr sz="2800">
-              <a:solidFill>
-                <a:srgbClr val="595959"/>
-              </a:solidFill>
-            </a:endParaRPr>
-          </a:p>
-          <a:p>
-            <a:pPr lvl="1">
-              <a:defRPr sz="1800">
-                <a:solidFill>
-                  <a:srgbClr val="000000"/>
-                </a:solidFill>
-              </a:defRPr>
-            </a:pPr>
-            <a:r>
-              <a:rPr sz="2800">
-                <a:solidFill>
-                  <a:srgbClr val="595959"/>
-                </a:solidFill>
-              </a:rPr>
-              <a:t>A set of “helper” methods written in Scala</a:t>
+            <a:pPr lvl="0" marL="0" indent="0" defTabSz="584200">
+              <a:spcBef>
+                <a:spcPts val="0"/>
+              </a:spcBef>
+              <a:buSzTx/>
+              <a:buFontTx/>
+              <a:buNone/>
+              <a:defRPr sz="1800">
+                <a:solidFill>
+                  <a:srgbClr val="000000"/>
+                </a:solidFill>
+              </a:defRPr>
+            </a:pPr>
+            <a:r>
+              <a:rPr>
+                <a:solidFill>
+                  <a:srgbClr val="535353"/>
+                </a:solidFill>
+                <a:latin typeface="Andale Mono"/>
+                <a:ea typeface="Andale Mono"/>
+                <a:cs typeface="Andale Mono"/>
+                <a:sym typeface="Andale Mono"/>
+              </a:rPr>
+              <a:t>peopleRDD &lt;- textFile(sc, “people.txt”)</a:t>
+            </a:r>
+            <a:endParaRPr>
+              <a:solidFill>
+                <a:srgbClr val="535353"/>
+              </a:solidFill>
+              <a:latin typeface="Andale Mono"/>
+              <a:ea typeface="Andale Mono"/>
+              <a:cs typeface="Andale Mono"/>
+              <a:sym typeface="Andale Mono"/>
+            </a:endParaRPr>
+          </a:p>
+          <a:p>
+            <a:pPr lvl="0" marL="0" indent="0" defTabSz="584200">
+              <a:spcBef>
+                <a:spcPts val="0"/>
+              </a:spcBef>
+              <a:buSzTx/>
+              <a:buFontTx/>
+              <a:buNone/>
+              <a:defRPr sz="1800">
+                <a:solidFill>
+                  <a:srgbClr val="000000"/>
+                </a:solidFill>
+              </a:defRPr>
+            </a:pPr>
+            <a:r>
+              <a:rPr>
+                <a:solidFill>
+                  <a:srgbClr val="535353"/>
+                </a:solidFill>
+                <a:latin typeface="Andale Mono"/>
+                <a:ea typeface="Andale Mono"/>
+                <a:cs typeface="Andale Mono"/>
+                <a:sym typeface="Andale Mono"/>
+              </a:rPr>
+              <a:t>lines &lt;- flatMap(peopleRDD,</a:t>
+            </a:r>
+            <a:endParaRPr>
+              <a:solidFill>
+                <a:srgbClr val="535353"/>
+              </a:solidFill>
+              <a:latin typeface="Andale Mono"/>
+              <a:ea typeface="Andale Mono"/>
+              <a:cs typeface="Andale Mono"/>
+              <a:sym typeface="Andale Mono"/>
+            </a:endParaRPr>
+          </a:p>
+          <a:p>
+            <a:pPr lvl="0" marL="0" indent="0" defTabSz="584200">
+              <a:spcBef>
+                <a:spcPts val="0"/>
+              </a:spcBef>
+              <a:buSzTx/>
+              <a:buFontTx/>
+              <a:buNone/>
+              <a:defRPr sz="1800">
+                <a:solidFill>
+                  <a:srgbClr val="000000"/>
+                </a:solidFill>
+              </a:defRPr>
+            </a:pPr>
+            <a:r>
+              <a:rPr>
+                <a:solidFill>
+                  <a:srgbClr val="535353"/>
+                </a:solidFill>
+                <a:latin typeface="Andale Mono"/>
+                <a:ea typeface="Andale Mono"/>
+                <a:cs typeface="Andale Mono"/>
+                <a:sym typeface="Andale Mono"/>
+              </a:rPr>
+              <a:t>                 function(line) {</a:t>
+            </a:r>
+            <a:endParaRPr>
+              <a:solidFill>
+                <a:srgbClr val="535353"/>
+              </a:solidFill>
+              <a:latin typeface="Andale Mono"/>
+              <a:ea typeface="Andale Mono"/>
+              <a:cs typeface="Andale Mono"/>
+              <a:sym typeface="Andale Mono"/>
+            </a:endParaRPr>
+          </a:p>
+          <a:p>
+            <a:pPr lvl="0" marL="0" indent="0" defTabSz="584200">
+              <a:spcBef>
+                <a:spcPts val="0"/>
+              </a:spcBef>
+              <a:buSzTx/>
+              <a:buFontTx/>
+              <a:buNone/>
+              <a:defRPr sz="1800">
+                <a:solidFill>
+                  <a:srgbClr val="000000"/>
+                </a:solidFill>
+              </a:defRPr>
+            </a:pPr>
+            <a:r>
+              <a:rPr>
+                <a:solidFill>
+                  <a:srgbClr val="535353"/>
+                </a:solidFill>
+                <a:latin typeface="Andale Mono"/>
+                <a:ea typeface="Andale Mono"/>
+                <a:cs typeface="Andale Mono"/>
+                <a:sym typeface="Andale Mono"/>
+              </a:rPr>
+              <a:t>                   strsplit(line, ", ")</a:t>
+            </a:r>
+            <a:endParaRPr>
+              <a:solidFill>
+                <a:srgbClr val="535353"/>
+              </a:solidFill>
+              <a:latin typeface="Andale Mono"/>
+              <a:ea typeface="Andale Mono"/>
+              <a:cs typeface="Andale Mono"/>
+              <a:sym typeface="Andale Mono"/>
+            </a:endParaRPr>
+          </a:p>
+          <a:p>
+            <a:pPr lvl="0" marL="0" indent="0" defTabSz="584200">
+              <a:spcBef>
+                <a:spcPts val="0"/>
+              </a:spcBef>
+              <a:buSzTx/>
+              <a:buFontTx/>
+              <a:buNone/>
+              <a:defRPr sz="1800">
+                <a:solidFill>
+                  <a:srgbClr val="000000"/>
+                </a:solidFill>
+              </a:defRPr>
+            </a:pPr>
+            <a:r>
+              <a:rPr>
+                <a:solidFill>
+                  <a:srgbClr val="535353"/>
+                </a:solidFill>
+                <a:latin typeface="Andale Mono"/>
+                <a:ea typeface="Andale Mono"/>
+                <a:cs typeface="Andale Mono"/>
+                <a:sym typeface="Andale Mono"/>
+              </a:rPr>
+              <a:t>                 })</a:t>
+            </a:r>
+            <a:endParaRPr>
+              <a:solidFill>
+                <a:srgbClr val="535353"/>
+              </a:solidFill>
+              <a:latin typeface="Andale Mono"/>
+              <a:ea typeface="Andale Mono"/>
+              <a:cs typeface="Andale Mono"/>
+              <a:sym typeface="Andale Mono"/>
+            </a:endParaRPr>
+          </a:p>
+          <a:p>
+            <a:pPr lvl="0" marL="0" indent="0" defTabSz="584200">
+              <a:spcBef>
+                <a:spcPts val="0"/>
+              </a:spcBef>
+              <a:buSzTx/>
+              <a:buFontTx/>
+              <a:buNone/>
+              <a:defRPr sz="1800">
+                <a:solidFill>
+                  <a:srgbClr val="000000"/>
+                </a:solidFill>
+              </a:defRPr>
+            </a:pPr>
+            <a:r>
+              <a:rPr>
+                <a:solidFill>
+                  <a:srgbClr val="535353"/>
+                </a:solidFill>
+                <a:latin typeface="Andale Mono"/>
+                <a:ea typeface="Andale Mono"/>
+                <a:cs typeface="Andale Mono"/>
+                <a:sym typeface="Andale Mono"/>
+              </a:rPr>
+              <a:t>ageInt &lt;- lapply(lines,</a:t>
+            </a:r>
+            <a:endParaRPr>
+              <a:solidFill>
+                <a:srgbClr val="535353"/>
+              </a:solidFill>
+              <a:latin typeface="Andale Mono"/>
+              <a:ea typeface="Andale Mono"/>
+              <a:cs typeface="Andale Mono"/>
+              <a:sym typeface="Andale Mono"/>
+            </a:endParaRPr>
+          </a:p>
+          <a:p>
+            <a:pPr lvl="0" marL="0" indent="0" defTabSz="584200">
+              <a:spcBef>
+                <a:spcPts val="0"/>
+              </a:spcBef>
+              <a:buSzTx/>
+              <a:buFontTx/>
+              <a:buNone/>
+              <a:defRPr sz="1800">
+                <a:solidFill>
+                  <a:srgbClr val="000000"/>
+                </a:solidFill>
+              </a:defRPr>
+            </a:pPr>
+            <a:r>
+              <a:rPr>
+                <a:solidFill>
+                  <a:srgbClr val="535353"/>
+                </a:solidFill>
+                <a:latin typeface="Andale Mono"/>
+                <a:ea typeface="Andale Mono"/>
+                <a:cs typeface="Andale Mono"/>
+                <a:sym typeface="Andale Mono"/>
+              </a:rPr>
+              <a:t>                 function(line) {</a:t>
+            </a:r>
+            <a:endParaRPr>
+              <a:solidFill>
+                <a:srgbClr val="535353"/>
+              </a:solidFill>
+              <a:latin typeface="Andale Mono"/>
+              <a:ea typeface="Andale Mono"/>
+              <a:cs typeface="Andale Mono"/>
+              <a:sym typeface="Andale Mono"/>
+            </a:endParaRPr>
+          </a:p>
+          <a:p>
+            <a:pPr lvl="0" marL="0" indent="0" defTabSz="584200">
+              <a:spcBef>
+                <a:spcPts val="0"/>
+              </a:spcBef>
+              <a:buSzTx/>
+              <a:buFontTx/>
+              <a:buNone/>
+              <a:defRPr sz="1800">
+                <a:solidFill>
+                  <a:srgbClr val="000000"/>
+                </a:solidFill>
+              </a:defRPr>
+            </a:pPr>
+            <a:r>
+              <a:rPr>
+                <a:solidFill>
+                  <a:srgbClr val="535353"/>
+                </a:solidFill>
+                <a:latin typeface="Andale Mono"/>
+                <a:ea typeface="Andale Mono"/>
+                <a:cs typeface="Andale Mono"/>
+                <a:sym typeface="Andale Mono"/>
+              </a:rPr>
+              <a:t>                   as.numeric(line[2])</a:t>
+            </a:r>
+            <a:endParaRPr>
+              <a:solidFill>
+                <a:srgbClr val="535353"/>
+              </a:solidFill>
+              <a:latin typeface="Andale Mono"/>
+              <a:ea typeface="Andale Mono"/>
+              <a:cs typeface="Andale Mono"/>
+              <a:sym typeface="Andale Mono"/>
+            </a:endParaRPr>
+          </a:p>
+          <a:p>
+            <a:pPr lvl="0" marL="0" indent="0" defTabSz="584200">
+              <a:spcBef>
+                <a:spcPts val="0"/>
+              </a:spcBef>
+              <a:buSzTx/>
+              <a:buFontTx/>
+              <a:buNone/>
+              <a:defRPr sz="1800">
+                <a:solidFill>
+                  <a:srgbClr val="000000"/>
+                </a:solidFill>
+              </a:defRPr>
+            </a:pPr>
+            <a:r>
+              <a:rPr>
+                <a:solidFill>
+                  <a:srgbClr val="535353"/>
+                </a:solidFill>
+                <a:latin typeface="Andale Mono"/>
+                <a:ea typeface="Andale Mono"/>
+                <a:cs typeface="Andale Mono"/>
+                <a:sym typeface="Andale Mono"/>
+              </a:rPr>
+              <a:t>                 })</a:t>
+            </a:r>
+            <a:endParaRPr>
+              <a:solidFill>
+                <a:srgbClr val="535353"/>
+              </a:solidFill>
+              <a:latin typeface="Andale Mono"/>
+              <a:ea typeface="Andale Mono"/>
+              <a:cs typeface="Andale Mono"/>
+              <a:sym typeface="Andale Mono"/>
+            </a:endParaRPr>
+          </a:p>
+          <a:p>
+            <a:pPr lvl="0" marL="0" indent="0" defTabSz="584200">
+              <a:spcBef>
+                <a:spcPts val="0"/>
+              </a:spcBef>
+              <a:buSzTx/>
+              <a:buFontTx/>
+              <a:buNone/>
+              <a:defRPr sz="1800">
+                <a:solidFill>
+                  <a:srgbClr val="000000"/>
+                </a:solidFill>
+              </a:defRPr>
+            </a:pPr>
+            <a:r>
+              <a:rPr>
+                <a:solidFill>
+                  <a:srgbClr val="535353"/>
+                </a:solidFill>
+                <a:latin typeface="Andale Mono"/>
+                <a:ea typeface="Andale Mono"/>
+                <a:cs typeface="Andale Mono"/>
+                <a:sym typeface="Andale Mono"/>
+              </a:rPr>
+              <a:t>sum &lt;- reduce(ageInt,function(x,y) {x+y})</a:t>
+            </a:r>
+            <a:endParaRPr>
+              <a:solidFill>
+                <a:srgbClr val="535353"/>
+              </a:solidFill>
+              <a:latin typeface="Andale Mono"/>
+              <a:ea typeface="Andale Mono"/>
+              <a:cs typeface="Andale Mono"/>
+              <a:sym typeface="Andale Mono"/>
+            </a:endParaRPr>
+          </a:p>
+          <a:p>
+            <a:pPr lvl="0" marL="0" indent="0" defTabSz="584200">
+              <a:spcBef>
+                <a:spcPts val="0"/>
+              </a:spcBef>
+              <a:buSzTx/>
+              <a:buFontTx/>
+              <a:buNone/>
+              <a:defRPr sz="1800">
+                <a:solidFill>
+                  <a:srgbClr val="000000"/>
+                </a:solidFill>
+              </a:defRPr>
+            </a:pPr>
+            <a:r>
+              <a:rPr>
+                <a:solidFill>
+                  <a:srgbClr val="535353"/>
+                </a:solidFill>
+                <a:latin typeface="Andale Mono"/>
+                <a:ea typeface="Andale Mono"/>
+                <a:cs typeface="Andale Mono"/>
+                <a:sym typeface="Andale Mono"/>
+              </a:rPr>
+              <a:t>avg &lt;- sum / count(peopleRDD)</a:t>
             </a:r>
           </a:p>
         </p:txBody>
       </p:sp>
       <p:sp>
         <p:nvSpPr>
-          <p:cNvPr id="113" name="Shape 113"/>
+          <p:cNvPr id="122" name="Shape 122"/>
           <p:cNvSpPr/>
           <p:nvPr>
             <p:ph type="sldNum" sz="quarter" idx="2"/>
@@ -5370,7 +6775,7 @@
           </a:extLst>
         </p:spPr>
         <p:txBody>
-          <a:bodyPr/>
+          <a:bodyPr lIns="0" tIns="0" rIns="0" bIns="0"/>
           <a:lstStyle/>
           <a:p>
             <a:pPr lvl="0">
@@ -5390,6 +6795,33 @@
           </a:p>
         </p:txBody>
       </p:sp>
+      <p:pic>
+        <p:nvPicPr>
+          <p:cNvPr id="123" name="pasted-image.png"/>
+          <p:cNvPicPr/>
+          <p:nvPr/>
+        </p:nvPicPr>
+        <p:blipFill>
+          <a:blip r:embed="rId2">
+            <a:extLst/>
+          </a:blip>
+          <a:stretch>
+            <a:fillRect/>
+          </a:stretch>
+        </p:blipFill>
+        <p:spPr>
+          <a:xfrm>
+            <a:off x="2267410" y="1200150"/>
+            <a:ext cx="4609180" cy="3066516"/>
+          </a:xfrm>
+          <a:prstGeom prst="rect">
+            <a:avLst/>
+          </a:prstGeom>
+          <a:ln w="12700">
+            <a:miter lim="400000"/>
+          </a:ln>
+        </p:spPr>
+      </p:pic>
     </p:spTree>
   </p:cSld>
   <p:clrMapOvr>
@@ -5418,13 +6850,17 @@
       </p:grpSpPr>
       <p:sp>
         <p:nvSpPr>
-          <p:cNvPr id="115" name="Shape 115"/>
+          <p:cNvPr id="125" name="Shape 125"/>
           <p:cNvSpPr/>
           <p:nvPr>
             <p:ph type="title"/>
           </p:nvPr>
         </p:nvSpPr>
         <p:spPr>
+          <a:xfrm>
+            <a:off x="457200" y="2006203"/>
+            <a:ext cx="8229600" cy="1131095"/>
+          </a:xfrm>
           <a:prstGeom prst="rect">
             <a:avLst/>
           </a:prstGeom>
@@ -5433,7 +6869,7 @@
           <a:bodyPr/>
           <a:lstStyle/>
           <a:p>
-            <a:pPr lvl="2">
+            <a:pPr lvl="0">
               <a:defRPr sz="1800">
                 <a:solidFill>
                   <a:srgbClr val="000000"/>
@@ -5446,71 +6882,14 @@
                   <a:srgbClr val="595959"/>
                 </a:solidFill>
               </a:rPr>
-              <a:t>Why does the structure matter?</a:t>
+              <a:t>There’s got to be a better way.</a:t>
             </a:r>
           </a:p>
         </p:txBody>
       </p:sp>
       <p:sp>
         <p:nvSpPr>
-          <p:cNvPr id="116" name="Shape 116"/>
-          <p:cNvSpPr/>
-          <p:nvPr>
-            <p:ph type="body" idx="1"/>
-          </p:nvPr>
-        </p:nvSpPr>
-        <p:spPr>
-          <a:prstGeom prst="rect">
-            <a:avLst/>
-          </a:prstGeom>
-        </p:spPr>
-        <p:txBody>
-          <a:bodyPr/>
-          <a:lstStyle/>
-          <a:p>
-            <a:pPr lvl="0">
-              <a:defRPr sz="1800">
-                <a:solidFill>
-                  <a:srgbClr val="000000"/>
-                </a:solidFill>
-              </a:defRPr>
-            </a:pPr>
-            <a:r>
-              <a:rPr sz="2800">
-                <a:solidFill>
-                  <a:srgbClr val="595959"/>
-                </a:solidFill>
-              </a:rPr>
-              <a:t>Native R classes allow us to extend the existing DataFrame API by adding R-like syntax</a:t>
-            </a:r>
-            <a:endParaRPr sz="2800">
-              <a:solidFill>
-                <a:srgbClr val="595959"/>
-              </a:solidFill>
-            </a:endParaRPr>
-          </a:p>
-          <a:p>
-            <a:pPr lvl="0">
-              <a:defRPr sz="1800">
-                <a:solidFill>
-                  <a:srgbClr val="000000"/>
-                </a:solidFill>
-              </a:defRPr>
-            </a:pPr>
-            <a:r>
-              <a:rPr sz="2800">
-                <a:solidFill>
-                  <a:srgbClr val="595959"/>
-                </a:solidFill>
-              </a:rPr>
-              <a:t>Handoff to the JVM gives us full access to Spark’s DAG capabilities and Catalyst optimizations, e.g. constant-folding, predicate pushdown, and code generation.</a:t>
-            </a:r>
-          </a:p>
-        </p:txBody>
-      </p:sp>
-      <p:sp>
-        <p:nvSpPr>
-          <p:cNvPr id="117" name="Shape 117"/>
+          <p:cNvPr id="126" name="Shape 126"/>
           <p:cNvSpPr/>
           <p:nvPr>
             <p:ph type="sldNum" sz="quarter" idx="2"/>
@@ -5575,7 +6954,7 @@
       </p:grpSpPr>
       <p:sp>
         <p:nvSpPr>
-          <p:cNvPr id="119" name="Shape 119"/>
+          <p:cNvPr id="128" name="Shape 128"/>
           <p:cNvSpPr/>
           <p:nvPr>
             <p:ph type="title"/>
@@ -5587,7 +6966,7 @@
           </a:prstGeom>
         </p:spPr>
         <p:txBody>
-          <a:bodyPr/>
+          <a:bodyPr lIns="0" tIns="0" rIns="0" bIns="0"/>
           <a:lstStyle/>
           <a:p>
             <a:pPr lvl="1">
@@ -5603,14 +6982,14 @@
                   <a:srgbClr val="595959"/>
                 </a:solidFill>
               </a:rPr>
-              <a:t>SparkR DataFrame Features</a:t>
+              <a:t>What I’d hoped to see</a:t>
             </a:r>
           </a:p>
         </p:txBody>
       </p:sp>
       <p:sp>
         <p:nvSpPr>
-          <p:cNvPr id="120" name="Shape 120"/>
+          <p:cNvPr id="129" name="Shape 129"/>
           <p:cNvSpPr/>
           <p:nvPr>
             <p:ph type="body" idx="1"/>
@@ -5622,54 +7001,79 @@
           </a:prstGeom>
         </p:spPr>
         <p:txBody>
-          <a:bodyPr/>
+          <a:bodyPr lIns="0" tIns="0" rIns="0" bIns="0"/>
           <a:lstStyle/>
           <a:p>
-            <a:pPr lvl="0">
-              <a:defRPr sz="1800">
-                <a:solidFill>
-                  <a:srgbClr val="000000"/>
-                </a:solidFill>
-              </a:defRPr>
-            </a:pPr>
-            <a:r>
-              <a:rPr sz="2800">
-                <a:solidFill>
-                  <a:srgbClr val="595959"/>
-                </a:solidFill>
-              </a:rPr>
-              <a:t>Column access using ‘$’ or ‘[ ]’ just like in R</a:t>
-            </a:r>
-            <a:endParaRPr sz="2800">
+            <a:pPr lvl="0" marL="0" indent="0" algn="ctr">
+              <a:buSzTx/>
+              <a:buFontTx/>
+              <a:buNone/>
+              <a:defRPr sz="1800">
+                <a:solidFill>
+                  <a:srgbClr val="000000"/>
+                </a:solidFill>
+              </a:defRPr>
+            </a:pPr>
+            <a:r>
+              <a:rPr>
+                <a:solidFill>
+                  <a:srgbClr val="595959"/>
+                </a:solidFill>
+                <a:latin typeface="Andale Mono"/>
+                <a:ea typeface="Andale Mono"/>
+                <a:cs typeface="Andale Mono"/>
+                <a:sym typeface="Andale Mono"/>
+              </a:rPr>
+              <a:t>{"name":"Michael", "age":29}</a:t>
+            </a:r>
+            <a:endParaRPr>
               <a:solidFill>
                 <a:srgbClr val="595959"/>
               </a:solidFill>
-            </a:endParaRPr>
-          </a:p>
-          <a:p>
-            <a:pPr lvl="0">
-              <a:defRPr sz="1800">
-                <a:solidFill>
-                  <a:srgbClr val="000000"/>
-                </a:solidFill>
-              </a:defRPr>
-            </a:pPr>
-            <a:r>
-              <a:rPr sz="2800">
-                <a:solidFill>
-                  <a:srgbClr val="595959"/>
-                </a:solidFill>
-              </a:rPr>
-              <a:t>dplyr-like DataFrame manipulation:</a:t>
-            </a:r>
-            <a:endParaRPr sz="2800">
+              <a:latin typeface="Andale Mono"/>
+              <a:ea typeface="Andale Mono"/>
+              <a:cs typeface="Andale Mono"/>
+              <a:sym typeface="Andale Mono"/>
+            </a:endParaRPr>
+          </a:p>
+          <a:p>
+            <a:pPr lvl="0" marL="0" indent="0" algn="ctr">
+              <a:buSzTx/>
+              <a:buFontTx/>
+              <a:buNone/>
+              <a:defRPr sz="1800">
+                <a:solidFill>
+                  <a:srgbClr val="000000"/>
+                </a:solidFill>
+              </a:defRPr>
+            </a:pPr>
+            <a:r>
+              <a:rPr>
+                <a:solidFill>
+                  <a:srgbClr val="595959"/>
+                </a:solidFill>
+                <a:latin typeface="Andale Mono"/>
+                <a:ea typeface="Andale Mono"/>
+                <a:cs typeface="Andale Mono"/>
+                <a:sym typeface="Andale Mono"/>
+              </a:rPr>
+              <a:t>{"name":"Andy", "age":30}</a:t>
+            </a:r>
+            <a:endParaRPr>
               <a:solidFill>
                 <a:srgbClr val="595959"/>
               </a:solidFill>
-            </a:endParaRPr>
-          </a:p>
-          <a:p>
-            <a:pPr lvl="1" marL="783771" indent="-326571">
+              <a:latin typeface="Andale Mono"/>
+              <a:ea typeface="Andale Mono"/>
+              <a:cs typeface="Andale Mono"/>
+              <a:sym typeface="Andale Mono"/>
+            </a:endParaRPr>
+          </a:p>
+          <a:p>
+            <a:pPr lvl="0" marL="0" indent="0" algn="ctr">
+              <a:buSzTx/>
+              <a:buFontTx/>
+              <a:buNone/>
               <a:defRPr sz="1800">
                 <a:solidFill>
                   <a:srgbClr val="000000"/>
@@ -5681,17 +7085,28 @@
                 <a:solidFill>
                   <a:srgbClr val="595959"/>
                 </a:solidFill>
-              </a:rPr>
-              <a:t>filter</a:t>
+                <a:latin typeface="Andale Mono"/>
+                <a:ea typeface="Andale Mono"/>
+                <a:cs typeface="Andale Mono"/>
+                <a:sym typeface="Andale Mono"/>
+              </a:rPr>
+              <a:t>{"name":"Justin", "age":19}</a:t>
             </a:r>
             <a:endParaRPr>
               <a:solidFill>
                 <a:srgbClr val="595959"/>
               </a:solidFill>
-            </a:endParaRPr>
-          </a:p>
-          <a:p>
-            <a:pPr lvl="1" marL="783771" indent="-326571">
+              <a:latin typeface="Andale Mono"/>
+              <a:ea typeface="Andale Mono"/>
+              <a:cs typeface="Andale Mono"/>
+              <a:sym typeface="Andale Mono"/>
+            </a:endParaRPr>
+          </a:p>
+          <a:p>
+            <a:pPr lvl="0" marL="0" indent="0" algn="ctr">
+              <a:buSzTx/>
+              <a:buFontTx/>
+              <a:buNone/>
               <a:defRPr sz="1800">
                 <a:solidFill>
                   <a:srgbClr val="000000"/>
@@ -5703,17 +7118,28 @@
                 <a:solidFill>
                   <a:srgbClr val="595959"/>
                 </a:solidFill>
-              </a:rPr>
-              <a:t>groupBy</a:t>
+                <a:latin typeface="Andale Mono"/>
+                <a:ea typeface="Andale Mono"/>
+                <a:cs typeface="Andale Mono"/>
+                <a:sym typeface="Andale Mono"/>
+              </a:rPr>
+              <a:t>{"name":"Bob", "age":22}</a:t>
             </a:r>
             <a:endParaRPr>
               <a:solidFill>
                 <a:srgbClr val="595959"/>
               </a:solidFill>
-            </a:endParaRPr>
-          </a:p>
-          <a:p>
-            <a:pPr lvl="1" marL="783771" indent="-326571">
+              <a:latin typeface="Andale Mono"/>
+              <a:ea typeface="Andale Mono"/>
+              <a:cs typeface="Andale Mono"/>
+              <a:sym typeface="Andale Mono"/>
+            </a:endParaRPr>
+          </a:p>
+          <a:p>
+            <a:pPr lvl="0" marL="0" indent="0" algn="ctr">
+              <a:buSzTx/>
+              <a:buFontTx/>
+              <a:buNone/>
               <a:defRPr sz="1800">
                 <a:solidFill>
                   <a:srgbClr val="000000"/>
@@ -5725,17 +7151,28 @@
                 <a:solidFill>
                   <a:srgbClr val="595959"/>
                 </a:solidFill>
-              </a:rPr>
-              <a:t>summarize</a:t>
+                <a:latin typeface="Andale Mono"/>
+                <a:ea typeface="Andale Mono"/>
+                <a:cs typeface="Andale Mono"/>
+                <a:sym typeface="Andale Mono"/>
+              </a:rPr>
+              <a:t>{"name":"Chris", "age":28}</a:t>
             </a:r>
             <a:endParaRPr>
               <a:solidFill>
                 <a:srgbClr val="595959"/>
               </a:solidFill>
-            </a:endParaRPr>
-          </a:p>
-          <a:p>
-            <a:pPr lvl="1" marL="783771" indent="-326571">
+              <a:latin typeface="Andale Mono"/>
+              <a:ea typeface="Andale Mono"/>
+              <a:cs typeface="Andale Mono"/>
+              <a:sym typeface="Andale Mono"/>
+            </a:endParaRPr>
+          </a:p>
+          <a:p>
+            <a:pPr lvl="0" marL="0" indent="0" algn="ctr">
+              <a:buSzTx/>
+              <a:buFontTx/>
+              <a:buNone/>
               <a:defRPr sz="1800">
                 <a:solidFill>
                   <a:srgbClr val="000000"/>
@@ -5747,37 +7184,118 @@
                 <a:solidFill>
                   <a:srgbClr val="595959"/>
                 </a:solidFill>
-              </a:rPr>
-              <a:t>mutate</a:t>
+                <a:latin typeface="Andale Mono"/>
+                <a:ea typeface="Andale Mono"/>
+                <a:cs typeface="Andale Mono"/>
+                <a:sym typeface="Andale Mono"/>
+              </a:rPr>
+              <a:t>{"name":"Garth", "age":36}</a:t>
             </a:r>
             <a:endParaRPr>
               <a:solidFill>
                 <a:srgbClr val="595959"/>
               </a:solidFill>
-            </a:endParaRPr>
-          </a:p>
-          <a:p>
-            <a:pPr lvl="0">
-              <a:defRPr sz="1800">
-                <a:solidFill>
-                  <a:srgbClr val="000000"/>
-                </a:solidFill>
-              </a:defRPr>
-            </a:pPr>
-            <a:r>
-              <a:rPr sz="2800">
-                <a:solidFill>
-                  <a:srgbClr val="595959"/>
-                </a:solidFill>
-              </a:rPr>
-              <a:t>Access to external R packages that extend R syntax (e.g. magrittr)</a:t>
+              <a:latin typeface="Andale Mono"/>
+              <a:ea typeface="Andale Mono"/>
+              <a:cs typeface="Andale Mono"/>
+              <a:sym typeface="Andale Mono"/>
+            </a:endParaRPr>
+          </a:p>
+          <a:p>
+            <a:pPr lvl="0" marL="0" indent="0" algn="ctr">
+              <a:buSzTx/>
+              <a:buFontTx/>
+              <a:buNone/>
+              <a:defRPr sz="1800">
+                <a:solidFill>
+                  <a:srgbClr val="000000"/>
+                </a:solidFill>
+              </a:defRPr>
+            </a:pPr>
+            <a:r>
+              <a:rPr>
+                <a:solidFill>
+                  <a:srgbClr val="595959"/>
+                </a:solidFill>
+                <a:latin typeface="Andale Mono"/>
+                <a:ea typeface="Andale Mono"/>
+                <a:cs typeface="Andale Mono"/>
+                <a:sym typeface="Andale Mono"/>
+              </a:rPr>
+              <a:t>{"name":"Tasha", "age":24}</a:t>
+            </a:r>
+            <a:endParaRPr>
+              <a:solidFill>
+                <a:srgbClr val="595959"/>
+              </a:solidFill>
+              <a:latin typeface="Andale Mono"/>
+              <a:ea typeface="Andale Mono"/>
+              <a:cs typeface="Andale Mono"/>
+              <a:sym typeface="Andale Mono"/>
+            </a:endParaRPr>
+          </a:p>
+          <a:p>
+            <a:pPr lvl="0" marL="0" indent="0" algn="ctr">
+              <a:buSzTx/>
+              <a:buFontTx/>
+              <a:buNone/>
+              <a:defRPr sz="1800">
+                <a:solidFill>
+                  <a:srgbClr val="000000"/>
+                </a:solidFill>
+              </a:defRPr>
+            </a:pPr>
+            <a:r>
+              <a:rPr>
+                <a:solidFill>
+                  <a:srgbClr val="595959"/>
+                </a:solidFill>
+                <a:latin typeface="Andale Mono"/>
+                <a:ea typeface="Andale Mono"/>
+                <a:cs typeface="Andale Mono"/>
+                <a:sym typeface="Andale Mono"/>
+              </a:rPr>
+              <a:t>{"name":"Mac", "age":30}</a:t>
+            </a:r>
+            <a:endParaRPr>
+              <a:solidFill>
+                <a:srgbClr val="595959"/>
+              </a:solidFill>
+              <a:latin typeface="Andale Mono"/>
+              <a:ea typeface="Andale Mono"/>
+              <a:cs typeface="Andale Mono"/>
+              <a:sym typeface="Andale Mono"/>
+            </a:endParaRPr>
+          </a:p>
+          <a:p>
+            <a:pPr lvl="0" marL="0" indent="0" algn="ctr">
+              <a:buSzTx/>
+              <a:buFontTx/>
+              <a:buNone/>
+              <a:defRPr sz="1800">
+                <a:solidFill>
+                  <a:srgbClr val="000000"/>
+                </a:solidFill>
+              </a:defRPr>
+            </a:pPr>
+            <a:r>
+              <a:rPr>
+                <a:solidFill>
+                  <a:srgbClr val="595959"/>
+                </a:solidFill>
+                <a:latin typeface="Andale Mono"/>
+                <a:ea typeface="Andale Mono"/>
+                <a:cs typeface="Andale Mono"/>
+                <a:sym typeface="Andale Mono"/>
+              </a:rPr>
+              <a:t>{"name":"Neil", "age":32}</a:t>
             </a:r>
           </a:p>
         </p:txBody>
       </p:sp>
       <p:sp>
         <p:nvSpPr>
-          <p:cNvPr id="121" name="Shape 121"/>
+          <p:cNvPr id="130" name="Shape 130"/>
           <p:cNvSpPr/>
           <p:nvPr>
             <p:ph type="sldNum" sz="quarter" idx="2"/>
@@ -5794,7 +7312,7 @@
           </a:extLst>
         </p:spPr>
         <p:txBody>
-          <a:bodyPr/>
+          <a:bodyPr lIns="0" tIns="0" rIns="0" bIns="0"/>
           <a:lstStyle/>
           <a:p>
             <a:pPr lvl="0">
@@ -5842,7 +7360,7 @@
       </p:grpSpPr>
       <p:sp>
         <p:nvSpPr>
-          <p:cNvPr id="123" name="Shape 123"/>
+          <p:cNvPr id="132" name="Shape 132"/>
           <p:cNvSpPr/>
           <p:nvPr>
             <p:ph type="title"/>
@@ -5854,10 +7372,10 @@
           </a:prstGeom>
         </p:spPr>
         <p:txBody>
-          <a:bodyPr/>
+          <a:bodyPr lIns="0" tIns="0" rIns="0" bIns="0"/>
           <a:lstStyle/>
           <a:p>
-            <a:pPr lvl="0">
+            <a:pPr lvl="1">
               <a:defRPr sz="1800">
                 <a:solidFill>
                   <a:srgbClr val="000000"/>
@@ -5870,151 +7388,67 @@
                   <a:srgbClr val="595959"/>
                 </a:solidFill>
               </a:rPr>
-              <a:t>On the Roadmap</a:t>
+              <a:t>What I’d hoped to see</a:t>
             </a:r>
           </a:p>
         </p:txBody>
       </p:sp>
       <p:sp>
         <p:nvSpPr>
-          <p:cNvPr id="124" name="Shape 124"/>
+          <p:cNvPr id="133" name="Shape 133"/>
           <p:cNvSpPr/>
           <p:nvPr>
             <p:ph type="body" idx="1"/>
           </p:nvPr>
         </p:nvSpPr>
         <p:spPr>
-          <a:xfrm>
-            <a:off x="457200" y="1200150"/>
-            <a:ext cx="8229600" cy="3342288"/>
-          </a:xfrm>
           <a:prstGeom prst="rect">
             <a:avLst/>
           </a:prstGeom>
         </p:spPr>
         <p:txBody>
-          <a:bodyPr/>
-          <a:lstStyle/>
-          <a:p>
-            <a:pPr lvl="0" marL="291464" indent="-291464" defTabSz="388620">
+          <a:bodyPr lIns="0" tIns="0" rIns="0" bIns="0"/>
+          <a:lstStyle>
+            <a:lvl1pPr marL="0" indent="0" defTabSz="584200">
               <a:spcBef>
-                <a:spcPts val="600"/>
+                <a:spcPts val="0"/>
               </a:spcBef>
-              <a:defRPr sz="1800">
-                <a:solidFill>
-                  <a:srgbClr val="000000"/>
-                </a:solidFill>
-              </a:defRPr>
-            </a:pPr>
-            <a:r>
-              <a:rPr sz="2380">
-                <a:solidFill>
-                  <a:srgbClr val="595959"/>
-                </a:solidFill>
-              </a:rPr>
-              <a:t>Spark 1.4: SparkR becomes an official API</a:t>
-            </a:r>
-            <a:endParaRPr sz="2380">
-              <a:solidFill>
-                <a:srgbClr val="595959"/>
-              </a:solidFill>
-            </a:endParaRPr>
-          </a:p>
-          <a:p>
-            <a:pPr lvl="1" marL="666205" indent="-277585" defTabSz="388620">
-              <a:spcBef>
-                <a:spcPts val="600"/>
-              </a:spcBef>
-              <a:defRPr sz="1800">
-                <a:solidFill>
-                  <a:srgbClr val="000000"/>
-                </a:solidFill>
-              </a:defRPr>
-            </a:pPr>
-            <a:r>
-              <a:rPr sz="2380">
-                <a:solidFill>
-                  <a:srgbClr val="595959"/>
-                </a:solidFill>
-              </a:rPr>
-              <a:t>Primarily focused on SparkSQL/DataFrame implementation</a:t>
-            </a:r>
-            <a:endParaRPr sz="2380">
-              <a:solidFill>
-                <a:srgbClr val="595959"/>
-              </a:solidFill>
-            </a:endParaRPr>
-          </a:p>
-          <a:p>
-            <a:pPr lvl="0" marL="291464" indent="-291464" defTabSz="388620">
-              <a:spcBef>
-                <a:spcPts val="600"/>
-              </a:spcBef>
-              <a:defRPr sz="1800">
-                <a:solidFill>
-                  <a:srgbClr val="000000"/>
-                </a:solidFill>
-              </a:defRPr>
-            </a:pPr>
-            <a:r>
-              <a:rPr sz="2380">
-                <a:solidFill>
-                  <a:srgbClr val="595959"/>
-                </a:solidFill>
-              </a:rPr>
-              <a:t>Spark 1.5: Extend SparkR to include machine learning capabilities (e.g. sparkML)</a:t>
-            </a:r>
-            <a:endParaRPr sz="2380">
-              <a:solidFill>
-                <a:srgbClr val="595959"/>
-              </a:solidFill>
-            </a:endParaRPr>
-          </a:p>
-          <a:p>
-            <a:pPr lvl="0" marL="291464" indent="-291464" defTabSz="388620">
-              <a:spcBef>
-                <a:spcPts val="600"/>
-              </a:spcBef>
-              <a:defRPr sz="1800">
-                <a:solidFill>
-                  <a:srgbClr val="000000"/>
-                </a:solidFill>
-              </a:defRPr>
-            </a:pPr>
-            <a:r>
-              <a:rPr sz="2380">
-                <a:solidFill>
-                  <a:srgbClr val="595959"/>
-                </a:solidFill>
-              </a:rPr>
-              <a:t>For more information, be sure to check out “</a:t>
-            </a:r>
-            <a:r>
-              <a:rPr b="1" sz="2380">
-                <a:solidFill>
-                  <a:srgbClr val="595959"/>
-                </a:solidFill>
-                <a:latin typeface="+mn-lt"/>
-                <a:ea typeface="+mn-ea"/>
-                <a:cs typeface="+mn-cs"/>
-                <a:sym typeface="Helvetica"/>
-              </a:rPr>
-              <a:t>SparkR: The Past, Present, and Future</a:t>
-            </a:r>
-            <a:r>
-              <a:rPr sz="2380">
-                <a:solidFill>
-                  <a:srgbClr val="595959"/>
-                </a:solidFill>
-              </a:rPr>
-              <a:t>” at 4:30 on the Data Science track.</a:t>
+              <a:buSzTx/>
+              <a:buFontTx/>
+              <a:buNone/>
+              <a:defRPr sz="2200">
+                <a:solidFill>
+                  <a:srgbClr val="535353"/>
+                </a:solidFill>
+                <a:latin typeface="Andale Mono"/>
+                <a:ea typeface="Andale Mono"/>
+                <a:cs typeface="Andale Mono"/>
+                <a:sym typeface="Andale Mono"/>
+              </a:defRPr>
+            </a:lvl1pPr>
+          </a:lstStyle>
+          <a:p>
+            <a:pPr lvl="0">
+              <a:defRPr sz="1800">
+                <a:solidFill>
+                  <a:srgbClr val="000000"/>
+                </a:solidFill>
+              </a:defRPr>
+            </a:pPr>
+            <a:r>
+              <a:rPr sz="2200">
+                <a:solidFill>
+                  <a:srgbClr val="535353"/>
+                </a:solidFill>
+              </a:rPr>
+              <a:t>df &lt;- read.df(sqlCtx, “people.json”, “json”)</a:t>
             </a:r>
           </a:p>
         </p:txBody>
       </p:sp>
       <p:sp>
         <p:nvSpPr>
-          <p:cNvPr id="125" name="Shape 125"/>
+          <p:cNvPr id="134" name="Shape 134"/>
           <p:cNvSpPr/>
           <p:nvPr>
             <p:ph type="sldNum" sz="quarter" idx="2"/>
@@ -6031,7 +7465,7 @@
           </a:extLst>
         </p:spPr>
         <p:txBody>
-          <a:bodyPr/>
+          <a:bodyPr lIns="0" tIns="0" rIns="0" bIns="0"/>
           <a:lstStyle/>
           <a:p>
             <a:pPr lvl="0">
@@ -6164,6 +7598,28 @@
                   <a:srgbClr val="595959"/>
                 </a:solidFill>
               </a:rPr>
+              <a:t>History of DataFrames</a:t>
+            </a:r>
+            <a:endParaRPr sz="2800">
+              <a:solidFill>
+                <a:srgbClr val="595959"/>
+              </a:solidFill>
+            </a:endParaRPr>
+          </a:p>
+          <a:p>
+            <a:pPr lvl="0">
+              <a:defRPr sz="1800">
+                <a:solidFill>
+                  <a:srgbClr val="000000"/>
+                </a:solidFill>
+              </a:defRPr>
+            </a:pPr>
+            <a:r>
+              <a:rPr sz="2800">
+                <a:solidFill>
+                  <a:srgbClr val="595959"/>
+                </a:solidFill>
+              </a:rPr>
               <a:t>Why DataFrames?</a:t>
             </a:r>
             <a:endParaRPr sz="2800">
@@ -6209,6 +7665,28 @@
                 </a:solidFill>
               </a:rPr>
               <a:t>Demo</a:t>
+            </a:r>
+            <a:endParaRPr sz="2800">
+              <a:solidFill>
+                <a:srgbClr val="595959"/>
+              </a:solidFill>
+            </a:endParaRPr>
+          </a:p>
+          <a:p>
+            <a:pPr lvl="0">
+              <a:defRPr sz="1800">
+                <a:solidFill>
+                  <a:srgbClr val="000000"/>
+                </a:solidFill>
+              </a:defRPr>
+            </a:pPr>
+            <a:r>
+              <a:rPr sz="2800">
+                <a:solidFill>
+                  <a:srgbClr val="595959"/>
+                </a:solidFill>
+              </a:rPr>
+              <a:t>On the Roadmap</a:t>
             </a:r>
             <a:endParaRPr sz="2800">
               <a:solidFill>
@@ -6302,7 +7780,7 @@
       </p:grpSpPr>
       <p:sp>
         <p:nvSpPr>
-          <p:cNvPr id="127" name="Shape 127"/>
+          <p:cNvPr id="136" name="Shape 136"/>
           <p:cNvSpPr/>
           <p:nvPr>
             <p:ph type="title"/>
@@ -6314,10 +7792,10 @@
           </a:prstGeom>
         </p:spPr>
         <p:txBody>
-          <a:bodyPr/>
+          <a:bodyPr lIns="0" tIns="0" rIns="0" bIns="0"/>
           <a:lstStyle/>
           <a:p>
-            <a:pPr lvl="0">
+            <a:pPr lvl="1">
               <a:defRPr sz="1800">
                 <a:solidFill>
                   <a:srgbClr val="000000"/>
@@ -6330,14 +7808,14 @@
                   <a:srgbClr val="595959"/>
                 </a:solidFill>
               </a:rPr>
-              <a:t>Developer Community</a:t>
+              <a:t>What I’d hoped to see</a:t>
             </a:r>
           </a:p>
         </p:txBody>
       </p:sp>
       <p:sp>
         <p:nvSpPr>
-          <p:cNvPr id="128" name="Shape 128"/>
+          <p:cNvPr id="137" name="Shape 137"/>
           <p:cNvSpPr/>
           <p:nvPr>
             <p:ph type="body" idx="1"/>
@@ -6349,74 +7827,100 @@
           </a:prstGeom>
         </p:spPr>
         <p:txBody>
-          <a:bodyPr/>
+          <a:bodyPr lIns="0" tIns="0" rIns="0" bIns="0"/>
           <a:lstStyle/>
           <a:p>
-            <a:pPr lvl="0">
-              <a:defRPr sz="1800">
-                <a:solidFill>
-                  <a:srgbClr val="000000"/>
-                </a:solidFill>
-              </a:defRPr>
-            </a:pPr>
-            <a:r>
-              <a:rPr sz="2800">
-                <a:solidFill>
-                  <a:srgbClr val="595959"/>
-                </a:solidFill>
-              </a:rPr>
-              <a:t>SparkR originated at UC Berkeley AMPLAB, with additional contributions from Alteryx, Intel, Databrick, and others.</a:t>
-            </a:r>
-            <a:endParaRPr sz="2800">
-              <a:solidFill>
-                <a:srgbClr val="595959"/>
-              </a:solidFill>
-            </a:endParaRPr>
-          </a:p>
-          <a:p>
-            <a:pPr lvl="0">
-              <a:defRPr sz="1800">
-                <a:solidFill>
-                  <a:srgbClr val="000000"/>
-                </a:solidFill>
-              </a:defRPr>
-            </a:pPr>
-            <a:r>
-              <a:rPr sz="2800">
-                <a:solidFill>
-                  <a:srgbClr val="595959"/>
-                </a:solidFill>
-              </a:rPr>
-              <a:t>Working on integration with Spark Packages</a:t>
-            </a:r>
-            <a:endParaRPr sz="2800">
-              <a:solidFill>
-                <a:srgbClr val="595959"/>
-              </a:solidFill>
-            </a:endParaRPr>
-          </a:p>
-          <a:p>
-            <a:pPr lvl="1">
-              <a:defRPr sz="1800">
-                <a:solidFill>
-                  <a:srgbClr val="000000"/>
-                </a:solidFill>
-              </a:defRPr>
-            </a:pPr>
-            <a:r>
-              <a:rPr sz="2800">
-                <a:solidFill>
-                  <a:srgbClr val="595959"/>
-                </a:solidFill>
-              </a:rPr>
-              <a:t>Easily extend Spark with new functionality and distribute via the Spark Package repository</a:t>
+            <a:pPr lvl="0" marL="0" indent="0" defTabSz="584200">
+              <a:spcBef>
+                <a:spcPts val="0"/>
+              </a:spcBef>
+              <a:buSzTx/>
+              <a:buFontTx/>
+              <a:buNone/>
+              <a:defRPr sz="1800">
+                <a:solidFill>
+                  <a:srgbClr val="000000"/>
+                </a:solidFill>
+              </a:defRPr>
+            </a:pPr>
+            <a:r>
+              <a:rPr sz="2200">
+                <a:solidFill>
+                  <a:srgbClr val="535353"/>
+                </a:solidFill>
+                <a:latin typeface="Andale Mono"/>
+                <a:ea typeface="Andale Mono"/>
+                <a:cs typeface="Andale Mono"/>
+                <a:sym typeface="Andale Mono"/>
+              </a:rPr>
+              <a:t>df &lt;- read.df(sqlCtx, “people.json”, “json”)</a:t>
+            </a:r>
+            <a:endParaRPr sz="2200">
+              <a:solidFill>
+                <a:srgbClr val="535353"/>
+              </a:solidFill>
+              <a:latin typeface="Andale Mono"/>
+              <a:ea typeface="Andale Mono"/>
+              <a:cs typeface="Andale Mono"/>
+              <a:sym typeface="Andale Mono"/>
+            </a:endParaRPr>
+          </a:p>
+          <a:p>
+            <a:pPr lvl="0" marL="0" indent="0" defTabSz="584200">
+              <a:spcBef>
+                <a:spcPts val="0"/>
+              </a:spcBef>
+              <a:buSzTx/>
+              <a:buFontTx/>
+              <a:buNone/>
+              <a:defRPr sz="1800">
+                <a:solidFill>
+                  <a:srgbClr val="000000"/>
+                </a:solidFill>
+              </a:defRPr>
+            </a:pPr>
+            <a:endParaRPr sz="2200">
+              <a:solidFill>
+                <a:srgbClr val="535353"/>
+              </a:solidFill>
+              <a:latin typeface="Andale Mono"/>
+              <a:ea typeface="Andale Mono"/>
+              <a:cs typeface="Andale Mono"/>
+              <a:sym typeface="Andale Mono"/>
+            </a:endParaRPr>
+          </a:p>
+          <a:p>
+            <a:pPr lvl="0" marL="0" indent="0" defTabSz="584200">
+              <a:spcBef>
+                <a:spcPts val="0"/>
+              </a:spcBef>
+              <a:buSzTx/>
+              <a:buFontTx/>
+              <a:buNone/>
+              <a:defRPr sz="1800">
+                <a:solidFill>
+                  <a:srgbClr val="000000"/>
+                </a:solidFill>
+              </a:defRPr>
+            </a:pPr>
+            <a:r>
+              <a:rPr sz="2200">
+                <a:solidFill>
+                  <a:srgbClr val="535353"/>
+                </a:solidFill>
+                <a:latin typeface="Andale Mono"/>
+                <a:ea typeface="Andale Mono"/>
+                <a:cs typeface="Andale Mono"/>
+                <a:sym typeface="Andale Mono"/>
+              </a:rPr>
+              <a:t>avg &lt;- select(df, avg(df$age))</a:t>
             </a:r>
           </a:p>
         </p:txBody>
       </p:sp>
       <p:sp>
         <p:nvSpPr>
-          <p:cNvPr id="129" name="Shape 129"/>
+          <p:cNvPr id="138" name="Shape 138"/>
           <p:cNvSpPr/>
           <p:nvPr>
             <p:ph type="sldNum" sz="quarter" idx="2"/>
@@ -6433,7 +7937,7 @@
           </a:extLst>
         </p:spPr>
         <p:txBody>
-          <a:bodyPr/>
+          <a:bodyPr lIns="0" tIns="0" rIns="0" bIns="0"/>
           <a:lstStyle/>
           <a:p>
             <a:pPr lvl="0">
@@ -6481,26 +7985,20 @@
       </p:grpSpPr>
       <p:sp>
         <p:nvSpPr>
-          <p:cNvPr id="131" name="Shape 131"/>
+          <p:cNvPr id="140" name="Shape 140"/>
           <p:cNvSpPr/>
           <p:nvPr>
             <p:ph type="title"/>
           </p:nvPr>
         </p:nvSpPr>
         <p:spPr>
-          <a:xfrm>
-            <a:off x="1053434" y="69057"/>
-            <a:ext cx="7037132" cy="1131094"/>
-          </a:xfrm>
           <a:prstGeom prst="rect">
             <a:avLst/>
           </a:prstGeom>
         </p:spPr>
         <p:txBody>
           <a:bodyPr/>
-          <a:lstStyle>
-            <a:lvl1pPr algn="l"/>
-          </a:lstStyle>
+          <a:lstStyle/>
           <a:p>
             <a:pPr lvl="0">
               <a:defRPr sz="1800">
@@ -6515,14 +8013,14 @@
                   <a:srgbClr val="595959"/>
                 </a:solidFill>
               </a:rPr>
-              <a:t>Integration with </a:t>
+              <a:t>Why DataFrames?</a:t>
             </a:r>
           </a:p>
         </p:txBody>
       </p:sp>
       <p:sp>
         <p:nvSpPr>
-          <p:cNvPr id="132" name="Shape 132"/>
+          <p:cNvPr id="141" name="Shape 141"/>
           <p:cNvSpPr/>
           <p:nvPr>
             <p:ph type="body" idx="1"/>
@@ -6550,7 +8048,7 @@
                   <a:srgbClr val="595959"/>
                 </a:solidFill>
               </a:rPr>
-              <a:t>Drag-and-drop GUI for data analysis</a:t>
+              <a:t>Uses the distributed, parallel capabilities offered by RDDs, but imposes a schema on the data</a:t>
             </a:r>
             <a:endParaRPr sz="2800">
               <a:solidFill>
@@ -6572,7 +8070,7 @@
                   <a:srgbClr val="595959"/>
                 </a:solidFill>
               </a:rPr>
-              <a:t>Spark functionality built directly into existing tools</a:t>
+              <a:t>More structure == Easier access and manipulation</a:t>
             </a:r>
             <a:endParaRPr sz="2800">
               <a:solidFill>
@@ -6594,36 +8092,14 @@
                   <a:srgbClr val="595959"/>
                 </a:solidFill>
               </a:rPr>
-              <a:t>Interact with a remote Spark cluster from your desktop via Alteryx Designer</a:t>
-            </a:r>
-            <a:endParaRPr sz="2800">
-              <a:solidFill>
-                <a:srgbClr val="595959"/>
-              </a:solidFill>
-            </a:endParaRPr>
-          </a:p>
-          <a:p>
-            <a:pPr lvl="0">
-              <a:defRPr sz="1800">
-                <a:solidFill>
-                  <a:srgbClr val="000000"/>
-                </a:solidFill>
-              </a:defRPr>
-            </a:pPr>
-            <a:r>
-              <a:rPr sz="2800">
-                <a:solidFill>
-                  <a:srgbClr val="595959"/>
-                </a:solidFill>
-              </a:rPr>
-              <a:t>Combine local and in-database data sources in one workflow.</a:t>
+              <a:t>Natural extension of existing R conventions since DataFrames are the standard in R</a:t>
             </a:r>
           </a:p>
         </p:txBody>
       </p:sp>
       <p:sp>
         <p:nvSpPr>
-          <p:cNvPr id="133" name="Shape 133"/>
+          <p:cNvPr id="142" name="Shape 142"/>
           <p:cNvSpPr/>
           <p:nvPr>
             <p:ph type="sldNum" sz="quarter" idx="2"/>
@@ -6660,33 +8136,6 @@
           </a:p>
         </p:txBody>
       </p:sp>
-      <p:pic>
-        <p:nvPicPr>
-          <p:cNvPr id="134" name="alteryx.gif"/>
-          <p:cNvPicPr/>
-          <p:nvPr/>
-        </p:nvPicPr>
-        <p:blipFill>
-          <a:blip r:embed="rId2">
-            <a:extLst/>
-          </a:blip>
-          <a:stretch>
-            <a:fillRect/>
-          </a:stretch>
-        </p:blipFill>
-        <p:spPr>
-          <a:xfrm>
-            <a:off x="5014568" y="257771"/>
-            <a:ext cx="2282445" cy="829980"/>
-          </a:xfrm>
-          <a:prstGeom prst="rect">
-            <a:avLst/>
-          </a:prstGeom>
-          <a:ln w="12700">
-            <a:miter lim="400000"/>
-          </a:ln>
-        </p:spPr>
-      </p:pic>
     </p:spTree>
   </p:cSld>
   <p:clrMapOvr>
@@ -6715,7 +8164,7 @@
       </p:grpSpPr>
       <p:sp>
         <p:nvSpPr>
-          <p:cNvPr id="136" name="Shape 136"/>
+          <p:cNvPr id="144" name="Shape 144"/>
           <p:cNvSpPr/>
           <p:nvPr>
             <p:ph type="title"/>
@@ -6727,7 +8176,7 @@
           </a:prstGeom>
         </p:spPr>
         <p:txBody>
-          <a:bodyPr lIns="0" tIns="0" rIns="0" bIns="0"/>
+          <a:bodyPr/>
           <a:lstStyle/>
           <a:p>
             <a:pPr lvl="0">
@@ -6743,14 +8192,14 @@
                   <a:srgbClr val="595959"/>
                 </a:solidFill>
               </a:rPr>
-              <a:t>Questions?</a:t>
+              <a:t>Why DataFrames?</a:t>
             </a:r>
           </a:p>
         </p:txBody>
       </p:sp>
       <p:sp>
         <p:nvSpPr>
-          <p:cNvPr id="137" name="Shape 137"/>
+          <p:cNvPr id="145" name="Shape 145"/>
           <p:cNvSpPr/>
           <p:nvPr>
             <p:ph type="body" idx="1"/>
@@ -6765,10 +8214,7 @@
           <a:bodyPr/>
           <a:lstStyle/>
           <a:p>
-            <a:pPr lvl="0" marL="0" indent="0" algn="ctr">
-              <a:buSzTx/>
-              <a:buFontTx/>
-              <a:buNone/>
+            <a:pPr lvl="0">
               <a:defRPr sz="1800">
                 <a:solidFill>
                   <a:srgbClr val="000000"/>
@@ -6781,112 +8227,14 @@
                   <a:srgbClr val="595959"/>
                 </a:solidFill>
               </a:rPr>
-              <a:t>Slides, Demo, and Data available on GitHub at:</a:t>
-            </a:r>
-            <a:endParaRPr sz="2800">
-              <a:solidFill>
-                <a:srgbClr val="595959"/>
-              </a:solidFill>
-            </a:endParaRPr>
-          </a:p>
-          <a:p>
-            <a:pPr lvl="1" marL="0" indent="228600" algn="ctr">
-              <a:buSzTx/>
-              <a:buFontTx/>
-              <a:buNone/>
-              <a:defRPr sz="1800">
-                <a:solidFill>
-                  <a:srgbClr val="000000"/>
-                </a:solidFill>
-              </a:defRPr>
-            </a:pPr>
-            <a:r>
-              <a:rPr sz="2800" u="sng">
-                <a:solidFill>
-                  <a:srgbClr val="E73700"/>
-                </a:solidFill>
-                <a:uFill>
-                  <a:solidFill>
-                    <a:srgbClr val="E73700"/>
-                  </a:solidFill>
-                </a:uFill>
-                <a:hlinkClick r:id="rId2" invalidUrl="" action="" tgtFrame="" tooltip="" history="1" highlightClick="0" endSnd="0"/>
-              </a:rPr>
-              <a:t>https://github.com/cafreeman/SparkR_DataFrame_Demo</a:t>
-            </a:r>
-            <a:endParaRPr sz="2800">
-              <a:solidFill>
-                <a:srgbClr val="595959"/>
-              </a:solidFill>
-            </a:endParaRPr>
-          </a:p>
-          <a:p>
-            <a:pPr lvl="1" marL="0" indent="228600" algn="ctr">
-              <a:buSzTx/>
-              <a:buFontTx/>
-              <a:buNone/>
-              <a:defRPr sz="1800">
-                <a:solidFill>
-                  <a:srgbClr val="000000"/>
-                </a:solidFill>
-              </a:defRPr>
-            </a:pPr>
-            <a:endParaRPr sz="2800">
-              <a:solidFill>
-                <a:srgbClr val="595959"/>
-              </a:solidFill>
-            </a:endParaRPr>
-          </a:p>
-          <a:p>
-            <a:pPr lvl="1" marL="0" indent="228600" algn="ctr">
-              <a:buSzTx/>
-              <a:buFontTx/>
-              <a:buNone/>
-              <a:defRPr sz="1800">
-                <a:solidFill>
-                  <a:srgbClr val="000000"/>
-                </a:solidFill>
-              </a:defRPr>
-            </a:pPr>
-            <a:r>
-              <a:rPr sz="2800">
-                <a:solidFill>
-                  <a:srgbClr val="595959"/>
-                </a:solidFill>
-              </a:rPr>
-              <a:t>@15lettermax </a:t>
-            </a:r>
-            <a:endParaRPr sz="2800">
-              <a:solidFill>
-                <a:srgbClr val="595959"/>
-              </a:solidFill>
-            </a:endParaRPr>
-          </a:p>
-          <a:p>
-            <a:pPr lvl="1" marL="0" indent="228600" algn="ctr">
-              <a:buSzTx/>
-              <a:buFontTx/>
-              <a:buNone/>
-              <a:defRPr sz="1800">
-                <a:solidFill>
-                  <a:srgbClr val="000000"/>
-                </a:solidFill>
-              </a:defRPr>
-            </a:pPr>
-            <a:r>
-              <a:rPr sz="2800">
-                <a:solidFill>
-                  <a:srgbClr val="595959"/>
-                </a:solidFill>
-              </a:rPr>
-              <a:t>cafreeman</a:t>
+              <a:t>Super awesome distributed, in-memory collections</a:t>
             </a:r>
           </a:p>
         </p:txBody>
       </p:sp>
       <p:sp>
         <p:nvSpPr>
-          <p:cNvPr id="138" name="Shape 138"/>
+          <p:cNvPr id="146" name="Shape 146"/>
           <p:cNvSpPr/>
           <p:nvPr>
             <p:ph type="sldNum" sz="quarter" idx="2"/>
@@ -6903,6 +8251,66 @@
           </a:extLst>
         </p:spPr>
         <p:txBody>
+          <a:bodyPr/>
+          <a:lstStyle/>
+          <a:p>
+            <a:pPr lvl="0">
+              <a:defRPr sz="1800">
+                <a:solidFill>
+                  <a:srgbClr val="000000"/>
+                </a:solidFill>
+              </a:defRPr>
+            </a:pPr>
+            <a:fld id="{86CB4B4D-7CA3-9044-876B-883B54F8677D}" type="slidenum">
+              <a:rPr sz="1200">
+                <a:solidFill>
+                  <a:srgbClr val="888888"/>
+                </a:solidFill>
+              </a:rPr>
+            </a:fld>
+          </a:p>
+        </p:txBody>
+      </p:sp>
+    </p:spTree>
+  </p:cSld>
+  <p:clrMapOvr>
+    <a:masterClrMapping/>
+  </p:clrMapOvr>
+  <p:transition spd="med" advClick="1"/>
+</p:sld>
+</file>
+
+<file path=ppt/slides/slide23.xml><?xml version="1.0" encoding="utf-8"?>
+<p:sld xmlns:a="http://schemas.openxmlformats.org/drawingml/2006/main" xmlns:r="http://schemas.openxmlformats.org/officeDocument/2006/relationships" xmlns:p="http://schemas.openxmlformats.org/presentationml/2006/main" showMasterSp="1" showMasterPhAnim="1">
+  <p:cSld>
+    <p:spTree>
+      <p:nvGrpSpPr>
+        <p:cNvPr id="1" name=""/>
+        <p:cNvGrpSpPr/>
+        <p:nvPr/>
+      </p:nvGrpSpPr>
+      <p:grpSpPr>
+        <a:xfrm>
+          <a:off x="0" y="0"/>
+          <a:ext cx="0" cy="0"/>
+          <a:chOff x="0" y="0"/>
+          <a:chExt cx="0" cy="0"/>
+        </a:xfrm>
+      </p:grpSpPr>
+      <p:sp>
+        <p:nvSpPr>
+          <p:cNvPr id="148" name="Shape 148"/>
+          <p:cNvSpPr/>
+          <p:nvPr>
+            <p:ph type="title"/>
+          </p:nvPr>
+        </p:nvSpPr>
+        <p:spPr>
+          <a:prstGeom prst="rect">
+            <a:avLst/>
+          </a:prstGeom>
+        </p:spPr>
+        <p:txBody>
           <a:bodyPr lIns="0" tIns="0" rIns="0" bIns="0"/>
           <a:lstStyle/>
           <a:p>
@@ -6913,6 +8321,103 @@
                 </a:solidFill>
               </a:defRPr>
             </a:pPr>
+            <a:r>
+              <a:rPr sz="4400">
+                <a:solidFill>
+                  <a:srgbClr val="595959"/>
+                </a:solidFill>
+              </a:rPr>
+              <a:t>Why DataFrames?</a:t>
+            </a:r>
+          </a:p>
+        </p:txBody>
+      </p:sp>
+      <p:sp>
+        <p:nvSpPr>
+          <p:cNvPr id="149" name="Shape 149"/>
+          <p:cNvSpPr/>
+          <p:nvPr>
+            <p:ph type="body" idx="1"/>
+          </p:nvPr>
+        </p:nvSpPr>
+        <p:spPr>
+          <a:prstGeom prst="rect">
+            <a:avLst/>
+          </a:prstGeom>
+        </p:spPr>
+        <p:txBody>
+          <a:bodyPr/>
+          <a:lstStyle/>
+          <a:p>
+            <a:pPr lvl="0">
+              <a:defRPr sz="1800">
+                <a:solidFill>
+                  <a:srgbClr val="000000"/>
+                </a:solidFill>
+              </a:defRPr>
+            </a:pPr>
+            <a:r>
+              <a:rPr sz="2800">
+                <a:solidFill>
+                  <a:srgbClr val="595959"/>
+                </a:solidFill>
+              </a:rPr>
+              <a:t>Super awesome distributed, in-memory collections</a:t>
+            </a:r>
+            <a:endParaRPr sz="2800">
+              <a:solidFill>
+                <a:srgbClr val="595959"/>
+              </a:solidFill>
+            </a:endParaRPr>
+          </a:p>
+          <a:p>
+            <a:pPr lvl="0">
+              <a:defRPr sz="1800">
+                <a:solidFill>
+                  <a:srgbClr val="000000"/>
+                </a:solidFill>
+              </a:defRPr>
+            </a:pPr>
+            <a:r>
+              <a:rPr sz="2800">
+                <a:solidFill>
+                  <a:srgbClr val="595959"/>
+                </a:solidFill>
+              </a:rPr>
+              <a:t>Schemas == metadata, structure, declarative instead of imperative</a:t>
+            </a:r>
+          </a:p>
+        </p:txBody>
+      </p:sp>
+      <p:sp>
+        <p:nvSpPr>
+          <p:cNvPr id="150" name="Shape 150"/>
+          <p:cNvSpPr/>
+          <p:nvPr>
+            <p:ph type="sldNum" sz="quarter" idx="2"/>
+          </p:nvPr>
+        </p:nvSpPr>
+        <p:spPr>
+          <a:prstGeom prst="rect">
+            <a:avLst/>
+          </a:prstGeom>
+          <a:extLst>
+            <a:ext uri="{C572A759-6A51-4108-AA02-DFA0A04FC94B}">
+              <ma14:wrappingTextBoxFlag xmlns:ma14="http://schemas.microsoft.com/office/mac/drawingml/2011/main" val="1"/>
+            </a:ext>
+          </a:extLst>
+        </p:spPr>
+        <p:txBody>
+          <a:bodyPr/>
+          <a:lstStyle/>
+          <a:p>
+            <a:pPr lvl="0">
+              <a:defRPr sz="1800">
+                <a:solidFill>
+                  <a:srgbClr val="000000"/>
+                </a:solidFill>
+              </a:defRPr>
+            </a:pPr>
             <a:fld id="{86CB4B4D-7CA3-9044-876B-883B54F8677D}" type="slidenum">
               <a:rPr sz="1200">
                 <a:solidFill>
@@ -6923,60 +8428,1115 @@
           </a:p>
         </p:txBody>
       </p:sp>
-      <p:pic>
-        <p:nvPicPr>
-          <p:cNvPr id="139" name="GitHub-Mark.png"/>
-          <p:cNvPicPr/>
-          <p:nvPr/>
-        </p:nvPicPr>
-        <p:blipFill>
-          <a:blip r:embed="rId3">
-            <a:extLst/>
-          </a:blip>
-          <a:stretch>
-            <a:fillRect/>
-          </a:stretch>
-        </p:blipFill>
+    </p:spTree>
+  </p:cSld>
+  <p:clrMapOvr>
+    <a:masterClrMapping/>
+  </p:clrMapOvr>
+  <p:transition spd="med" advClick="1"/>
+</p:sld>
+</file>
+
+<file path=ppt/slides/slide24.xml><?xml version="1.0" encoding="utf-8"?>
+<p:sld xmlns:a="http://schemas.openxmlformats.org/drawingml/2006/main" xmlns:r="http://schemas.openxmlformats.org/officeDocument/2006/relationships" xmlns:p="http://schemas.openxmlformats.org/presentationml/2006/main" showMasterSp="1" showMasterPhAnim="1">
+  <p:cSld>
+    <p:spTree>
+      <p:nvGrpSpPr>
+        <p:cNvPr id="1" name=""/>
+        <p:cNvGrpSpPr/>
+        <p:nvPr/>
+      </p:nvGrpSpPr>
+      <p:grpSpPr>
+        <a:xfrm>
+          <a:off x="0" y="0"/>
+          <a:ext cx="0" cy="0"/>
+          <a:chOff x="0" y="0"/>
+          <a:chExt cx="0" cy="0"/>
+        </a:xfrm>
+      </p:grpSpPr>
+      <p:sp>
+        <p:nvSpPr>
+          <p:cNvPr id="152" name="Shape 152"/>
+          <p:cNvSpPr/>
+          <p:nvPr>
+            <p:ph type="title"/>
+          </p:nvPr>
+        </p:nvSpPr>
+        <p:spPr>
+          <a:prstGeom prst="rect">
+            <a:avLst/>
+          </a:prstGeom>
+        </p:spPr>
+        <p:txBody>
+          <a:bodyPr lIns="0" tIns="0" rIns="0" bIns="0"/>
+          <a:lstStyle/>
+          <a:p>
+            <a:pPr lvl="0">
+              <a:defRPr sz="1800">
+                <a:solidFill>
+                  <a:srgbClr val="000000"/>
+                </a:solidFill>
+              </a:defRPr>
+            </a:pPr>
+            <a:r>
+              <a:rPr sz="4400">
+                <a:solidFill>
+                  <a:srgbClr val="595959"/>
+                </a:solidFill>
+              </a:rPr>
+              <a:t>Why DataFrames?</a:t>
+            </a:r>
+          </a:p>
+        </p:txBody>
+      </p:sp>
+      <p:sp>
+        <p:nvSpPr>
+          <p:cNvPr id="153" name="Shape 153"/>
+          <p:cNvSpPr/>
+          <p:nvPr>
+            <p:ph type="body" idx="1"/>
+          </p:nvPr>
+        </p:nvSpPr>
+        <p:spPr>
+          <a:prstGeom prst="rect">
+            <a:avLst/>
+          </a:prstGeom>
+        </p:spPr>
+        <p:txBody>
+          <a:bodyPr/>
+          <a:lstStyle/>
+          <a:p>
+            <a:pPr lvl="0">
+              <a:defRPr sz="1800">
+                <a:solidFill>
+                  <a:srgbClr val="000000"/>
+                </a:solidFill>
+              </a:defRPr>
+            </a:pPr>
+            <a:r>
+              <a:rPr sz="2800">
+                <a:solidFill>
+                  <a:srgbClr val="595959"/>
+                </a:solidFill>
+              </a:rPr>
+              <a:t>Super awesome distributed, in-memory collections</a:t>
+            </a:r>
+            <a:endParaRPr sz="2800">
+              <a:solidFill>
+                <a:srgbClr val="595959"/>
+              </a:solidFill>
+            </a:endParaRPr>
+          </a:p>
+          <a:p>
+            <a:pPr lvl="0">
+              <a:defRPr sz="1800">
+                <a:solidFill>
+                  <a:srgbClr val="000000"/>
+                </a:solidFill>
+              </a:defRPr>
+            </a:pPr>
+            <a:r>
+              <a:rPr sz="2800">
+                <a:solidFill>
+                  <a:srgbClr val="595959"/>
+                </a:solidFill>
+              </a:rPr>
+              <a:t>Schemas == metadata, structure, declarative instead of imperative</a:t>
+            </a:r>
+            <a:endParaRPr sz="2800">
+              <a:solidFill>
+                <a:srgbClr val="595959"/>
+              </a:solidFill>
+            </a:endParaRPr>
+          </a:p>
+          <a:p>
+            <a:pPr lvl="0">
+              <a:defRPr sz="1800">
+                <a:solidFill>
+                  <a:srgbClr val="000000"/>
+                </a:solidFill>
+              </a:defRPr>
+            </a:pPr>
+            <a:r>
+              <a:rPr sz="2800">
+                <a:solidFill>
+                  <a:srgbClr val="595959"/>
+                </a:solidFill>
+              </a:rPr>
+              <a:t>????</a:t>
+            </a:r>
+          </a:p>
+        </p:txBody>
+      </p:sp>
+      <p:sp>
+        <p:nvSpPr>
+          <p:cNvPr id="154" name="Shape 154"/>
+          <p:cNvSpPr/>
+          <p:nvPr>
+            <p:ph type="sldNum" sz="quarter" idx="2"/>
+          </p:nvPr>
+        </p:nvSpPr>
+        <p:spPr>
+          <a:prstGeom prst="rect">
+            <a:avLst/>
+          </a:prstGeom>
+          <a:extLst>
+            <a:ext uri="{C572A759-6A51-4108-AA02-DFA0A04FC94B}">
+              <ma14:wrappingTextBoxFlag xmlns:ma14="http://schemas.microsoft.com/office/mac/drawingml/2011/main" val="1"/>
+            </a:ext>
+          </a:extLst>
+        </p:spPr>
+        <p:txBody>
+          <a:bodyPr/>
+          <a:lstStyle/>
+          <a:p>
+            <a:pPr lvl="0">
+              <a:defRPr sz="1800">
+                <a:solidFill>
+                  <a:srgbClr val="000000"/>
+                </a:solidFill>
+              </a:defRPr>
+            </a:pPr>
+            <a:fld id="{86CB4B4D-7CA3-9044-876B-883B54F8677D}" type="slidenum">
+              <a:rPr sz="1200">
+                <a:solidFill>
+                  <a:srgbClr val="888888"/>
+                </a:solidFill>
+              </a:rPr>
+            </a:fld>
+          </a:p>
+        </p:txBody>
+      </p:sp>
+    </p:spTree>
+  </p:cSld>
+  <p:clrMapOvr>
+    <a:masterClrMapping/>
+  </p:clrMapOvr>
+  <p:transition spd="med" advClick="1"/>
+</p:sld>
+</file>
+
+<file path=ppt/slides/slide25.xml><?xml version="1.0" encoding="utf-8"?>
+<p:sld xmlns:a="http://schemas.openxmlformats.org/drawingml/2006/main" xmlns:r="http://schemas.openxmlformats.org/officeDocument/2006/relationships" xmlns:p="http://schemas.openxmlformats.org/presentationml/2006/main" showMasterSp="1" showMasterPhAnim="1">
+  <p:cSld>
+    <p:spTree>
+      <p:nvGrpSpPr>
+        <p:cNvPr id="1" name=""/>
+        <p:cNvGrpSpPr/>
+        <p:nvPr/>
+      </p:nvGrpSpPr>
+      <p:grpSpPr>
+        <a:xfrm>
+          <a:off x="0" y="0"/>
+          <a:ext cx="0" cy="0"/>
+          <a:chOff x="0" y="0"/>
+          <a:chExt cx="0" cy="0"/>
+        </a:xfrm>
+      </p:grpSpPr>
+      <p:sp>
+        <p:nvSpPr>
+          <p:cNvPr id="156" name="Shape 156"/>
+          <p:cNvSpPr/>
+          <p:nvPr>
+            <p:ph type="title"/>
+          </p:nvPr>
+        </p:nvSpPr>
+        <p:spPr>
+          <a:prstGeom prst="rect">
+            <a:avLst/>
+          </a:prstGeom>
+        </p:spPr>
+        <p:txBody>
+          <a:bodyPr lIns="0" tIns="0" rIns="0" bIns="0"/>
+          <a:lstStyle/>
+          <a:p>
+            <a:pPr lvl="0">
+              <a:defRPr sz="1800">
+                <a:solidFill>
+                  <a:srgbClr val="000000"/>
+                </a:solidFill>
+              </a:defRPr>
+            </a:pPr>
+            <a:r>
+              <a:rPr sz="4400">
+                <a:solidFill>
+                  <a:srgbClr val="595959"/>
+                </a:solidFill>
+              </a:rPr>
+              <a:t>Why DataFrames?</a:t>
+            </a:r>
+          </a:p>
+        </p:txBody>
+      </p:sp>
+      <p:sp>
+        <p:nvSpPr>
+          <p:cNvPr id="157" name="Shape 157"/>
+          <p:cNvSpPr/>
+          <p:nvPr>
+            <p:ph type="body" idx="1"/>
+          </p:nvPr>
+        </p:nvSpPr>
+        <p:spPr>
+          <a:prstGeom prst="rect">
+            <a:avLst/>
+          </a:prstGeom>
+        </p:spPr>
+        <p:txBody>
+          <a:bodyPr/>
+          <a:lstStyle/>
+          <a:p>
+            <a:pPr lvl="0">
+              <a:defRPr sz="1800">
+                <a:solidFill>
+                  <a:srgbClr val="000000"/>
+                </a:solidFill>
+              </a:defRPr>
+            </a:pPr>
+            <a:r>
+              <a:rPr sz="2800">
+                <a:solidFill>
+                  <a:srgbClr val="595959"/>
+                </a:solidFill>
+              </a:rPr>
+              <a:t>Super awesome distributed, in-memory collections</a:t>
+            </a:r>
+            <a:endParaRPr sz="2800">
+              <a:solidFill>
+                <a:srgbClr val="595959"/>
+              </a:solidFill>
+            </a:endParaRPr>
+          </a:p>
+          <a:p>
+            <a:pPr lvl="0">
+              <a:defRPr sz="1800">
+                <a:solidFill>
+                  <a:srgbClr val="000000"/>
+                </a:solidFill>
+              </a:defRPr>
+            </a:pPr>
+            <a:r>
+              <a:rPr sz="2800">
+                <a:solidFill>
+                  <a:srgbClr val="595959"/>
+                </a:solidFill>
+              </a:rPr>
+              <a:t>Schemas == metadata, structure, declarative instead of imperative</a:t>
+            </a:r>
+            <a:endParaRPr sz="2800">
+              <a:solidFill>
+                <a:srgbClr val="595959"/>
+              </a:solidFill>
+            </a:endParaRPr>
+          </a:p>
+          <a:p>
+            <a:pPr lvl="0">
+              <a:defRPr sz="1800">
+                <a:solidFill>
+                  <a:srgbClr val="000000"/>
+                </a:solidFill>
+              </a:defRPr>
+            </a:pPr>
+            <a:r>
+              <a:rPr sz="2800">
+                <a:solidFill>
+                  <a:srgbClr val="595959"/>
+                </a:solidFill>
+              </a:rPr>
+              <a:t>????</a:t>
+            </a:r>
+            <a:endParaRPr sz="2800">
+              <a:solidFill>
+                <a:srgbClr val="595959"/>
+              </a:solidFill>
+            </a:endParaRPr>
+          </a:p>
+          <a:p>
+            <a:pPr lvl="0">
+              <a:defRPr sz="1800">
+                <a:solidFill>
+                  <a:srgbClr val="000000"/>
+                </a:solidFill>
+              </a:defRPr>
+            </a:pPr>
+            <a:r>
+              <a:rPr sz="2800">
+                <a:solidFill>
+                  <a:srgbClr val="595959"/>
+                </a:solidFill>
+              </a:rPr>
+              <a:t>Profit</a:t>
+            </a:r>
+          </a:p>
+        </p:txBody>
+      </p:sp>
+      <p:sp>
+        <p:nvSpPr>
+          <p:cNvPr id="158" name="Shape 158"/>
+          <p:cNvSpPr/>
+          <p:nvPr>
+            <p:ph type="sldNum" sz="quarter" idx="2"/>
+          </p:nvPr>
+        </p:nvSpPr>
+        <p:spPr>
+          <a:prstGeom prst="rect">
+            <a:avLst/>
+          </a:prstGeom>
+          <a:extLst>
+            <a:ext uri="{C572A759-6A51-4108-AA02-DFA0A04FC94B}">
+              <ma14:wrappingTextBoxFlag xmlns:ma14="http://schemas.microsoft.com/office/mac/drawingml/2011/main" val="1"/>
+            </a:ext>
+          </a:extLst>
+        </p:spPr>
+        <p:txBody>
+          <a:bodyPr/>
+          <a:lstStyle/>
+          <a:p>
+            <a:pPr lvl="0">
+              <a:defRPr sz="1800">
+                <a:solidFill>
+                  <a:srgbClr val="000000"/>
+                </a:solidFill>
+              </a:defRPr>
+            </a:pPr>
+            <a:fld id="{86CB4B4D-7CA3-9044-876B-883B54F8677D}" type="slidenum">
+              <a:rPr sz="1200">
+                <a:solidFill>
+                  <a:srgbClr val="888888"/>
+                </a:solidFill>
+              </a:rPr>
+            </a:fld>
+          </a:p>
+        </p:txBody>
+      </p:sp>
+    </p:spTree>
+  </p:cSld>
+  <p:clrMapOvr>
+    <a:masterClrMapping/>
+  </p:clrMapOvr>
+  <p:transition spd="med" advClick="1"/>
+</p:sld>
+</file>
+
+<file path=ppt/slides/slide26.xml><?xml version="1.0" encoding="utf-8"?>
+<p:sld xmlns:a="http://schemas.openxmlformats.org/drawingml/2006/main" xmlns:r="http://schemas.openxmlformats.org/officeDocument/2006/relationships" xmlns:p="http://schemas.openxmlformats.org/presentationml/2006/main" showMasterSp="1" showMasterPhAnim="1">
+  <p:cSld>
+    <p:spTree>
+      <p:nvGrpSpPr>
+        <p:cNvPr id="1" name=""/>
+        <p:cNvGrpSpPr/>
+        <p:nvPr/>
+      </p:nvGrpSpPr>
+      <p:grpSpPr>
+        <a:xfrm>
+          <a:off x="0" y="0"/>
+          <a:ext cx="0" cy="0"/>
+          <a:chOff x="0" y="0"/>
+          <a:chExt cx="0" cy="0"/>
+        </a:xfrm>
+      </p:grpSpPr>
+      <p:sp>
+        <p:nvSpPr>
+          <p:cNvPr id="160" name="Shape 160"/>
+          <p:cNvSpPr/>
+          <p:nvPr>
+            <p:ph type="title"/>
+          </p:nvPr>
+        </p:nvSpPr>
+        <p:spPr>
+          <a:prstGeom prst="rect">
+            <a:avLst/>
+          </a:prstGeom>
+        </p:spPr>
+        <p:txBody>
+          <a:bodyPr/>
+          <a:lstStyle/>
+          <a:p>
+            <a:pPr lvl="1">
+              <a:defRPr sz="1800">
+                <a:solidFill>
+                  <a:srgbClr val="000000"/>
+                </a:solidFill>
+              </a:defRPr>
+            </a:pPr>
+            <a:r>
+              <a:rPr sz="4400">
+                <a:solidFill>
+                  <a:srgbClr val="595959"/>
+                </a:solidFill>
+              </a:rPr>
+              <a:t>DataFrames in SparkR</a:t>
+            </a:r>
+          </a:p>
+        </p:txBody>
+      </p:sp>
+      <p:sp>
+        <p:nvSpPr>
+          <p:cNvPr id="161" name="Shape 161"/>
+          <p:cNvSpPr/>
+          <p:nvPr>
+            <p:ph type="body" idx="1"/>
+          </p:nvPr>
+        </p:nvSpPr>
+        <p:spPr>
+          <a:prstGeom prst="rect">
+            <a:avLst/>
+          </a:prstGeom>
+        </p:spPr>
+        <p:txBody>
+          <a:bodyPr/>
+          <a:lstStyle/>
+          <a:p>
+            <a:pPr lvl="0">
+              <a:defRPr sz="1800">
+                <a:solidFill>
+                  <a:srgbClr val="000000"/>
+                </a:solidFill>
+              </a:defRPr>
+            </a:pPr>
+            <a:r>
+              <a:rPr sz="2800">
+                <a:solidFill>
+                  <a:srgbClr val="595959"/>
+                </a:solidFill>
+              </a:rPr>
+              <a:t>Multiple Components:</a:t>
+            </a:r>
+            <a:endParaRPr sz="2800">
+              <a:solidFill>
+                <a:srgbClr val="595959"/>
+              </a:solidFill>
+            </a:endParaRPr>
+          </a:p>
+          <a:p>
+            <a:pPr lvl="1">
+              <a:defRPr sz="1800">
+                <a:solidFill>
+                  <a:srgbClr val="000000"/>
+                </a:solidFill>
+              </a:defRPr>
+            </a:pPr>
+            <a:r>
+              <a:rPr sz="2800">
+                <a:solidFill>
+                  <a:srgbClr val="595959"/>
+                </a:solidFill>
+              </a:rPr>
+              <a:t>A set of native S4 classes and methods that live inside a standard R package</a:t>
+            </a:r>
+            <a:endParaRPr sz="2800">
+              <a:solidFill>
+                <a:srgbClr val="595959"/>
+              </a:solidFill>
+            </a:endParaRPr>
+          </a:p>
+          <a:p>
+            <a:pPr lvl="1">
+              <a:defRPr sz="1800">
+                <a:solidFill>
+                  <a:srgbClr val="000000"/>
+                </a:solidFill>
+              </a:defRPr>
+            </a:pPr>
+            <a:r>
+              <a:rPr sz="2800">
+                <a:solidFill>
+                  <a:srgbClr val="595959"/>
+                </a:solidFill>
+              </a:rPr>
+              <a:t>A SparkR backend that passes data structures and method calls to the JVM</a:t>
+            </a:r>
+            <a:endParaRPr sz="2800">
+              <a:solidFill>
+                <a:srgbClr val="595959"/>
+              </a:solidFill>
+            </a:endParaRPr>
+          </a:p>
+          <a:p>
+            <a:pPr lvl="1">
+              <a:defRPr sz="1800">
+                <a:solidFill>
+                  <a:srgbClr val="000000"/>
+                </a:solidFill>
+              </a:defRPr>
+            </a:pPr>
+            <a:r>
+              <a:rPr sz="2800">
+                <a:solidFill>
+                  <a:srgbClr val="595959"/>
+                </a:solidFill>
+              </a:rPr>
+              <a:t>A set of “helper” methods written in Scala</a:t>
+            </a:r>
+          </a:p>
+        </p:txBody>
+      </p:sp>
+      <p:sp>
+        <p:nvSpPr>
+          <p:cNvPr id="162" name="Shape 162"/>
+          <p:cNvSpPr/>
+          <p:nvPr>
+            <p:ph type="sldNum" sz="quarter" idx="2"/>
+          </p:nvPr>
+        </p:nvSpPr>
+        <p:spPr>
+          <a:prstGeom prst="rect">
+            <a:avLst/>
+          </a:prstGeom>
+          <a:extLst>
+            <a:ext uri="{C572A759-6A51-4108-AA02-DFA0A04FC94B}">
+              <ma14:wrappingTextBoxFlag xmlns:ma14="http://schemas.microsoft.com/office/mac/drawingml/2011/main" val="1"/>
+            </a:ext>
+          </a:extLst>
+        </p:spPr>
+        <p:txBody>
+          <a:bodyPr/>
+          <a:lstStyle/>
+          <a:p>
+            <a:pPr lvl="0">
+              <a:defRPr sz="1800">
+                <a:solidFill>
+                  <a:srgbClr val="000000"/>
+                </a:solidFill>
+              </a:defRPr>
+            </a:pPr>
+            <a:fld id="{86CB4B4D-7CA3-9044-876B-883B54F8677D}" type="slidenum">
+              <a:rPr sz="1200">
+                <a:solidFill>
+                  <a:srgbClr val="888888"/>
+                </a:solidFill>
+              </a:rPr>
+            </a:fld>
+          </a:p>
+        </p:txBody>
+      </p:sp>
+    </p:spTree>
+  </p:cSld>
+  <p:clrMapOvr>
+    <a:masterClrMapping/>
+  </p:clrMapOvr>
+  <p:transition spd="med" advClick="1"/>
+</p:sld>
+</file>
+
+<file path=ppt/slides/slide27.xml><?xml version="1.0" encoding="utf-8"?>
+<p:sld xmlns:a="http://schemas.openxmlformats.org/drawingml/2006/main" xmlns:r="http://schemas.openxmlformats.org/officeDocument/2006/relationships" xmlns:p="http://schemas.openxmlformats.org/presentationml/2006/main" showMasterSp="1" showMasterPhAnim="1">
+  <p:cSld>
+    <p:spTree>
+      <p:nvGrpSpPr>
+        <p:cNvPr id="1" name=""/>
+        <p:cNvGrpSpPr/>
+        <p:nvPr/>
+      </p:nvGrpSpPr>
+      <p:grpSpPr>
+        <a:xfrm>
+          <a:off x="0" y="0"/>
+          <a:ext cx="0" cy="0"/>
+          <a:chOff x="0" y="0"/>
+          <a:chExt cx="0" cy="0"/>
+        </a:xfrm>
+      </p:grpSpPr>
+      <p:sp>
+        <p:nvSpPr>
+          <p:cNvPr id="164" name="Shape 164"/>
+          <p:cNvSpPr/>
+          <p:nvPr>
+            <p:ph type="title"/>
+          </p:nvPr>
+        </p:nvSpPr>
+        <p:spPr>
+          <a:prstGeom prst="rect">
+            <a:avLst/>
+          </a:prstGeom>
+        </p:spPr>
+        <p:txBody>
+          <a:bodyPr/>
+          <a:lstStyle/>
+          <a:p>
+            <a:pPr lvl="2">
+              <a:defRPr sz="1800">
+                <a:solidFill>
+                  <a:srgbClr val="000000"/>
+                </a:solidFill>
+              </a:defRPr>
+            </a:pPr>
+            <a:r>
+              <a:rPr sz="4400">
+                <a:solidFill>
+                  <a:srgbClr val="595959"/>
+                </a:solidFill>
+              </a:rPr>
+              <a:t>Why does the structure matter?</a:t>
+            </a:r>
+          </a:p>
+        </p:txBody>
+      </p:sp>
+      <p:sp>
+        <p:nvSpPr>
+          <p:cNvPr id="165" name="Shape 165"/>
+          <p:cNvSpPr/>
+          <p:nvPr>
+            <p:ph type="body" idx="1"/>
+          </p:nvPr>
+        </p:nvSpPr>
+        <p:spPr>
+          <a:prstGeom prst="rect">
+            <a:avLst/>
+          </a:prstGeom>
+        </p:spPr>
+        <p:txBody>
+          <a:bodyPr/>
+          <a:lstStyle/>
+          <a:p>
+            <a:pPr lvl="0">
+              <a:defRPr sz="1800">
+                <a:solidFill>
+                  <a:srgbClr val="000000"/>
+                </a:solidFill>
+              </a:defRPr>
+            </a:pPr>
+            <a:r>
+              <a:rPr sz="2800">
+                <a:solidFill>
+                  <a:srgbClr val="595959"/>
+                </a:solidFill>
+              </a:rPr>
+              <a:t>Native R classes allow us to extend the existing DataFrame API by adding R-like syntax and interactions</a:t>
+            </a:r>
+            <a:endParaRPr sz="2800">
+              <a:solidFill>
+                <a:srgbClr val="595959"/>
+              </a:solidFill>
+            </a:endParaRPr>
+          </a:p>
+          <a:p>
+            <a:pPr lvl="0">
+              <a:defRPr sz="1800">
+                <a:solidFill>
+                  <a:srgbClr val="000000"/>
+                </a:solidFill>
+              </a:defRPr>
+            </a:pPr>
+            <a:r>
+              <a:rPr sz="2800">
+                <a:solidFill>
+                  <a:srgbClr val="595959"/>
+                </a:solidFill>
+              </a:rPr>
+              <a:t>Handoff to the JVM gives us full access to Spark’s DAG capabilities and Catalyst optimizations, e.g. constant-folding, predicate pushdown, and code generation.</a:t>
+            </a:r>
+          </a:p>
+        </p:txBody>
+      </p:sp>
+      <p:sp>
+        <p:nvSpPr>
+          <p:cNvPr id="166" name="Shape 166"/>
+          <p:cNvSpPr/>
+          <p:nvPr>
+            <p:ph type="sldNum" sz="quarter" idx="2"/>
+          </p:nvPr>
+        </p:nvSpPr>
+        <p:spPr>
+          <a:prstGeom prst="rect">
+            <a:avLst/>
+          </a:prstGeom>
+          <a:extLst>
+            <a:ext uri="{C572A759-6A51-4108-AA02-DFA0A04FC94B}">
+              <ma14:wrappingTextBoxFlag xmlns:ma14="http://schemas.microsoft.com/office/mac/drawingml/2011/main" val="1"/>
+            </a:ext>
+          </a:extLst>
+        </p:spPr>
+        <p:txBody>
+          <a:bodyPr/>
+          <a:lstStyle/>
+          <a:p>
+            <a:pPr lvl="0">
+              <a:defRPr sz="1800">
+                <a:solidFill>
+                  <a:srgbClr val="000000"/>
+                </a:solidFill>
+              </a:defRPr>
+            </a:pPr>
+            <a:fld id="{86CB4B4D-7CA3-9044-876B-883B54F8677D}" type="slidenum">
+              <a:rPr sz="1200">
+                <a:solidFill>
+                  <a:srgbClr val="888888"/>
+                </a:solidFill>
+              </a:rPr>
+            </a:fld>
+          </a:p>
+        </p:txBody>
+      </p:sp>
+    </p:spTree>
+  </p:cSld>
+  <p:clrMapOvr>
+    <a:masterClrMapping/>
+  </p:clrMapOvr>
+  <p:transition spd="med" advClick="1"/>
+</p:sld>
+</file>
+
+<file path=ppt/slides/slide28.xml><?xml version="1.0" encoding="utf-8"?>
+<p:sld xmlns:a="http://schemas.openxmlformats.org/drawingml/2006/main" xmlns:r="http://schemas.openxmlformats.org/officeDocument/2006/relationships" xmlns:p="http://schemas.openxmlformats.org/presentationml/2006/main" showMasterSp="1" showMasterPhAnim="1">
+  <p:cSld>
+    <p:spTree>
+      <p:nvGrpSpPr>
+        <p:cNvPr id="1" name=""/>
+        <p:cNvGrpSpPr/>
+        <p:nvPr/>
+      </p:nvGrpSpPr>
+      <p:grpSpPr>
+        <a:xfrm>
+          <a:off x="0" y="0"/>
+          <a:ext cx="0" cy="0"/>
+          <a:chOff x="0" y="0"/>
+          <a:chExt cx="0" cy="0"/>
+        </a:xfrm>
+      </p:grpSpPr>
+      <p:sp>
+        <p:nvSpPr>
+          <p:cNvPr id="168" name="Shape 168"/>
+          <p:cNvSpPr/>
+          <p:nvPr>
+            <p:ph type="title"/>
+          </p:nvPr>
+        </p:nvSpPr>
+        <p:spPr>
+          <a:prstGeom prst="rect">
+            <a:avLst/>
+          </a:prstGeom>
+        </p:spPr>
+        <p:txBody>
+          <a:bodyPr/>
+          <a:lstStyle/>
+          <a:p>
+            <a:pPr lvl="1">
+              <a:defRPr sz="1800">
+                <a:solidFill>
+                  <a:srgbClr val="000000"/>
+                </a:solidFill>
+              </a:defRPr>
+            </a:pPr>
+            <a:r>
+              <a:rPr sz="4400">
+                <a:solidFill>
+                  <a:srgbClr val="595959"/>
+                </a:solidFill>
+              </a:rPr>
+              <a:t>SparkR DataFrame Features</a:t>
+            </a:r>
+          </a:p>
+        </p:txBody>
+      </p:sp>
+      <p:sp>
+        <p:nvSpPr>
+          <p:cNvPr id="169" name="Shape 169"/>
+          <p:cNvSpPr/>
+          <p:nvPr>
+            <p:ph type="body" idx="1"/>
+          </p:nvPr>
+        </p:nvSpPr>
+        <p:spPr>
+          <a:prstGeom prst="rect">
+            <a:avLst/>
+          </a:prstGeom>
+        </p:spPr>
+        <p:txBody>
+          <a:bodyPr/>
+          <a:lstStyle/>
+          <a:p>
+            <a:pPr lvl="0">
+              <a:defRPr sz="1800">
+                <a:solidFill>
+                  <a:srgbClr val="000000"/>
+                </a:solidFill>
+              </a:defRPr>
+            </a:pPr>
+            <a:r>
+              <a:rPr sz="2800">
+                <a:solidFill>
+                  <a:srgbClr val="595959"/>
+                </a:solidFill>
+              </a:rPr>
+              <a:t>Column access using ‘$’ or ‘[ ]’ just like in R</a:t>
+            </a:r>
+            <a:endParaRPr sz="2800">
+              <a:solidFill>
+                <a:srgbClr val="595959"/>
+              </a:solidFill>
+            </a:endParaRPr>
+          </a:p>
+          <a:p>
+            <a:pPr lvl="0">
+              <a:defRPr sz="1800">
+                <a:solidFill>
+                  <a:srgbClr val="000000"/>
+                </a:solidFill>
+              </a:defRPr>
+            </a:pPr>
+            <a:r>
+              <a:rPr sz="2800">
+                <a:solidFill>
+                  <a:srgbClr val="595959"/>
+                </a:solidFill>
+              </a:rPr>
+              <a:t>dplyr-like DataFrame manipulation:</a:t>
+            </a:r>
+            <a:endParaRPr sz="2800">
+              <a:solidFill>
+                <a:srgbClr val="595959"/>
+              </a:solidFill>
+            </a:endParaRPr>
+          </a:p>
+          <a:p>
+            <a:pPr lvl="1" marL="783771" indent="-326571">
+              <a:defRPr sz="1800">
+                <a:solidFill>
+                  <a:srgbClr val="000000"/>
+                </a:solidFill>
+              </a:defRPr>
+            </a:pPr>
+            <a:r>
+              <a:rPr>
+                <a:solidFill>
+                  <a:srgbClr val="595959"/>
+                </a:solidFill>
+              </a:rPr>
+              <a:t>filter</a:t>
+            </a:r>
+            <a:endParaRPr>
+              <a:solidFill>
+                <a:srgbClr val="595959"/>
+              </a:solidFill>
+            </a:endParaRPr>
+          </a:p>
+          <a:p>
+            <a:pPr lvl="1" marL="783771" indent="-326571">
+              <a:defRPr sz="1800">
+                <a:solidFill>
+                  <a:srgbClr val="000000"/>
+                </a:solidFill>
+              </a:defRPr>
+            </a:pPr>
+            <a:r>
+              <a:rPr>
+                <a:solidFill>
+                  <a:srgbClr val="595959"/>
+                </a:solidFill>
+              </a:rPr>
+              <a:t>groupBy</a:t>
+            </a:r>
+            <a:endParaRPr>
+              <a:solidFill>
+                <a:srgbClr val="595959"/>
+              </a:solidFill>
+            </a:endParaRPr>
+          </a:p>
+          <a:p>
+            <a:pPr lvl="1" marL="783771" indent="-326571">
+              <a:defRPr sz="1800">
+                <a:solidFill>
+                  <a:srgbClr val="000000"/>
+                </a:solidFill>
+              </a:defRPr>
+            </a:pPr>
+            <a:r>
+              <a:rPr>
+                <a:solidFill>
+                  <a:srgbClr val="595959"/>
+                </a:solidFill>
+              </a:rPr>
+              <a:t>summarize</a:t>
+            </a:r>
+            <a:endParaRPr>
+              <a:solidFill>
+                <a:srgbClr val="595959"/>
+              </a:solidFill>
+            </a:endParaRPr>
+          </a:p>
+          <a:p>
+            <a:pPr lvl="1" marL="783771" indent="-326571">
+              <a:defRPr sz="1800">
+                <a:solidFill>
+                  <a:srgbClr val="000000"/>
+                </a:solidFill>
+              </a:defRPr>
+            </a:pPr>
+            <a:r>
+              <a:rPr>
+                <a:solidFill>
+                  <a:srgbClr val="595959"/>
+                </a:solidFill>
+              </a:rPr>
+              <a:t>mutate</a:t>
+            </a:r>
+            <a:endParaRPr>
+              <a:solidFill>
+                <a:srgbClr val="595959"/>
+              </a:solidFill>
+            </a:endParaRPr>
+          </a:p>
+          <a:p>
+            <a:pPr lvl="0">
+              <a:defRPr sz="1800">
+                <a:solidFill>
+                  <a:srgbClr val="000000"/>
+                </a:solidFill>
+              </a:defRPr>
+            </a:pPr>
+            <a:r>
+              <a:rPr sz="2800">
+                <a:solidFill>
+                  <a:srgbClr val="595959"/>
+                </a:solidFill>
+              </a:rPr>
+              <a:t>Access to external R packages that extend R syntax</a:t>
+            </a:r>
+          </a:p>
+        </p:txBody>
+      </p:sp>
+      <p:sp>
+        <p:nvSpPr>
+          <p:cNvPr id="170" name="Shape 170"/>
+          <p:cNvSpPr/>
+          <p:nvPr>
+            <p:ph type="sldNum" sz="quarter" idx="2"/>
+          </p:nvPr>
+        </p:nvSpPr>
+        <p:spPr>
+          <a:prstGeom prst="rect">
+            <a:avLst/>
+          </a:prstGeom>
+          <a:extLst>
+            <a:ext uri="{C572A759-6A51-4108-AA02-DFA0A04FC94B}">
+              <ma14:wrappingTextBoxFlag xmlns:ma14="http://schemas.microsoft.com/office/mac/drawingml/2011/main" val="1"/>
+            </a:ext>
+          </a:extLst>
+        </p:spPr>
+        <p:txBody>
+          <a:bodyPr/>
+          <a:lstStyle/>
+          <a:p>
+            <a:pPr lvl="0">
+              <a:defRPr sz="1800">
+                <a:solidFill>
+                  <a:srgbClr val="000000"/>
+                </a:solidFill>
+              </a:defRPr>
+            </a:pPr>
+            <a:fld id="{86CB4B4D-7CA3-9044-876B-883B54F8677D}" type="slidenum">
+              <a:rPr sz="1200">
+                <a:solidFill>
+                  <a:srgbClr val="888888"/>
+                </a:solidFill>
+              </a:rPr>
+            </a:fld>
+          </a:p>
+        </p:txBody>
+      </p:sp>
+    </p:spTree>
+  </p:cSld>
+  <p:clrMapOvr>
+    <a:masterClrMapping/>
+  </p:clrMapOvr>
+  <p:transition spd="med" advClick="1"/>
+</p:sld>
+</file>
+
+<file path=ppt/slides/slide29.xml><?xml version="1.0" encoding="utf-8"?>
+<p:sld xmlns:a="http://schemas.openxmlformats.org/drawingml/2006/main" xmlns:r="http://schemas.openxmlformats.org/officeDocument/2006/relationships" xmlns:p="http://schemas.openxmlformats.org/presentationml/2006/main" showMasterSp="1" showMasterPhAnim="1">
+  <p:cSld>
+    <p:spTree>
+      <p:nvGrpSpPr>
+        <p:cNvPr id="1" name=""/>
+        <p:cNvGrpSpPr/>
+        <p:nvPr/>
+      </p:nvGrpSpPr>
+      <p:grpSpPr>
+        <a:xfrm>
+          <a:off x="0" y="0"/>
+          <a:ext cx="0" cy="0"/>
+          <a:chOff x="0" y="0"/>
+          <a:chExt cx="0" cy="0"/>
+        </a:xfrm>
+      </p:grpSpPr>
+      <p:sp>
+        <p:nvSpPr>
+          <p:cNvPr id="172" name="Shape 172"/>
+          <p:cNvSpPr/>
+          <p:nvPr>
+            <p:ph type="title"/>
+          </p:nvPr>
+        </p:nvSpPr>
         <p:spPr>
           <a:xfrm>
-            <a:off x="2929619" y="3722417"/>
-            <a:ext cx="618039" cy="618038"/>
+            <a:off x="457200" y="2006203"/>
+            <a:ext cx="8229600" cy="1131095"/>
           </a:xfrm>
           <a:prstGeom prst="rect">
             <a:avLst/>
           </a:prstGeom>
-          <a:ln w="12700">
-            <a:miter lim="400000"/>
-          </a:ln>
-        </p:spPr>
-      </p:pic>
-      <p:pic>
-        <p:nvPicPr>
-          <p:cNvPr id="140" name="twitter.png"/>
-          <p:cNvPicPr/>
-          <p:nvPr/>
-        </p:nvPicPr>
-        <p:blipFill>
-          <a:blip r:embed="rId4">
-            <a:extLst/>
-          </a:blip>
-          <a:stretch>
-            <a:fillRect/>
-          </a:stretch>
-        </p:blipFill>
-        <p:spPr>
-          <a:xfrm>
-            <a:off x="2841704" y="3077489"/>
-            <a:ext cx="793868" cy="793867"/>
-          </a:xfrm>
-          <a:prstGeom prst="rect">
-            <a:avLst/>
-          </a:prstGeom>
-          <a:ln w="12700">
-            <a:miter lim="400000"/>
-          </a:ln>
-        </p:spPr>
-      </p:pic>
+        </p:spPr>
+        <p:txBody>
+          <a:bodyPr/>
+          <a:lstStyle/>
+          <a:p>
+            <a:pPr lvl="0">
+              <a:defRPr sz="1800">
+                <a:solidFill>
+                  <a:srgbClr val="000000"/>
+                </a:solidFill>
+              </a:defRPr>
+            </a:pPr>
+            <a:r>
+              <a:rPr sz="4400">
+                <a:solidFill>
+                  <a:srgbClr val="595959"/>
+                </a:solidFill>
+              </a:rPr>
+              <a:t>Live Demo</a:t>
+            </a:r>
+          </a:p>
+        </p:txBody>
+      </p:sp>
+      <p:sp>
+        <p:nvSpPr>
+          <p:cNvPr id="173" name="Shape 173"/>
+          <p:cNvSpPr/>
+          <p:nvPr>
+            <p:ph type="sldNum" sz="quarter" idx="2"/>
+          </p:nvPr>
+        </p:nvSpPr>
+        <p:spPr>
+          <a:prstGeom prst="rect">
+            <a:avLst/>
+          </a:prstGeom>
+          <a:extLst>
+            <a:ext uri="{C572A759-6A51-4108-AA02-DFA0A04FC94B}">
+              <ma14:wrappingTextBoxFlag xmlns:ma14="http://schemas.microsoft.com/office/mac/drawingml/2011/main" val="1"/>
+            </a:ext>
+          </a:extLst>
+        </p:spPr>
+        <p:txBody>
+          <a:bodyPr/>
+          <a:lstStyle/>
+          <a:p>
+            <a:pPr lvl="0">
+              <a:defRPr sz="1800">
+                <a:solidFill>
+                  <a:srgbClr val="000000"/>
+                </a:solidFill>
+              </a:defRPr>
+            </a:pPr>
+            <a:fld id="{86CB4B4D-7CA3-9044-876B-883B54F8677D}" type="slidenum">
+              <a:rPr sz="1200">
+                <a:solidFill>
+                  <a:srgbClr val="888888"/>
+                </a:solidFill>
+              </a:rPr>
+            </a:fld>
+          </a:p>
+        </p:txBody>
+      </p:sp>
     </p:spTree>
   </p:cSld>
   <p:clrMapOvr>
@@ -7090,7 +9650,7 @@
                   <a:srgbClr val="595959"/>
                 </a:solidFill>
               </a:rPr>
-              <a:t>Exposes existing Spark functionality in an R-friendly syntax</a:t>
+              <a:t>Exposes existing Spark functionality in an R-friendly syntax via the DataFrame API</a:t>
             </a:r>
             <a:endParaRPr sz="2800">
               <a:solidFill>
@@ -7112,29 +9672,7 @@
                   <a:srgbClr val="595959"/>
                 </a:solidFill>
               </a:rPr>
-              <a:t>Extend RDDs with R packages and functions via the RRDD construct</a:t>
-            </a:r>
-            <a:endParaRPr sz="2800">
-              <a:solidFill>
-                <a:srgbClr val="595959"/>
-              </a:solidFill>
-            </a:endParaRPr>
-          </a:p>
-          <a:p>
-            <a:pPr lvl="0">
-              <a:defRPr sz="1800">
-                <a:solidFill>
-                  <a:srgbClr val="000000"/>
-                </a:solidFill>
-              </a:defRPr>
-            </a:pPr>
-            <a:r>
-              <a:rPr sz="2800">
-                <a:solidFill>
-                  <a:srgbClr val="595959"/>
-                </a:solidFill>
-              </a:rPr>
-              <a:t>Has its own shell, but can also be imported like a standard R package.</a:t>
+              <a:t>Has its own shell, but can also be imported like a standard R package and used with Rstudio.</a:t>
             </a:r>
           </a:p>
         </p:txBody>
@@ -7178,6 +9716,946 @@
           </a:p>
         </p:txBody>
       </p:sp>
+    </p:spTree>
+  </p:cSld>
+  <p:clrMapOvr>
+    <a:masterClrMapping/>
+  </p:clrMapOvr>
+  <p:transition spd="med" advClick="1"/>
+</p:sld>
+</file>
+
+<file path=ppt/slides/slide30.xml><?xml version="1.0" encoding="utf-8"?>
+<p:sld xmlns:a="http://schemas.openxmlformats.org/drawingml/2006/main" xmlns:r="http://schemas.openxmlformats.org/officeDocument/2006/relationships" xmlns:p="http://schemas.openxmlformats.org/presentationml/2006/main" showMasterSp="1" showMasterPhAnim="1">
+  <p:cSld>
+    <p:spTree>
+      <p:nvGrpSpPr>
+        <p:cNvPr id="1" name=""/>
+        <p:cNvGrpSpPr/>
+        <p:nvPr/>
+      </p:nvGrpSpPr>
+      <p:grpSpPr>
+        <a:xfrm>
+          <a:off x="0" y="0"/>
+          <a:ext cx="0" cy="0"/>
+          <a:chOff x="0" y="0"/>
+          <a:chExt cx="0" cy="0"/>
+        </a:xfrm>
+      </p:grpSpPr>
+      <p:sp>
+        <p:nvSpPr>
+          <p:cNvPr id="175" name="Shape 175"/>
+          <p:cNvSpPr/>
+          <p:nvPr>
+            <p:ph type="title"/>
+          </p:nvPr>
+        </p:nvSpPr>
+        <p:spPr>
+          <a:prstGeom prst="rect">
+            <a:avLst/>
+          </a:prstGeom>
+        </p:spPr>
+        <p:txBody>
+          <a:bodyPr/>
+          <a:lstStyle/>
+          <a:p>
+            <a:pPr lvl="0">
+              <a:defRPr sz="1800">
+                <a:solidFill>
+                  <a:srgbClr val="000000"/>
+                </a:solidFill>
+              </a:defRPr>
+            </a:pPr>
+            <a:r>
+              <a:rPr sz="4400">
+                <a:solidFill>
+                  <a:srgbClr val="595959"/>
+                </a:solidFill>
+              </a:rPr>
+              <a:t>On the Roadmap</a:t>
+            </a:r>
+          </a:p>
+        </p:txBody>
+      </p:sp>
+      <p:sp>
+        <p:nvSpPr>
+          <p:cNvPr id="176" name="Shape 176"/>
+          <p:cNvSpPr/>
+          <p:nvPr>
+            <p:ph type="body" idx="1"/>
+          </p:nvPr>
+        </p:nvSpPr>
+        <p:spPr>
+          <a:xfrm>
+            <a:off x="457200" y="1200150"/>
+            <a:ext cx="8229600" cy="3342288"/>
+          </a:xfrm>
+          <a:prstGeom prst="rect">
+            <a:avLst/>
+          </a:prstGeom>
+        </p:spPr>
+        <p:txBody>
+          <a:bodyPr/>
+          <a:lstStyle/>
+          <a:p>
+            <a:pPr lvl="0" marL="291464" indent="-291464" defTabSz="388620">
+              <a:spcBef>
+                <a:spcPts val="600"/>
+              </a:spcBef>
+              <a:defRPr sz="1800">
+                <a:solidFill>
+                  <a:srgbClr val="000000"/>
+                </a:solidFill>
+              </a:defRPr>
+            </a:pPr>
+            <a:r>
+              <a:rPr sz="2380">
+                <a:solidFill>
+                  <a:srgbClr val="595959"/>
+                </a:solidFill>
+              </a:rPr>
+              <a:t>Spark 1.4: SparkR becomes an official API</a:t>
+            </a:r>
+            <a:endParaRPr sz="2380">
+              <a:solidFill>
+                <a:srgbClr val="595959"/>
+              </a:solidFill>
+            </a:endParaRPr>
+          </a:p>
+          <a:p>
+            <a:pPr lvl="1" marL="666205" indent="-277585" defTabSz="388620">
+              <a:spcBef>
+                <a:spcPts val="600"/>
+              </a:spcBef>
+              <a:defRPr sz="1800">
+                <a:solidFill>
+                  <a:srgbClr val="000000"/>
+                </a:solidFill>
+              </a:defRPr>
+            </a:pPr>
+            <a:r>
+              <a:rPr sz="2380">
+                <a:solidFill>
+                  <a:srgbClr val="595959"/>
+                </a:solidFill>
+              </a:rPr>
+              <a:t>Primarily focused on SparkSQL/DataFrame implementation</a:t>
+            </a:r>
+            <a:endParaRPr sz="2380">
+              <a:solidFill>
+                <a:srgbClr val="595959"/>
+              </a:solidFill>
+            </a:endParaRPr>
+          </a:p>
+          <a:p>
+            <a:pPr lvl="0" marL="291464" indent="-291464" defTabSz="388620">
+              <a:spcBef>
+                <a:spcPts val="600"/>
+              </a:spcBef>
+              <a:defRPr sz="1800">
+                <a:solidFill>
+                  <a:srgbClr val="000000"/>
+                </a:solidFill>
+              </a:defRPr>
+            </a:pPr>
+            <a:r>
+              <a:rPr sz="2380">
+                <a:solidFill>
+                  <a:srgbClr val="595959"/>
+                </a:solidFill>
+              </a:rPr>
+              <a:t>Spark 1.5: Extend SparkR to include machine learning capabilities (e.g. sparkML)</a:t>
+            </a:r>
+            <a:endParaRPr sz="2380">
+              <a:solidFill>
+                <a:srgbClr val="595959"/>
+              </a:solidFill>
+            </a:endParaRPr>
+          </a:p>
+          <a:p>
+            <a:pPr lvl="0" marL="291464" indent="-291464" defTabSz="388620">
+              <a:spcBef>
+                <a:spcPts val="600"/>
+              </a:spcBef>
+              <a:defRPr sz="1800">
+                <a:solidFill>
+                  <a:srgbClr val="000000"/>
+                </a:solidFill>
+              </a:defRPr>
+            </a:pPr>
+            <a:r>
+              <a:rPr sz="2380">
+                <a:solidFill>
+                  <a:srgbClr val="595959"/>
+                </a:solidFill>
+              </a:rPr>
+              <a:t>For more information, be sure to check out “</a:t>
+            </a:r>
+            <a:r>
+              <a:rPr b="1" sz="2380">
+                <a:solidFill>
+                  <a:srgbClr val="595959"/>
+                </a:solidFill>
+                <a:latin typeface="+mn-lt"/>
+                <a:ea typeface="+mn-ea"/>
+                <a:cs typeface="+mn-cs"/>
+                <a:sym typeface="Helvetica"/>
+              </a:rPr>
+              <a:t>SparkR: The Past, Present, and Future</a:t>
+            </a:r>
+            <a:r>
+              <a:rPr sz="2380">
+                <a:solidFill>
+                  <a:srgbClr val="595959"/>
+                </a:solidFill>
+              </a:rPr>
+              <a:t>” at 4:30 on the Data Science track.</a:t>
+            </a:r>
+          </a:p>
+        </p:txBody>
+      </p:sp>
+      <p:sp>
+        <p:nvSpPr>
+          <p:cNvPr id="177" name="Shape 177"/>
+          <p:cNvSpPr/>
+          <p:nvPr>
+            <p:ph type="sldNum" sz="quarter" idx="2"/>
+          </p:nvPr>
+        </p:nvSpPr>
+        <p:spPr>
+          <a:prstGeom prst="rect">
+            <a:avLst/>
+          </a:prstGeom>
+          <a:extLst>
+            <a:ext uri="{C572A759-6A51-4108-AA02-DFA0A04FC94B}">
+              <ma14:wrappingTextBoxFlag xmlns:ma14="http://schemas.microsoft.com/office/mac/drawingml/2011/main" val="1"/>
+            </a:ext>
+          </a:extLst>
+        </p:spPr>
+        <p:txBody>
+          <a:bodyPr/>
+          <a:lstStyle/>
+          <a:p>
+            <a:pPr lvl="0">
+              <a:defRPr sz="1800">
+                <a:solidFill>
+                  <a:srgbClr val="000000"/>
+                </a:solidFill>
+              </a:defRPr>
+            </a:pPr>
+            <a:fld id="{86CB4B4D-7CA3-9044-876B-883B54F8677D}" type="slidenum">
+              <a:rPr sz="1200">
+                <a:solidFill>
+                  <a:srgbClr val="888888"/>
+                </a:solidFill>
+              </a:rPr>
+            </a:fld>
+          </a:p>
+        </p:txBody>
+      </p:sp>
+    </p:spTree>
+  </p:cSld>
+  <p:clrMapOvr>
+    <a:masterClrMapping/>
+  </p:clrMapOvr>
+  <p:transition spd="med" advClick="1"/>
+</p:sld>
+</file>
+
+<file path=ppt/slides/slide31.xml><?xml version="1.0" encoding="utf-8"?>
+<p:sld xmlns:a="http://schemas.openxmlformats.org/drawingml/2006/main" xmlns:r="http://schemas.openxmlformats.org/officeDocument/2006/relationships" xmlns:p="http://schemas.openxmlformats.org/presentationml/2006/main" showMasterSp="1" showMasterPhAnim="1">
+  <p:cSld>
+    <p:spTree>
+      <p:nvGrpSpPr>
+        <p:cNvPr id="1" name=""/>
+        <p:cNvGrpSpPr/>
+        <p:nvPr/>
+      </p:nvGrpSpPr>
+      <p:grpSpPr>
+        <a:xfrm>
+          <a:off x="0" y="0"/>
+          <a:ext cx="0" cy="0"/>
+          <a:chOff x="0" y="0"/>
+          <a:chExt cx="0" cy="0"/>
+        </a:xfrm>
+      </p:grpSpPr>
+      <p:sp>
+        <p:nvSpPr>
+          <p:cNvPr id="179" name="Shape 179"/>
+          <p:cNvSpPr/>
+          <p:nvPr>
+            <p:ph type="title"/>
+          </p:nvPr>
+        </p:nvSpPr>
+        <p:spPr>
+          <a:xfrm>
+            <a:off x="1053434" y="69057"/>
+            <a:ext cx="7037132" cy="1131094"/>
+          </a:xfrm>
+          <a:prstGeom prst="rect">
+            <a:avLst/>
+          </a:prstGeom>
+        </p:spPr>
+        <p:txBody>
+          <a:bodyPr/>
+          <a:lstStyle>
+            <a:lvl1pPr algn="l"/>
+          </a:lstStyle>
+          <a:p>
+            <a:pPr lvl="0">
+              <a:defRPr sz="1800">
+                <a:solidFill>
+                  <a:srgbClr val="000000"/>
+                </a:solidFill>
+              </a:defRPr>
+            </a:pPr>
+            <a:r>
+              <a:rPr sz="4400">
+                <a:solidFill>
+                  <a:srgbClr val="595959"/>
+                </a:solidFill>
+              </a:rPr>
+              <a:t>Integration with </a:t>
+            </a:r>
+          </a:p>
+        </p:txBody>
+      </p:sp>
+      <p:sp>
+        <p:nvSpPr>
+          <p:cNvPr id="180" name="Shape 180"/>
+          <p:cNvSpPr/>
+          <p:nvPr>
+            <p:ph type="body" idx="1"/>
+          </p:nvPr>
+        </p:nvSpPr>
+        <p:spPr>
+          <a:prstGeom prst="rect">
+            <a:avLst/>
+          </a:prstGeom>
+        </p:spPr>
+        <p:txBody>
+          <a:bodyPr/>
+          <a:lstStyle/>
+          <a:p>
+            <a:pPr lvl="0">
+              <a:defRPr sz="1800">
+                <a:solidFill>
+                  <a:srgbClr val="000000"/>
+                </a:solidFill>
+              </a:defRPr>
+            </a:pPr>
+            <a:r>
+              <a:rPr sz="2800">
+                <a:solidFill>
+                  <a:srgbClr val="595959"/>
+                </a:solidFill>
+              </a:rPr>
+              <a:t>Drag-and-drop GUI for data analysis</a:t>
+            </a:r>
+            <a:endParaRPr sz="2800">
+              <a:solidFill>
+                <a:srgbClr val="595959"/>
+              </a:solidFill>
+            </a:endParaRPr>
+          </a:p>
+          <a:p>
+            <a:pPr lvl="0">
+              <a:defRPr sz="1800">
+                <a:solidFill>
+                  <a:srgbClr val="000000"/>
+                </a:solidFill>
+              </a:defRPr>
+            </a:pPr>
+            <a:r>
+              <a:rPr sz="2800">
+                <a:solidFill>
+                  <a:srgbClr val="595959"/>
+                </a:solidFill>
+              </a:rPr>
+              <a:t>Spark functionality built directly into existing tools using SparkR</a:t>
+            </a:r>
+            <a:endParaRPr sz="2800">
+              <a:solidFill>
+                <a:srgbClr val="595959"/>
+              </a:solidFill>
+            </a:endParaRPr>
+          </a:p>
+          <a:p>
+            <a:pPr lvl="0">
+              <a:defRPr sz="1800">
+                <a:solidFill>
+                  <a:srgbClr val="000000"/>
+                </a:solidFill>
+              </a:defRPr>
+            </a:pPr>
+            <a:r>
+              <a:rPr sz="2800">
+                <a:solidFill>
+                  <a:srgbClr val="595959"/>
+                </a:solidFill>
+              </a:rPr>
+              <a:t>Interact with a remote Spark cluster from your desktop via Alteryx Designer</a:t>
+            </a:r>
+            <a:endParaRPr sz="2800">
+              <a:solidFill>
+                <a:srgbClr val="595959"/>
+              </a:solidFill>
+            </a:endParaRPr>
+          </a:p>
+          <a:p>
+            <a:pPr lvl="0">
+              <a:defRPr sz="1800">
+                <a:solidFill>
+                  <a:srgbClr val="000000"/>
+                </a:solidFill>
+              </a:defRPr>
+            </a:pPr>
+            <a:r>
+              <a:rPr sz="2800">
+                <a:solidFill>
+                  <a:srgbClr val="595959"/>
+                </a:solidFill>
+              </a:rPr>
+              <a:t>Combine local and in-database data sources in one workflow.</a:t>
+            </a:r>
+          </a:p>
+        </p:txBody>
+      </p:sp>
+      <p:sp>
+        <p:nvSpPr>
+          <p:cNvPr id="181" name="Shape 181"/>
+          <p:cNvSpPr/>
+          <p:nvPr>
+            <p:ph type="sldNum" sz="quarter" idx="2"/>
+          </p:nvPr>
+        </p:nvSpPr>
+        <p:spPr>
+          <a:prstGeom prst="rect">
+            <a:avLst/>
+          </a:prstGeom>
+          <a:extLst>
+            <a:ext uri="{C572A759-6A51-4108-AA02-DFA0A04FC94B}">
+              <ma14:wrappingTextBoxFlag xmlns:ma14="http://schemas.microsoft.com/office/mac/drawingml/2011/main" val="1"/>
+            </a:ext>
+          </a:extLst>
+        </p:spPr>
+        <p:txBody>
+          <a:bodyPr/>
+          <a:lstStyle/>
+          <a:p>
+            <a:pPr lvl="0">
+              <a:defRPr sz="1800">
+                <a:solidFill>
+                  <a:srgbClr val="000000"/>
+                </a:solidFill>
+              </a:defRPr>
+            </a:pPr>
+            <a:fld id="{86CB4B4D-7CA3-9044-876B-883B54F8677D}" type="slidenum">
+              <a:rPr sz="1200">
+                <a:solidFill>
+                  <a:srgbClr val="888888"/>
+                </a:solidFill>
+              </a:rPr>
+            </a:fld>
+          </a:p>
+        </p:txBody>
+      </p:sp>
+      <p:pic>
+        <p:nvPicPr>
+          <p:cNvPr id="182" name="alteryx.gif"/>
+          <p:cNvPicPr/>
+          <p:nvPr/>
+        </p:nvPicPr>
+        <p:blipFill>
+          <a:blip r:embed="rId2">
+            <a:extLst/>
+          </a:blip>
+          <a:stretch>
+            <a:fillRect/>
+          </a:stretch>
+        </p:blipFill>
+        <p:spPr>
+          <a:xfrm>
+            <a:off x="5014568" y="257771"/>
+            <a:ext cx="2282445" cy="829980"/>
+          </a:xfrm>
+          <a:prstGeom prst="rect">
+            <a:avLst/>
+          </a:prstGeom>
+          <a:ln w="12700">
+            <a:miter lim="400000"/>
+          </a:ln>
+        </p:spPr>
+      </p:pic>
+    </p:spTree>
+  </p:cSld>
+  <p:clrMapOvr>
+    <a:masterClrMapping/>
+  </p:clrMapOvr>
+  <p:transition spd="med" advClick="1"/>
+</p:sld>
+</file>
+
+<file path=ppt/slides/slide32.xml><?xml version="1.0" encoding="utf-8"?>
+<p:sld xmlns:a="http://schemas.openxmlformats.org/drawingml/2006/main" xmlns:r="http://schemas.openxmlformats.org/officeDocument/2006/relationships" xmlns:p="http://schemas.openxmlformats.org/presentationml/2006/main" showMasterSp="1" showMasterPhAnim="1">
+  <p:cSld>
+    <p:spTree>
+      <p:nvGrpSpPr>
+        <p:cNvPr id="1" name=""/>
+        <p:cNvGrpSpPr/>
+        <p:nvPr/>
+      </p:nvGrpSpPr>
+      <p:grpSpPr>
+        <a:xfrm>
+          <a:off x="0" y="0"/>
+          <a:ext cx="0" cy="0"/>
+          <a:chOff x="0" y="0"/>
+          <a:chExt cx="0" cy="0"/>
+        </a:xfrm>
+      </p:grpSpPr>
+      <p:sp>
+        <p:nvSpPr>
+          <p:cNvPr id="184" name="Shape 184"/>
+          <p:cNvSpPr/>
+          <p:nvPr>
+            <p:ph type="title"/>
+          </p:nvPr>
+        </p:nvSpPr>
+        <p:spPr>
+          <a:prstGeom prst="rect">
+            <a:avLst/>
+          </a:prstGeom>
+        </p:spPr>
+        <p:txBody>
+          <a:bodyPr/>
+          <a:lstStyle/>
+          <a:p>
+            <a:pPr lvl="0">
+              <a:defRPr sz="1800">
+                <a:solidFill>
+                  <a:srgbClr val="000000"/>
+                </a:solidFill>
+              </a:defRPr>
+            </a:pPr>
+            <a:r>
+              <a:rPr sz="4400">
+                <a:solidFill>
+                  <a:srgbClr val="595959"/>
+                </a:solidFill>
+              </a:rPr>
+              <a:t>Developer Community</a:t>
+            </a:r>
+          </a:p>
+        </p:txBody>
+      </p:sp>
+      <p:sp>
+        <p:nvSpPr>
+          <p:cNvPr id="185" name="Shape 185"/>
+          <p:cNvSpPr/>
+          <p:nvPr>
+            <p:ph type="body" idx="1"/>
+          </p:nvPr>
+        </p:nvSpPr>
+        <p:spPr>
+          <a:prstGeom prst="rect">
+            <a:avLst/>
+          </a:prstGeom>
+        </p:spPr>
+        <p:txBody>
+          <a:bodyPr/>
+          <a:lstStyle/>
+          <a:p>
+            <a:pPr lvl="0">
+              <a:defRPr sz="1800">
+                <a:solidFill>
+                  <a:srgbClr val="000000"/>
+                </a:solidFill>
+              </a:defRPr>
+            </a:pPr>
+            <a:r>
+              <a:rPr sz="2800">
+                <a:solidFill>
+                  <a:srgbClr val="595959"/>
+                </a:solidFill>
+              </a:rPr>
+              <a:t>SparkR originated at UC Berkeley AMPLAB, with additional contributions from Alteryx, Intel, Databricks, and others.</a:t>
+            </a:r>
+            <a:endParaRPr sz="2800">
+              <a:solidFill>
+                <a:srgbClr val="595959"/>
+              </a:solidFill>
+            </a:endParaRPr>
+          </a:p>
+          <a:p>
+            <a:pPr lvl="0">
+              <a:defRPr sz="1800">
+                <a:solidFill>
+                  <a:srgbClr val="000000"/>
+                </a:solidFill>
+              </a:defRPr>
+            </a:pPr>
+            <a:r>
+              <a:rPr sz="2800">
+                <a:solidFill>
+                  <a:srgbClr val="595959"/>
+                </a:solidFill>
+              </a:rPr>
+              <a:t>Working on integration with Spark Packages</a:t>
+            </a:r>
+            <a:endParaRPr sz="2800">
+              <a:solidFill>
+                <a:srgbClr val="595959"/>
+              </a:solidFill>
+            </a:endParaRPr>
+          </a:p>
+          <a:p>
+            <a:pPr lvl="1">
+              <a:defRPr sz="1800">
+                <a:solidFill>
+                  <a:srgbClr val="000000"/>
+                </a:solidFill>
+              </a:defRPr>
+            </a:pPr>
+            <a:r>
+              <a:rPr sz="2800">
+                <a:solidFill>
+                  <a:srgbClr val="595959"/>
+                </a:solidFill>
+              </a:rPr>
+              <a:t>Easily extend Spark with new functionality and distribute via the Spark Package repository</a:t>
+            </a:r>
+          </a:p>
+        </p:txBody>
+      </p:sp>
+      <p:sp>
+        <p:nvSpPr>
+          <p:cNvPr id="186" name="Shape 186"/>
+          <p:cNvSpPr/>
+          <p:nvPr>
+            <p:ph type="sldNum" sz="quarter" idx="2"/>
+          </p:nvPr>
+        </p:nvSpPr>
+        <p:spPr>
+          <a:prstGeom prst="rect">
+            <a:avLst/>
+          </a:prstGeom>
+          <a:extLst>
+            <a:ext uri="{C572A759-6A51-4108-AA02-DFA0A04FC94B}">
+              <ma14:wrappingTextBoxFlag xmlns:ma14="http://schemas.microsoft.com/office/mac/drawingml/2011/main" val="1"/>
+            </a:ext>
+          </a:extLst>
+        </p:spPr>
+        <p:txBody>
+          <a:bodyPr/>
+          <a:lstStyle/>
+          <a:p>
+            <a:pPr lvl="0">
+              <a:defRPr sz="1800">
+                <a:solidFill>
+                  <a:srgbClr val="000000"/>
+                </a:solidFill>
+              </a:defRPr>
+            </a:pPr>
+            <a:fld id="{86CB4B4D-7CA3-9044-876B-883B54F8677D}" type="slidenum">
+              <a:rPr sz="1200">
+                <a:solidFill>
+                  <a:srgbClr val="888888"/>
+                </a:solidFill>
+              </a:rPr>
+            </a:fld>
+          </a:p>
+        </p:txBody>
+      </p:sp>
+    </p:spTree>
+  </p:cSld>
+  <p:clrMapOvr>
+    <a:masterClrMapping/>
+  </p:clrMapOvr>
+  <p:transition spd="med" advClick="1"/>
+</p:sld>
+</file>
+
+<file path=ppt/slides/slide33.xml><?xml version="1.0" encoding="utf-8"?>
+<p:sld xmlns:a="http://schemas.openxmlformats.org/drawingml/2006/main" xmlns:r="http://schemas.openxmlformats.org/officeDocument/2006/relationships" xmlns:p="http://schemas.openxmlformats.org/presentationml/2006/main" showMasterSp="1" showMasterPhAnim="1">
+  <p:cSld>
+    <p:spTree>
+      <p:nvGrpSpPr>
+        <p:cNvPr id="1" name=""/>
+        <p:cNvGrpSpPr/>
+        <p:nvPr/>
+      </p:nvGrpSpPr>
+      <p:grpSpPr>
+        <a:xfrm>
+          <a:off x="0" y="0"/>
+          <a:ext cx="0" cy="0"/>
+          <a:chOff x="0" y="0"/>
+          <a:chExt cx="0" cy="0"/>
+        </a:xfrm>
+      </p:grpSpPr>
+      <p:sp>
+        <p:nvSpPr>
+          <p:cNvPr id="188" name="Shape 188"/>
+          <p:cNvSpPr/>
+          <p:nvPr>
+            <p:ph type="title"/>
+          </p:nvPr>
+        </p:nvSpPr>
+        <p:spPr>
+          <a:prstGeom prst="rect">
+            <a:avLst/>
+          </a:prstGeom>
+        </p:spPr>
+        <p:txBody>
+          <a:bodyPr lIns="0" tIns="0" rIns="0" bIns="0"/>
+          <a:lstStyle/>
+          <a:p>
+            <a:pPr lvl="0">
+              <a:defRPr sz="1800">
+                <a:solidFill>
+                  <a:srgbClr val="000000"/>
+                </a:solidFill>
+              </a:defRPr>
+            </a:pPr>
+            <a:r>
+              <a:rPr sz="4400">
+                <a:solidFill>
+                  <a:srgbClr val="595959"/>
+                </a:solidFill>
+              </a:rPr>
+              <a:t>Questions?</a:t>
+            </a:r>
+          </a:p>
+        </p:txBody>
+      </p:sp>
+      <p:sp>
+        <p:nvSpPr>
+          <p:cNvPr id="189" name="Shape 189"/>
+          <p:cNvSpPr/>
+          <p:nvPr>
+            <p:ph type="body" idx="1"/>
+          </p:nvPr>
+        </p:nvSpPr>
+        <p:spPr>
+          <a:prstGeom prst="rect">
+            <a:avLst/>
+          </a:prstGeom>
+        </p:spPr>
+        <p:txBody>
+          <a:bodyPr/>
+          <a:lstStyle/>
+          <a:p>
+            <a:pPr lvl="0" marL="0" indent="0" algn="ctr">
+              <a:buSzTx/>
+              <a:buFontTx/>
+              <a:buNone/>
+              <a:defRPr sz="1800">
+                <a:solidFill>
+                  <a:srgbClr val="000000"/>
+                </a:solidFill>
+              </a:defRPr>
+            </a:pPr>
+            <a:r>
+              <a:rPr sz="2800">
+                <a:solidFill>
+                  <a:srgbClr val="595959"/>
+                </a:solidFill>
+              </a:rPr>
+              <a:t>Slides, Demo, and Data available on GitHub at:</a:t>
+            </a:r>
+            <a:endParaRPr sz="2800">
+              <a:solidFill>
+                <a:srgbClr val="595959"/>
+              </a:solidFill>
+            </a:endParaRPr>
+          </a:p>
+          <a:p>
+            <a:pPr lvl="1" marL="0" indent="228600" algn="ctr">
+              <a:buSzTx/>
+              <a:buFontTx/>
+              <a:buNone/>
+              <a:defRPr sz="1800">
+                <a:solidFill>
+                  <a:srgbClr val="000000"/>
+                </a:solidFill>
+              </a:defRPr>
+            </a:pPr>
+            <a:r>
+              <a:rPr sz="2800" u="sng">
+                <a:solidFill>
+                  <a:srgbClr val="E73700"/>
+                </a:solidFill>
+                <a:uFill>
+                  <a:solidFill>
+                    <a:srgbClr val="E73700"/>
+                  </a:solidFill>
+                </a:uFill>
+                <a:hlinkClick r:id="rId2" invalidUrl="" action="" tgtFrame="" tooltip="" history="1" highlightClick="0" endSnd="0"/>
+              </a:rPr>
+              <a:t>https://github.com/cafreeman/SparkR_DataFrame_Demo</a:t>
+            </a:r>
+            <a:endParaRPr sz="2800">
+              <a:solidFill>
+                <a:srgbClr val="595959"/>
+              </a:solidFill>
+            </a:endParaRPr>
+          </a:p>
+          <a:p>
+            <a:pPr lvl="1" marL="0" indent="228600" algn="ctr">
+              <a:buSzTx/>
+              <a:buFontTx/>
+              <a:buNone/>
+              <a:defRPr sz="1800">
+                <a:solidFill>
+                  <a:srgbClr val="000000"/>
+                </a:solidFill>
+              </a:defRPr>
+            </a:pPr>
+            <a:endParaRPr sz="2800">
+              <a:solidFill>
+                <a:srgbClr val="595959"/>
+              </a:solidFill>
+            </a:endParaRPr>
+          </a:p>
+          <a:p>
+            <a:pPr lvl="1" marL="0" indent="228600" algn="ctr">
+              <a:buSzTx/>
+              <a:buFontTx/>
+              <a:buNone/>
+              <a:defRPr sz="1800">
+                <a:solidFill>
+                  <a:srgbClr val="000000"/>
+                </a:solidFill>
+              </a:defRPr>
+            </a:pPr>
+            <a:r>
+              <a:rPr sz="2800">
+                <a:solidFill>
+                  <a:srgbClr val="595959"/>
+                </a:solidFill>
+              </a:rPr>
+              <a:t>@15lettermax </a:t>
+            </a:r>
+            <a:endParaRPr sz="2800">
+              <a:solidFill>
+                <a:srgbClr val="595959"/>
+              </a:solidFill>
+            </a:endParaRPr>
+          </a:p>
+          <a:p>
+            <a:pPr lvl="1" marL="0" indent="228600" algn="ctr">
+              <a:buSzTx/>
+              <a:buFontTx/>
+              <a:buNone/>
+              <a:defRPr sz="1800">
+                <a:solidFill>
+                  <a:srgbClr val="000000"/>
+                </a:solidFill>
+              </a:defRPr>
+            </a:pPr>
+            <a:r>
+              <a:rPr sz="2800">
+                <a:solidFill>
+                  <a:srgbClr val="595959"/>
+                </a:solidFill>
+              </a:rPr>
+              <a:t>cafreeman</a:t>
+            </a:r>
+          </a:p>
+        </p:txBody>
+      </p:sp>
+      <p:sp>
+        <p:nvSpPr>
+          <p:cNvPr id="190" name="Shape 190"/>
+          <p:cNvSpPr/>
+          <p:nvPr>
+            <p:ph type="sldNum" sz="quarter" idx="2"/>
+          </p:nvPr>
+        </p:nvSpPr>
+        <p:spPr>
+          <a:prstGeom prst="rect">
+            <a:avLst/>
+          </a:prstGeom>
+          <a:extLst>
+            <a:ext uri="{C572A759-6A51-4108-AA02-DFA0A04FC94B}">
+              <ma14:wrappingTextBoxFlag xmlns:ma14="http://schemas.microsoft.com/office/mac/drawingml/2011/main" val="1"/>
+            </a:ext>
+          </a:extLst>
+        </p:spPr>
+        <p:txBody>
+          <a:bodyPr lIns="0" tIns="0" rIns="0" bIns="0"/>
+          <a:lstStyle/>
+          <a:p>
+            <a:pPr lvl="0">
+              <a:defRPr sz="1800">
+                <a:solidFill>
+                  <a:srgbClr val="000000"/>
+                </a:solidFill>
+              </a:defRPr>
+            </a:pPr>
+            <a:fld id="{86CB4B4D-7CA3-9044-876B-883B54F8677D}" type="slidenum">
+              <a:rPr sz="1200">
+                <a:solidFill>
+                  <a:srgbClr val="888888"/>
+                </a:solidFill>
+              </a:rPr>
+            </a:fld>
+          </a:p>
+        </p:txBody>
+      </p:sp>
+      <p:pic>
+        <p:nvPicPr>
+          <p:cNvPr id="191" name="GitHub-Mark.png"/>
+          <p:cNvPicPr/>
+          <p:nvPr/>
+        </p:nvPicPr>
+        <p:blipFill>
+          <a:blip r:embed="rId3">
+            <a:extLst/>
+          </a:blip>
+          <a:stretch>
+            <a:fillRect/>
+          </a:stretch>
+        </p:blipFill>
+        <p:spPr>
+          <a:xfrm>
+            <a:off x="2929619" y="3722417"/>
+            <a:ext cx="618039" cy="618038"/>
+          </a:xfrm>
+          <a:prstGeom prst="rect">
+            <a:avLst/>
+          </a:prstGeom>
+          <a:ln w="12700">
+            <a:miter lim="400000"/>
+          </a:ln>
+        </p:spPr>
+      </p:pic>
+      <p:pic>
+        <p:nvPicPr>
+          <p:cNvPr id="192" name="twitter.png"/>
+          <p:cNvPicPr/>
+          <p:nvPr/>
+        </p:nvPicPr>
+        <p:blipFill>
+          <a:blip r:embed="rId4">
+            <a:extLst/>
+          </a:blip>
+          <a:stretch>
+            <a:fillRect/>
+          </a:stretch>
+        </p:blipFill>
+        <p:spPr>
+          <a:xfrm>
+            <a:off x="2841704" y="3077489"/>
+            <a:ext cx="793868" cy="793867"/>
+          </a:xfrm>
+          <a:prstGeom prst="rect">
+            <a:avLst/>
+          </a:prstGeom>
+          <a:ln w="12700">
+            <a:miter lim="400000"/>
+          </a:ln>
+        </p:spPr>
+      </p:pic>
     </p:spTree>
   </p:cSld>
   <p:clrMapOvr>
@@ -7218,7 +10696,7 @@
           </a:prstGeom>
         </p:spPr>
         <p:txBody>
-          <a:bodyPr lIns="0" tIns="0" rIns="0" bIns="0"/>
+          <a:bodyPr/>
           <a:lstStyle/>
           <a:p>
             <a:pPr lvl="0">
@@ -7234,7 +10712,7 @@
                   <a:srgbClr val="595959"/>
                 </a:solidFill>
               </a:rPr>
-              <a:t>Example: Column Average</a:t>
+              <a:t>What is SparkR?</a:t>
             </a:r>
           </a:p>
         </p:txBody>
@@ -7248,330 +10726,50 @@
           </p:nvPr>
         </p:nvSpPr>
         <p:spPr>
-          <a:xfrm>
-            <a:off x="457200" y="1705542"/>
-            <a:ext cx="8229600" cy="2561124"/>
-          </a:xfrm>
           <a:prstGeom prst="rect">
             <a:avLst/>
           </a:prstGeom>
         </p:spPr>
         <p:txBody>
-          <a:bodyPr lIns="0" tIns="0" rIns="0" bIns="0" anchor="ctr"/>
+          <a:bodyPr/>
           <a:lstStyle/>
           <a:p>
-            <a:pPr lvl="0" marL="0" indent="0" algn="ctr" defTabSz="584200">
-              <a:spcBef>
-                <a:spcPts val="0"/>
-              </a:spcBef>
-              <a:buSzTx/>
-              <a:buFontTx/>
-              <a:buNone/>
-              <a:defRPr sz="1800">
-                <a:solidFill>
-                  <a:srgbClr val="000000"/>
-                </a:solidFill>
-              </a:defRPr>
-            </a:pPr>
-            <a:r>
-              <a:rPr>
-                <a:solidFill>
-                  <a:srgbClr val="535353"/>
-                </a:solidFill>
-                <a:latin typeface="Andale Mono"/>
-                <a:ea typeface="Andale Mono"/>
-                <a:cs typeface="Andale Mono"/>
-                <a:sym typeface="Andale Mono"/>
-              </a:rPr>
-              <a:t>Michael, 29</a:t>
-            </a:r>
-            <a:endParaRPr>
-              <a:solidFill>
-                <a:srgbClr val="535353"/>
-              </a:solidFill>
-              <a:latin typeface="Andale Mono"/>
-              <a:ea typeface="Andale Mono"/>
-              <a:cs typeface="Andale Mono"/>
-              <a:sym typeface="Andale Mono"/>
-            </a:endParaRPr>
-          </a:p>
-          <a:p>
-            <a:pPr lvl="0" marL="0" indent="0" algn="ctr" defTabSz="584200">
-              <a:spcBef>
-                <a:spcPts val="0"/>
-              </a:spcBef>
-              <a:buSzTx/>
-              <a:buFontTx/>
-              <a:buNone/>
-              <a:defRPr sz="1800">
-                <a:solidFill>
-                  <a:srgbClr val="000000"/>
-                </a:solidFill>
-              </a:defRPr>
-            </a:pPr>
-            <a:r>
-              <a:rPr>
-                <a:solidFill>
-                  <a:srgbClr val="535353"/>
-                </a:solidFill>
-                <a:latin typeface="Andale Mono"/>
-                <a:ea typeface="Andale Mono"/>
-                <a:cs typeface="Andale Mono"/>
-                <a:sym typeface="Andale Mono"/>
-              </a:rPr>
-              <a:t>Andy, 30</a:t>
-            </a:r>
-            <a:endParaRPr>
-              <a:solidFill>
-                <a:srgbClr val="535353"/>
-              </a:solidFill>
-              <a:latin typeface="Andale Mono"/>
-              <a:ea typeface="Andale Mono"/>
-              <a:cs typeface="Andale Mono"/>
-              <a:sym typeface="Andale Mono"/>
-            </a:endParaRPr>
-          </a:p>
-          <a:p>
-            <a:pPr lvl="0" marL="0" indent="0" algn="ctr" defTabSz="584200">
-              <a:spcBef>
-                <a:spcPts val="0"/>
-              </a:spcBef>
-              <a:buSzTx/>
-              <a:buFontTx/>
-              <a:buNone/>
-              <a:defRPr sz="1800">
-                <a:solidFill>
-                  <a:srgbClr val="000000"/>
-                </a:solidFill>
-              </a:defRPr>
-            </a:pPr>
-            <a:r>
-              <a:rPr>
-                <a:solidFill>
-                  <a:srgbClr val="535353"/>
-                </a:solidFill>
-                <a:latin typeface="Andale Mono"/>
-                <a:ea typeface="Andale Mono"/>
-                <a:cs typeface="Andale Mono"/>
-                <a:sym typeface="Andale Mono"/>
-              </a:rPr>
-              <a:t>Justin, 19</a:t>
-            </a:r>
-            <a:endParaRPr>
-              <a:solidFill>
-                <a:srgbClr val="535353"/>
-              </a:solidFill>
-              <a:latin typeface="Andale Mono"/>
-              <a:ea typeface="Andale Mono"/>
-              <a:cs typeface="Andale Mono"/>
-              <a:sym typeface="Andale Mono"/>
-            </a:endParaRPr>
-          </a:p>
-          <a:p>
-            <a:pPr lvl="0" marL="0" indent="0" algn="ctr" defTabSz="584200">
-              <a:spcBef>
-                <a:spcPts val="0"/>
-              </a:spcBef>
-              <a:buSzTx/>
-              <a:buFontTx/>
-              <a:buNone/>
-              <a:defRPr sz="1800">
-                <a:solidFill>
-                  <a:srgbClr val="000000"/>
-                </a:solidFill>
-              </a:defRPr>
-            </a:pPr>
-            <a:r>
-              <a:rPr>
-                <a:solidFill>
-                  <a:srgbClr val="535353"/>
-                </a:solidFill>
-                <a:latin typeface="Andale Mono"/>
-                <a:ea typeface="Andale Mono"/>
-                <a:cs typeface="Andale Mono"/>
-                <a:sym typeface="Andale Mono"/>
-              </a:rPr>
-              <a:t>Bob, 22</a:t>
-            </a:r>
-            <a:endParaRPr>
-              <a:solidFill>
-                <a:srgbClr val="535353"/>
-              </a:solidFill>
-              <a:latin typeface="Andale Mono"/>
-              <a:ea typeface="Andale Mono"/>
-              <a:cs typeface="Andale Mono"/>
-              <a:sym typeface="Andale Mono"/>
-            </a:endParaRPr>
-          </a:p>
-          <a:p>
-            <a:pPr lvl="0" marL="0" indent="0" algn="ctr" defTabSz="584200">
-              <a:spcBef>
-                <a:spcPts val="0"/>
-              </a:spcBef>
-              <a:buSzTx/>
-              <a:buFontTx/>
-              <a:buNone/>
-              <a:defRPr sz="1800">
-                <a:solidFill>
-                  <a:srgbClr val="000000"/>
-                </a:solidFill>
-              </a:defRPr>
-            </a:pPr>
-            <a:r>
-              <a:rPr>
-                <a:solidFill>
-                  <a:srgbClr val="535353"/>
-                </a:solidFill>
-                <a:latin typeface="Andale Mono"/>
-                <a:ea typeface="Andale Mono"/>
-                <a:cs typeface="Andale Mono"/>
-                <a:sym typeface="Andale Mono"/>
-              </a:rPr>
-              <a:t>Chris, 28</a:t>
-            </a:r>
-            <a:endParaRPr>
-              <a:solidFill>
-                <a:srgbClr val="535353"/>
-              </a:solidFill>
-              <a:latin typeface="Andale Mono"/>
-              <a:ea typeface="Andale Mono"/>
-              <a:cs typeface="Andale Mono"/>
-              <a:sym typeface="Andale Mono"/>
-            </a:endParaRPr>
-          </a:p>
-          <a:p>
-            <a:pPr lvl="0" marL="0" indent="0" algn="ctr" defTabSz="584200">
-              <a:spcBef>
-                <a:spcPts val="0"/>
-              </a:spcBef>
-              <a:buSzTx/>
-              <a:buFontTx/>
-              <a:buNone/>
-              <a:defRPr sz="1800">
-                <a:solidFill>
-                  <a:srgbClr val="000000"/>
-                </a:solidFill>
-              </a:defRPr>
-            </a:pPr>
-            <a:r>
-              <a:rPr>
-                <a:solidFill>
-                  <a:srgbClr val="535353"/>
-                </a:solidFill>
-                <a:latin typeface="Andale Mono"/>
-                <a:ea typeface="Andale Mono"/>
-                <a:cs typeface="Andale Mono"/>
-                <a:sym typeface="Andale Mono"/>
-              </a:rPr>
-              <a:t>Garth, 36</a:t>
-            </a:r>
-            <a:endParaRPr>
-              <a:solidFill>
-                <a:srgbClr val="535353"/>
-              </a:solidFill>
-              <a:latin typeface="Andale Mono"/>
-              <a:ea typeface="Andale Mono"/>
-              <a:cs typeface="Andale Mono"/>
-              <a:sym typeface="Andale Mono"/>
-            </a:endParaRPr>
-          </a:p>
-          <a:p>
-            <a:pPr lvl="0" marL="0" indent="0" algn="ctr" defTabSz="584200">
-              <a:spcBef>
-                <a:spcPts val="0"/>
-              </a:spcBef>
-              <a:buSzTx/>
-              <a:buFontTx/>
-              <a:buNone/>
-              <a:defRPr sz="1800">
-                <a:solidFill>
-                  <a:srgbClr val="000000"/>
-                </a:solidFill>
-              </a:defRPr>
-            </a:pPr>
-            <a:r>
-              <a:rPr>
-                <a:solidFill>
-                  <a:srgbClr val="535353"/>
-                </a:solidFill>
-                <a:latin typeface="Andale Mono"/>
-                <a:ea typeface="Andale Mono"/>
-                <a:cs typeface="Andale Mono"/>
-                <a:sym typeface="Andale Mono"/>
-              </a:rPr>
-              <a:t>Tasha, 24</a:t>
-            </a:r>
-            <a:endParaRPr>
-              <a:solidFill>
-                <a:srgbClr val="535353"/>
-              </a:solidFill>
-              <a:latin typeface="Andale Mono"/>
-              <a:ea typeface="Andale Mono"/>
-              <a:cs typeface="Andale Mono"/>
-              <a:sym typeface="Andale Mono"/>
-            </a:endParaRPr>
-          </a:p>
-          <a:p>
-            <a:pPr lvl="0" marL="0" indent="0" algn="ctr" defTabSz="584200">
-              <a:spcBef>
-                <a:spcPts val="0"/>
-              </a:spcBef>
-              <a:buSzTx/>
-              <a:buFontTx/>
-              <a:buNone/>
-              <a:defRPr sz="1800">
-                <a:solidFill>
-                  <a:srgbClr val="000000"/>
-                </a:solidFill>
-              </a:defRPr>
-            </a:pPr>
-            <a:r>
-              <a:rPr>
-                <a:solidFill>
-                  <a:srgbClr val="535353"/>
-                </a:solidFill>
-                <a:latin typeface="Andale Mono"/>
-                <a:ea typeface="Andale Mono"/>
-                <a:cs typeface="Andale Mono"/>
-                <a:sym typeface="Andale Mono"/>
-              </a:rPr>
-              <a:t>Mac, 30</a:t>
-            </a:r>
-            <a:endParaRPr>
-              <a:solidFill>
-                <a:srgbClr val="535353"/>
-              </a:solidFill>
-              <a:latin typeface="Andale Mono"/>
-              <a:ea typeface="Andale Mono"/>
-              <a:cs typeface="Andale Mono"/>
-              <a:sym typeface="Andale Mono"/>
-            </a:endParaRPr>
-          </a:p>
-          <a:p>
-            <a:pPr lvl="0" marL="0" indent="0" algn="ctr" defTabSz="584200">
-              <a:spcBef>
-                <a:spcPts val="0"/>
-              </a:spcBef>
-              <a:buSzTx/>
-              <a:buFontTx/>
-              <a:buNone/>
-              <a:defRPr sz="1800">
-                <a:solidFill>
-                  <a:srgbClr val="000000"/>
-                </a:solidFill>
-              </a:defRPr>
-            </a:pPr>
-            <a:r>
-              <a:rPr>
-                <a:solidFill>
-                  <a:srgbClr val="535353"/>
-                </a:solidFill>
-                <a:latin typeface="Andale Mono"/>
-                <a:ea typeface="Andale Mono"/>
-                <a:cs typeface="Andale Mono"/>
-                <a:sym typeface="Andale Mono"/>
-              </a:rPr>
-              <a:t>Neil, 32</a:t>
+            <a:pPr lvl="0">
+              <a:defRPr sz="1800">
+                <a:solidFill>
+                  <a:srgbClr val="000000"/>
+                </a:solidFill>
+              </a:defRPr>
+            </a:pPr>
+            <a:r>
+              <a:rPr sz="2800">
+                <a:solidFill>
+                  <a:srgbClr val="595959"/>
+                </a:solidFill>
+              </a:rPr>
+              <a:t>An opportunity to make Spark accessible to the large community of R developers who already have clear ideas about how to do analytics in R</a:t>
+            </a:r>
+            <a:endParaRPr sz="2800">
+              <a:solidFill>
+                <a:srgbClr val="595959"/>
+              </a:solidFill>
+            </a:endParaRPr>
+          </a:p>
+          <a:p>
+            <a:pPr lvl="0">
+              <a:defRPr sz="1800">
+                <a:solidFill>
+                  <a:srgbClr val="000000"/>
+                </a:solidFill>
+              </a:defRPr>
+            </a:pPr>
+            <a:r>
+              <a:rPr sz="2800">
+                <a:solidFill>
+                  <a:srgbClr val="595959"/>
+                </a:solidFill>
+              </a:rPr>
+              <a:t>No need to learn a new programming paradigm when working with Spark</a:t>
             </a:r>
           </a:p>
         </p:txBody>
@@ -7595,7 +10793,7 @@
           </a:extLst>
         </p:spPr>
         <p:txBody>
-          <a:bodyPr lIns="0" tIns="0" rIns="0" bIns="0"/>
+          <a:bodyPr/>
           <a:lstStyle/>
           <a:p>
             <a:pPr lvl="0">
@@ -7612,65 +10810,6 @@
                 </a:solidFill>
               </a:rPr>
             </a:fld>
-          </a:p>
-        </p:txBody>
-      </p:sp>
-      <p:sp>
-        <p:nvSpPr>
-          <p:cNvPr id="66" name="Shape 66"/>
-          <p:cNvSpPr/>
-          <p:nvPr/>
-        </p:nvSpPr>
-        <p:spPr>
-          <a:xfrm>
-            <a:off x="457200" y="954945"/>
-            <a:ext cx="8229600" cy="753143"/>
-          </a:xfrm>
-          <a:prstGeom prst="rect">
-            <a:avLst/>
-          </a:prstGeom>
-          <a:ln w="12700">
-            <a:miter lim="400000"/>
-          </a:ln>
-          <a:extLst>
-            <a:ext uri="{C572A759-6A51-4108-AA02-DFA0A04FC94B}">
-              <ma14:wrappingTextBoxFlag xmlns:ma14="http://schemas.microsoft.com/office/mac/drawingml/2011/main" val="1"/>
-            </a:ext>
-          </a:extLst>
-        </p:spPr>
-        <p:txBody>
-          <a:bodyPr lIns="0" tIns="0" rIns="0" bIns="0" anchor="ctr">
-            <a:normAutofit fontScale="100000" lnSpcReduction="0"/>
-          </a:bodyPr>
-          <a:lstStyle>
-            <a:lvl1pPr algn="ctr" defTabSz="584200">
-              <a:defRPr>
-                <a:solidFill>
-                  <a:srgbClr val="535353"/>
-                </a:solidFill>
-                <a:latin typeface="Helvetica Light"/>
-                <a:ea typeface="Helvetica Light"/>
-                <a:cs typeface="Helvetica Light"/>
-                <a:sym typeface="Helvetica Light"/>
-              </a:defRPr>
-            </a:lvl1pPr>
-          </a:lstStyle>
-          <a:p>
-            <a:pPr lvl="0">
-              <a:defRPr>
-                <a:solidFill>
-                  <a:srgbClr val="000000"/>
-                </a:solidFill>
-              </a:defRPr>
-            </a:pPr>
-            <a:r>
-              <a:rPr>
-                <a:solidFill>
-                  <a:srgbClr val="535353"/>
-                </a:solidFill>
-              </a:rPr>
-              <a:t>Let’s say we wanted to do this with regular RDDs. What would that look like?</a:t>
-            </a:r>
           </a:p>
         </p:txBody>
       </p:sp>
@@ -7702,7 +10841,7 @@
       </p:grpSpPr>
       <p:sp>
         <p:nvSpPr>
-          <p:cNvPr id="68" name="Shape 68"/>
+          <p:cNvPr id="67" name="Shape 67"/>
           <p:cNvSpPr/>
           <p:nvPr>
             <p:ph type="title"/>
@@ -7714,7 +10853,7 @@
           </a:prstGeom>
         </p:spPr>
         <p:txBody>
-          <a:bodyPr lIns="0" tIns="0" rIns="0" bIns="0"/>
+          <a:bodyPr/>
           <a:lstStyle/>
           <a:p>
             <a:pPr lvl="0">
@@ -7730,7 +10869,86 @@
                   <a:srgbClr val="595959"/>
                 </a:solidFill>
               </a:rPr>
-              <a:t>Example: Column Average</a:t>
+              <a:t>History of DataFrames</a:t>
+            </a:r>
+          </a:p>
+        </p:txBody>
+      </p:sp>
+      <p:sp>
+        <p:nvSpPr>
+          <p:cNvPr id="68" name="Shape 68"/>
+          <p:cNvSpPr/>
+          <p:nvPr>
+            <p:ph type="body" idx="1"/>
+          </p:nvPr>
+        </p:nvSpPr>
+        <p:spPr>
+          <a:prstGeom prst="rect">
+            <a:avLst/>
+          </a:prstGeom>
+        </p:spPr>
+        <p:txBody>
+          <a:bodyPr/>
+          <a:lstStyle/>
+          <a:p>
+            <a:pPr lvl="0">
+              <a:defRPr sz="1800">
+                <a:solidFill>
+                  <a:srgbClr val="000000"/>
+                </a:solidFill>
+              </a:defRPr>
+            </a:pPr>
+            <a:r>
+              <a:rPr sz="2800">
+                <a:solidFill>
+                  <a:srgbClr val="595959"/>
+                </a:solidFill>
+              </a:rPr>
+              <a:t>SparkR began as an R package that ported Spark’s core functionality (RDDs) to the R language.</a:t>
+            </a:r>
+            <a:endParaRPr sz="2800">
+              <a:solidFill>
+                <a:srgbClr val="595959"/>
+              </a:solidFill>
+            </a:endParaRPr>
+          </a:p>
+          <a:p>
+            <a:pPr lvl="0">
+              <a:defRPr sz="1800">
+                <a:solidFill>
+                  <a:srgbClr val="000000"/>
+                </a:solidFill>
+              </a:defRPr>
+            </a:pPr>
+            <a:r>
+              <a:rPr sz="2800">
+                <a:solidFill>
+                  <a:srgbClr val="595959"/>
+                </a:solidFill>
+              </a:rPr>
+              <a:t>The next logical step was to add SparkSQL and SchemaRDDs.</a:t>
+            </a:r>
+            <a:endParaRPr sz="2800">
+              <a:solidFill>
+                <a:srgbClr val="595959"/>
+              </a:solidFill>
+            </a:endParaRPr>
+          </a:p>
+          <a:p>
+            <a:pPr lvl="0">
+              <a:defRPr sz="1800">
+                <a:solidFill>
+                  <a:srgbClr val="000000"/>
+                </a:solidFill>
+              </a:defRPr>
+            </a:pPr>
+            <a:r>
+              <a:rPr sz="2800">
+                <a:solidFill>
+                  <a:srgbClr val="595959"/>
+                </a:solidFill>
+              </a:rPr>
+              <a:t>Initial implementation of SQLContext and SchemaRDDs working in SparkR</a:t>
             </a:r>
           </a:p>
         </p:txBody>
@@ -7740,208 +10958,6 @@
           <p:cNvPr id="69" name="Shape 69"/>
           <p:cNvSpPr/>
           <p:nvPr>
-            <p:ph type="body" idx="1"/>
-          </p:nvPr>
-        </p:nvSpPr>
-        <p:spPr>
-          <a:xfrm>
-            <a:off x="457200" y="1200150"/>
-            <a:ext cx="8229600" cy="3066516"/>
-          </a:xfrm>
-          <a:prstGeom prst="rect">
-            <a:avLst/>
-          </a:prstGeom>
-        </p:spPr>
-        <p:txBody>
-          <a:bodyPr lIns="0" tIns="0" rIns="0" bIns="0"/>
-          <a:lstStyle/>
-          <a:p>
-            <a:pPr lvl="0" marL="0" indent="0" defTabSz="584200">
-              <a:spcBef>
-                <a:spcPts val="0"/>
-              </a:spcBef>
-              <a:buSzTx/>
-              <a:buFontTx/>
-              <a:buNone/>
-              <a:defRPr sz="1800">
-                <a:solidFill>
-                  <a:srgbClr val="000000"/>
-                </a:solidFill>
-              </a:defRPr>
-            </a:pPr>
-            <a:r>
-              <a:rPr>
-                <a:solidFill>
-                  <a:srgbClr val="535353"/>
-                </a:solidFill>
-                <a:latin typeface="Andale Mono"/>
-                <a:ea typeface="Andale Mono"/>
-                <a:cs typeface="Andale Mono"/>
-                <a:sym typeface="Andale Mono"/>
-              </a:rPr>
-              <a:t>peopleRDD &lt;- textFile(sc, “people.txt”)</a:t>
-            </a:r>
-            <a:endParaRPr>
-              <a:solidFill>
-                <a:srgbClr val="535353"/>
-              </a:solidFill>
-              <a:latin typeface="Andale Mono"/>
-              <a:ea typeface="Andale Mono"/>
-              <a:cs typeface="Andale Mono"/>
-              <a:sym typeface="Andale Mono"/>
-            </a:endParaRPr>
-          </a:p>
-          <a:p>
-            <a:pPr lvl="0" marL="0" indent="0" defTabSz="584200">
-              <a:spcBef>
-                <a:spcPts val="0"/>
-              </a:spcBef>
-              <a:buSzTx/>
-              <a:buFontTx/>
-              <a:buNone/>
-              <a:defRPr sz="1800">
-                <a:solidFill>
-                  <a:srgbClr val="000000"/>
-                </a:solidFill>
-              </a:defRPr>
-            </a:pPr>
-            <a:r>
-              <a:rPr>
-                <a:solidFill>
-                  <a:srgbClr val="535353"/>
-                </a:solidFill>
-                <a:latin typeface="Andale Mono"/>
-                <a:ea typeface="Andale Mono"/>
-                <a:cs typeface="Andale Mono"/>
-                <a:sym typeface="Andale Mono"/>
-              </a:rPr>
-              <a:t>lines &lt;- flatMap(peopleRDD,</a:t>
-            </a:r>
-            <a:endParaRPr>
-              <a:solidFill>
-                <a:srgbClr val="535353"/>
-              </a:solidFill>
-              <a:latin typeface="Andale Mono"/>
-              <a:ea typeface="Andale Mono"/>
-              <a:cs typeface="Andale Mono"/>
-              <a:sym typeface="Andale Mono"/>
-            </a:endParaRPr>
-          </a:p>
-          <a:p>
-            <a:pPr lvl="0" marL="0" indent="0" defTabSz="584200">
-              <a:spcBef>
-                <a:spcPts val="0"/>
-              </a:spcBef>
-              <a:buSzTx/>
-              <a:buFontTx/>
-              <a:buNone/>
-              <a:defRPr sz="1800">
-                <a:solidFill>
-                  <a:srgbClr val="000000"/>
-                </a:solidFill>
-              </a:defRPr>
-            </a:pPr>
-            <a:r>
-              <a:rPr>
-                <a:solidFill>
-                  <a:srgbClr val="535353"/>
-                </a:solidFill>
-                <a:latin typeface="Andale Mono"/>
-                <a:ea typeface="Andale Mono"/>
-                <a:cs typeface="Andale Mono"/>
-                <a:sym typeface="Andale Mono"/>
-              </a:rPr>
-              <a:t>                 function(line) {</a:t>
-            </a:r>
-            <a:endParaRPr>
-              <a:solidFill>
-                <a:srgbClr val="535353"/>
-              </a:solidFill>
-              <a:latin typeface="Andale Mono"/>
-              <a:ea typeface="Andale Mono"/>
-              <a:cs typeface="Andale Mono"/>
-              <a:sym typeface="Andale Mono"/>
-            </a:endParaRPr>
-          </a:p>
-          <a:p>
-            <a:pPr lvl="0" marL="0" indent="0" defTabSz="584200">
-              <a:spcBef>
-                <a:spcPts val="0"/>
-              </a:spcBef>
-              <a:buSzTx/>
-              <a:buFontTx/>
-              <a:buNone/>
-              <a:defRPr sz="1800">
-                <a:solidFill>
-                  <a:srgbClr val="000000"/>
-                </a:solidFill>
-              </a:defRPr>
-            </a:pPr>
-            <a:r>
-              <a:rPr>
-                <a:solidFill>
-                  <a:srgbClr val="535353"/>
-                </a:solidFill>
-                <a:latin typeface="Andale Mono"/>
-                <a:ea typeface="Andale Mono"/>
-                <a:cs typeface="Andale Mono"/>
-                <a:sym typeface="Andale Mono"/>
-              </a:rPr>
-              <a:t>                   strsplit(line, ", ")</a:t>
-            </a:r>
-            <a:endParaRPr>
-              <a:solidFill>
-                <a:srgbClr val="535353"/>
-              </a:solidFill>
-              <a:latin typeface="Andale Mono"/>
-              <a:ea typeface="Andale Mono"/>
-              <a:cs typeface="Andale Mono"/>
-              <a:sym typeface="Andale Mono"/>
-            </a:endParaRPr>
-          </a:p>
-          <a:p>
-            <a:pPr lvl="0" marL="0" indent="0" defTabSz="584200">
-              <a:spcBef>
-                <a:spcPts val="0"/>
-              </a:spcBef>
-              <a:buSzTx/>
-              <a:buFontTx/>
-              <a:buNone/>
-              <a:defRPr sz="1800">
-                <a:solidFill>
-                  <a:srgbClr val="000000"/>
-                </a:solidFill>
-              </a:defRPr>
-            </a:pPr>
-            <a:r>
-              <a:rPr>
-                <a:solidFill>
-                  <a:srgbClr val="535353"/>
-                </a:solidFill>
-                <a:latin typeface="Andale Mono"/>
-                <a:ea typeface="Andale Mono"/>
-                <a:cs typeface="Andale Mono"/>
-                <a:sym typeface="Andale Mono"/>
-              </a:rPr>
-              <a:t>                 })</a:t>
-            </a:r>
-            <a:endParaRPr>
-              <a:solidFill>
-                <a:srgbClr val="535353"/>
-              </a:solidFill>
-              <a:latin typeface="Andale Mono"/>
-              <a:ea typeface="Andale Mono"/>
-              <a:cs typeface="Andale Mono"/>
-              <a:sym typeface="Andale Mono"/>
-            </a:endParaRPr>
-          </a:p>
-        </p:txBody>
-      </p:sp>
-      <p:sp>
-        <p:nvSpPr>
-          <p:cNvPr id="70" name="Shape 70"/>
-          <p:cNvSpPr/>
-          <p:nvPr>
             <p:ph type="sldNum" sz="quarter" idx="2"/>
           </p:nvPr>
         </p:nvSpPr>
@@ -7956,7 +10972,7 @@
           </a:extLst>
         </p:spPr>
         <p:txBody>
-          <a:bodyPr lIns="0" tIns="0" rIns="0" bIns="0"/>
+          <a:bodyPr/>
           <a:lstStyle/>
           <a:p>
             <a:pPr lvl="0">
@@ -8004,7 +11020,7 @@
       </p:grpSpPr>
       <p:sp>
         <p:nvSpPr>
-          <p:cNvPr id="72" name="Shape 72"/>
+          <p:cNvPr id="71" name="Shape 71"/>
           <p:cNvSpPr/>
           <p:nvPr>
             <p:ph type="title"/>
@@ -8016,7 +11032,7 @@
           </a:prstGeom>
         </p:spPr>
         <p:txBody>
-          <a:bodyPr lIns="0" tIns="0" rIns="0" bIns="0"/>
+          <a:bodyPr/>
           <a:lstStyle/>
           <a:p>
             <a:pPr lvl="0">
@@ -8032,351 +11048,14 @@
                   <a:srgbClr val="595959"/>
                 </a:solidFill>
               </a:rPr>
-              <a:t>Example: Column Average</a:t>
+              <a:t>History of DataFrames</a:t>
             </a:r>
           </a:p>
         </p:txBody>
       </p:sp>
       <p:sp>
         <p:nvSpPr>
-          <p:cNvPr id="73" name="Shape 73"/>
-          <p:cNvSpPr/>
-          <p:nvPr>
-            <p:ph type="body" idx="1"/>
-          </p:nvPr>
-        </p:nvSpPr>
-        <p:spPr>
-          <a:xfrm>
-            <a:off x="457200" y="1200150"/>
-            <a:ext cx="8229600" cy="3066516"/>
-          </a:xfrm>
-          <a:prstGeom prst="rect">
-            <a:avLst/>
-          </a:prstGeom>
-        </p:spPr>
-        <p:txBody>
-          <a:bodyPr lIns="0" tIns="0" rIns="0" bIns="0"/>
-          <a:lstStyle/>
-          <a:p>
-            <a:pPr lvl="0" marL="0" indent="0" defTabSz="584200">
-              <a:spcBef>
-                <a:spcPts val="0"/>
-              </a:spcBef>
-              <a:buSzTx/>
-              <a:buFontTx/>
-              <a:buNone/>
-              <a:defRPr sz="1800">
-                <a:solidFill>
-                  <a:srgbClr val="000000"/>
-                </a:solidFill>
-              </a:defRPr>
-            </a:pPr>
-            <a:r>
-              <a:rPr>
-                <a:solidFill>
-                  <a:srgbClr val="535353"/>
-                </a:solidFill>
-                <a:latin typeface="Andale Mono"/>
-                <a:ea typeface="Andale Mono"/>
-                <a:cs typeface="Andale Mono"/>
-                <a:sym typeface="Andale Mono"/>
-              </a:rPr>
-              <a:t>peopleRDD &lt;- textFile(sc, “people.txt”)</a:t>
-            </a:r>
-            <a:endParaRPr>
-              <a:solidFill>
-                <a:srgbClr val="535353"/>
-              </a:solidFill>
-              <a:latin typeface="Andale Mono"/>
-              <a:ea typeface="Andale Mono"/>
-              <a:cs typeface="Andale Mono"/>
-              <a:sym typeface="Andale Mono"/>
-            </a:endParaRPr>
-          </a:p>
-          <a:p>
-            <a:pPr lvl="0" marL="0" indent="0" defTabSz="584200">
-              <a:spcBef>
-                <a:spcPts val="0"/>
-              </a:spcBef>
-              <a:buSzTx/>
-              <a:buFontTx/>
-              <a:buNone/>
-              <a:defRPr sz="1800">
-                <a:solidFill>
-                  <a:srgbClr val="000000"/>
-                </a:solidFill>
-              </a:defRPr>
-            </a:pPr>
-            <a:r>
-              <a:rPr>
-                <a:solidFill>
-                  <a:srgbClr val="535353"/>
-                </a:solidFill>
-                <a:latin typeface="Andale Mono"/>
-                <a:ea typeface="Andale Mono"/>
-                <a:cs typeface="Andale Mono"/>
-                <a:sym typeface="Andale Mono"/>
-              </a:rPr>
-              <a:t>lines &lt;- flatMap(peopleRDD,</a:t>
-            </a:r>
-            <a:endParaRPr>
-              <a:solidFill>
-                <a:srgbClr val="535353"/>
-              </a:solidFill>
-              <a:latin typeface="Andale Mono"/>
-              <a:ea typeface="Andale Mono"/>
-              <a:cs typeface="Andale Mono"/>
-              <a:sym typeface="Andale Mono"/>
-            </a:endParaRPr>
-          </a:p>
-          <a:p>
-            <a:pPr lvl="0" marL="0" indent="0" defTabSz="584200">
-              <a:spcBef>
-                <a:spcPts val="0"/>
-              </a:spcBef>
-              <a:buSzTx/>
-              <a:buFontTx/>
-              <a:buNone/>
-              <a:defRPr sz="1800">
-                <a:solidFill>
-                  <a:srgbClr val="000000"/>
-                </a:solidFill>
-              </a:defRPr>
-            </a:pPr>
-            <a:r>
-              <a:rPr>
-                <a:solidFill>
-                  <a:srgbClr val="535353"/>
-                </a:solidFill>
-                <a:latin typeface="Andale Mono"/>
-                <a:ea typeface="Andale Mono"/>
-                <a:cs typeface="Andale Mono"/>
-                <a:sym typeface="Andale Mono"/>
-              </a:rPr>
-              <a:t>                 function(line) {</a:t>
-            </a:r>
-            <a:endParaRPr>
-              <a:solidFill>
-                <a:srgbClr val="535353"/>
-              </a:solidFill>
-              <a:latin typeface="Andale Mono"/>
-              <a:ea typeface="Andale Mono"/>
-              <a:cs typeface="Andale Mono"/>
-              <a:sym typeface="Andale Mono"/>
-            </a:endParaRPr>
-          </a:p>
-          <a:p>
-            <a:pPr lvl="0" marL="0" indent="0" defTabSz="584200">
-              <a:spcBef>
-                <a:spcPts val="0"/>
-              </a:spcBef>
-              <a:buSzTx/>
-              <a:buFontTx/>
-              <a:buNone/>
-              <a:defRPr sz="1800">
-                <a:solidFill>
-                  <a:srgbClr val="000000"/>
-                </a:solidFill>
-              </a:defRPr>
-            </a:pPr>
-            <a:r>
-              <a:rPr>
-                <a:solidFill>
-                  <a:srgbClr val="535353"/>
-                </a:solidFill>
-                <a:latin typeface="Andale Mono"/>
-                <a:ea typeface="Andale Mono"/>
-                <a:cs typeface="Andale Mono"/>
-                <a:sym typeface="Andale Mono"/>
-              </a:rPr>
-              <a:t>                   strsplit(line, ", ")</a:t>
-            </a:r>
-            <a:endParaRPr>
-              <a:solidFill>
-                <a:srgbClr val="535353"/>
-              </a:solidFill>
-              <a:latin typeface="Andale Mono"/>
-              <a:ea typeface="Andale Mono"/>
-              <a:cs typeface="Andale Mono"/>
-              <a:sym typeface="Andale Mono"/>
-            </a:endParaRPr>
-          </a:p>
-          <a:p>
-            <a:pPr lvl="0" marL="0" indent="0" defTabSz="584200">
-              <a:spcBef>
-                <a:spcPts val="0"/>
-              </a:spcBef>
-              <a:buSzTx/>
-              <a:buFontTx/>
-              <a:buNone/>
-              <a:defRPr sz="1800">
-                <a:solidFill>
-                  <a:srgbClr val="000000"/>
-                </a:solidFill>
-              </a:defRPr>
-            </a:pPr>
-            <a:r>
-              <a:rPr>
-                <a:solidFill>
-                  <a:srgbClr val="535353"/>
-                </a:solidFill>
-                <a:latin typeface="Andale Mono"/>
-                <a:ea typeface="Andale Mono"/>
-                <a:cs typeface="Andale Mono"/>
-                <a:sym typeface="Andale Mono"/>
-              </a:rPr>
-              <a:t>                 })</a:t>
-            </a:r>
-            <a:endParaRPr>
-              <a:solidFill>
-                <a:srgbClr val="535353"/>
-              </a:solidFill>
-              <a:latin typeface="Andale Mono"/>
-              <a:ea typeface="Andale Mono"/>
-              <a:cs typeface="Andale Mono"/>
-              <a:sym typeface="Andale Mono"/>
-            </a:endParaRPr>
-          </a:p>
-          <a:p>
-            <a:pPr lvl="0" marL="0" indent="0" defTabSz="584200">
-              <a:spcBef>
-                <a:spcPts val="0"/>
-              </a:spcBef>
-              <a:buSzTx/>
-              <a:buFontTx/>
-              <a:buNone/>
-              <a:defRPr sz="1800">
-                <a:solidFill>
-                  <a:srgbClr val="000000"/>
-                </a:solidFill>
-              </a:defRPr>
-            </a:pPr>
-            <a:r>
-              <a:rPr>
-                <a:solidFill>
-                  <a:srgbClr val="535353"/>
-                </a:solidFill>
-                <a:latin typeface="Andale Mono"/>
-                <a:ea typeface="Andale Mono"/>
-                <a:cs typeface="Andale Mono"/>
-                <a:sym typeface="Andale Mono"/>
-              </a:rPr>
-              <a:t>ageInt &lt;- lapply(lines,</a:t>
-            </a:r>
-            <a:endParaRPr>
-              <a:solidFill>
-                <a:srgbClr val="535353"/>
-              </a:solidFill>
-              <a:latin typeface="Andale Mono"/>
-              <a:ea typeface="Andale Mono"/>
-              <a:cs typeface="Andale Mono"/>
-              <a:sym typeface="Andale Mono"/>
-            </a:endParaRPr>
-          </a:p>
-          <a:p>
-            <a:pPr lvl="0" marL="0" indent="0" defTabSz="584200">
-              <a:spcBef>
-                <a:spcPts val="0"/>
-              </a:spcBef>
-              <a:buSzTx/>
-              <a:buFontTx/>
-              <a:buNone/>
-              <a:defRPr sz="1800">
-                <a:solidFill>
-                  <a:srgbClr val="000000"/>
-                </a:solidFill>
-              </a:defRPr>
-            </a:pPr>
-            <a:r>
-              <a:rPr>
-                <a:solidFill>
-                  <a:srgbClr val="535353"/>
-                </a:solidFill>
-                <a:latin typeface="Andale Mono"/>
-                <a:ea typeface="Andale Mono"/>
-                <a:cs typeface="Andale Mono"/>
-                <a:sym typeface="Andale Mono"/>
-              </a:rPr>
-              <a:t>                 function(line) {</a:t>
-            </a:r>
-            <a:endParaRPr>
-              <a:solidFill>
-                <a:srgbClr val="535353"/>
-              </a:solidFill>
-              <a:latin typeface="Andale Mono"/>
-              <a:ea typeface="Andale Mono"/>
-              <a:cs typeface="Andale Mono"/>
-              <a:sym typeface="Andale Mono"/>
-            </a:endParaRPr>
-          </a:p>
-          <a:p>
-            <a:pPr lvl="0" marL="0" indent="0" defTabSz="584200">
-              <a:spcBef>
-                <a:spcPts val="0"/>
-              </a:spcBef>
-              <a:buSzTx/>
-              <a:buFontTx/>
-              <a:buNone/>
-              <a:defRPr sz="1800">
-                <a:solidFill>
-                  <a:srgbClr val="000000"/>
-                </a:solidFill>
-              </a:defRPr>
-            </a:pPr>
-            <a:r>
-              <a:rPr>
-                <a:solidFill>
-                  <a:srgbClr val="535353"/>
-                </a:solidFill>
-                <a:latin typeface="Andale Mono"/>
-                <a:ea typeface="Andale Mono"/>
-                <a:cs typeface="Andale Mono"/>
-                <a:sym typeface="Andale Mono"/>
-              </a:rPr>
-              <a:t>                   as.numeric(line[2])</a:t>
-            </a:r>
-            <a:endParaRPr>
-              <a:solidFill>
-                <a:srgbClr val="535353"/>
-              </a:solidFill>
-              <a:latin typeface="Andale Mono"/>
-              <a:ea typeface="Andale Mono"/>
-              <a:cs typeface="Andale Mono"/>
-              <a:sym typeface="Andale Mono"/>
-            </a:endParaRPr>
-          </a:p>
-          <a:p>
-            <a:pPr lvl="0" marL="0" indent="0" defTabSz="584200">
-              <a:spcBef>
-                <a:spcPts val="0"/>
-              </a:spcBef>
-              <a:buSzTx/>
-              <a:buFontTx/>
-              <a:buNone/>
-              <a:defRPr sz="1800">
-                <a:solidFill>
-                  <a:srgbClr val="000000"/>
-                </a:solidFill>
-              </a:defRPr>
-            </a:pPr>
-            <a:r>
-              <a:rPr>
-                <a:solidFill>
-                  <a:srgbClr val="535353"/>
-                </a:solidFill>
-                <a:latin typeface="Andale Mono"/>
-                <a:ea typeface="Andale Mono"/>
-                <a:cs typeface="Andale Mono"/>
-                <a:sym typeface="Andale Mono"/>
-              </a:rPr>
-              <a:t>                 })</a:t>
-            </a:r>
-          </a:p>
-        </p:txBody>
-      </p:sp>
-      <p:sp>
-        <p:nvSpPr>
-          <p:cNvPr id="74" name="Shape 74"/>
+          <p:cNvPr id="72" name="Shape 72"/>
           <p:cNvSpPr/>
           <p:nvPr>
             <p:ph type="sldNum" sz="quarter" idx="2"/>
@@ -8393,7 +11072,7 @@
           </a:extLst>
         </p:spPr>
         <p:txBody>
-          <a:bodyPr lIns="0" tIns="0" rIns="0" bIns="0"/>
+          <a:bodyPr/>
           <a:lstStyle/>
           <a:p>
             <a:pPr lvl="0">
@@ -8413,6 +11092,33 @@
           </a:p>
         </p:txBody>
       </p:sp>
+      <p:pic>
+        <p:nvPicPr>
+          <p:cNvPr id="73" name="Screen Shot 2015-06-16 at 11.51.17 AM.png"/>
+          <p:cNvPicPr/>
+          <p:nvPr/>
+        </p:nvPicPr>
+        <p:blipFill>
+          <a:blip r:embed="rId2">
+            <a:extLst/>
+          </a:blip>
+          <a:stretch>
+            <a:fillRect/>
+          </a:stretch>
+        </p:blipFill>
+        <p:spPr>
+          <a:xfrm>
+            <a:off x="574070" y="1137714"/>
+            <a:ext cx="7995860" cy="996494"/>
+          </a:xfrm>
+          <a:prstGeom prst="rect">
+            <a:avLst/>
+          </a:prstGeom>
+          <a:ln w="12700">
+            <a:miter lim="400000"/>
+          </a:ln>
+        </p:spPr>
+      </p:pic>
     </p:spTree>
   </p:cSld>
   <p:clrMapOvr>
@@ -8441,7 +11147,7 @@
       </p:grpSpPr>
       <p:sp>
         <p:nvSpPr>
-          <p:cNvPr id="76" name="Shape 76"/>
+          <p:cNvPr id="75" name="Shape 75"/>
           <p:cNvSpPr/>
           <p:nvPr>
             <p:ph type="title"/>
@@ -8469,387 +11175,14 @@
                   <a:srgbClr val="595959"/>
                 </a:solidFill>
               </a:rPr>
-              <a:t>Example: Column Average</a:t>
+              <a:t>History of DataFrames</a:t>
             </a:r>
           </a:p>
         </p:txBody>
       </p:sp>
       <p:sp>
         <p:nvSpPr>
-          <p:cNvPr id="77" name="Shape 77"/>
-          <p:cNvSpPr/>
-          <p:nvPr>
-            <p:ph type="body" idx="1"/>
-          </p:nvPr>
-        </p:nvSpPr>
-        <p:spPr>
-          <a:xfrm>
-            <a:off x="457200" y="1200150"/>
-            <a:ext cx="8229600" cy="3066516"/>
-          </a:xfrm>
-          <a:prstGeom prst="rect">
-            <a:avLst/>
-          </a:prstGeom>
-        </p:spPr>
-        <p:txBody>
-          <a:bodyPr lIns="0" tIns="0" rIns="0" bIns="0"/>
-          <a:lstStyle/>
-          <a:p>
-            <a:pPr lvl="0" marL="0" indent="0" defTabSz="584200">
-              <a:spcBef>
-                <a:spcPts val="0"/>
-              </a:spcBef>
-              <a:buSzTx/>
-              <a:buFontTx/>
-              <a:buNone/>
-              <a:defRPr sz="1800">
-                <a:solidFill>
-                  <a:srgbClr val="000000"/>
-                </a:solidFill>
-              </a:defRPr>
-            </a:pPr>
-            <a:r>
-              <a:rPr>
-                <a:solidFill>
-                  <a:srgbClr val="535353"/>
-                </a:solidFill>
-                <a:latin typeface="Andale Mono"/>
-                <a:ea typeface="Andale Mono"/>
-                <a:cs typeface="Andale Mono"/>
-                <a:sym typeface="Andale Mono"/>
-              </a:rPr>
-              <a:t>peopleRDD &lt;- textFile(sc, “people.txt”)</a:t>
-            </a:r>
-            <a:endParaRPr>
-              <a:solidFill>
-                <a:srgbClr val="535353"/>
-              </a:solidFill>
-              <a:latin typeface="Andale Mono"/>
-              <a:ea typeface="Andale Mono"/>
-              <a:cs typeface="Andale Mono"/>
-              <a:sym typeface="Andale Mono"/>
-            </a:endParaRPr>
-          </a:p>
-          <a:p>
-            <a:pPr lvl="0" marL="0" indent="0" defTabSz="584200">
-              <a:spcBef>
-                <a:spcPts val="0"/>
-              </a:spcBef>
-              <a:buSzTx/>
-              <a:buFontTx/>
-              <a:buNone/>
-              <a:defRPr sz="1800">
-                <a:solidFill>
-                  <a:srgbClr val="000000"/>
-                </a:solidFill>
-              </a:defRPr>
-            </a:pPr>
-            <a:r>
-              <a:rPr>
-                <a:solidFill>
-                  <a:srgbClr val="535353"/>
-                </a:solidFill>
-                <a:latin typeface="Andale Mono"/>
-                <a:ea typeface="Andale Mono"/>
-                <a:cs typeface="Andale Mono"/>
-                <a:sym typeface="Andale Mono"/>
-              </a:rPr>
-              <a:t>lines &lt;- flatMap(peopleRDD,</a:t>
-            </a:r>
-            <a:endParaRPr>
-              <a:solidFill>
-                <a:srgbClr val="535353"/>
-              </a:solidFill>
-              <a:latin typeface="Andale Mono"/>
-              <a:ea typeface="Andale Mono"/>
-              <a:cs typeface="Andale Mono"/>
-              <a:sym typeface="Andale Mono"/>
-            </a:endParaRPr>
-          </a:p>
-          <a:p>
-            <a:pPr lvl="0" marL="0" indent="0" defTabSz="584200">
-              <a:spcBef>
-                <a:spcPts val="0"/>
-              </a:spcBef>
-              <a:buSzTx/>
-              <a:buFontTx/>
-              <a:buNone/>
-              <a:defRPr sz="1800">
-                <a:solidFill>
-                  <a:srgbClr val="000000"/>
-                </a:solidFill>
-              </a:defRPr>
-            </a:pPr>
-            <a:r>
-              <a:rPr>
-                <a:solidFill>
-                  <a:srgbClr val="535353"/>
-                </a:solidFill>
-                <a:latin typeface="Andale Mono"/>
-                <a:ea typeface="Andale Mono"/>
-                <a:cs typeface="Andale Mono"/>
-                <a:sym typeface="Andale Mono"/>
-              </a:rPr>
-              <a:t>                 function(line) {</a:t>
-            </a:r>
-            <a:endParaRPr>
-              <a:solidFill>
-                <a:srgbClr val="535353"/>
-              </a:solidFill>
-              <a:latin typeface="Andale Mono"/>
-              <a:ea typeface="Andale Mono"/>
-              <a:cs typeface="Andale Mono"/>
-              <a:sym typeface="Andale Mono"/>
-            </a:endParaRPr>
-          </a:p>
-          <a:p>
-            <a:pPr lvl="0" marL="0" indent="0" defTabSz="584200">
-              <a:spcBef>
-                <a:spcPts val="0"/>
-              </a:spcBef>
-              <a:buSzTx/>
-              <a:buFontTx/>
-              <a:buNone/>
-              <a:defRPr sz="1800">
-                <a:solidFill>
-                  <a:srgbClr val="000000"/>
-                </a:solidFill>
-              </a:defRPr>
-            </a:pPr>
-            <a:r>
-              <a:rPr>
-                <a:solidFill>
-                  <a:srgbClr val="535353"/>
-                </a:solidFill>
-                <a:latin typeface="Andale Mono"/>
-                <a:ea typeface="Andale Mono"/>
-                <a:cs typeface="Andale Mono"/>
-                <a:sym typeface="Andale Mono"/>
-              </a:rPr>
-              <a:t>                   strsplit(line, ", ")</a:t>
-            </a:r>
-            <a:endParaRPr>
-              <a:solidFill>
-                <a:srgbClr val="535353"/>
-              </a:solidFill>
-              <a:latin typeface="Andale Mono"/>
-              <a:ea typeface="Andale Mono"/>
-              <a:cs typeface="Andale Mono"/>
-              <a:sym typeface="Andale Mono"/>
-            </a:endParaRPr>
-          </a:p>
-          <a:p>
-            <a:pPr lvl="0" marL="0" indent="0" defTabSz="584200">
-              <a:spcBef>
-                <a:spcPts val="0"/>
-              </a:spcBef>
-              <a:buSzTx/>
-              <a:buFontTx/>
-              <a:buNone/>
-              <a:defRPr sz="1800">
-                <a:solidFill>
-                  <a:srgbClr val="000000"/>
-                </a:solidFill>
-              </a:defRPr>
-            </a:pPr>
-            <a:r>
-              <a:rPr>
-                <a:solidFill>
-                  <a:srgbClr val="535353"/>
-                </a:solidFill>
-                <a:latin typeface="Andale Mono"/>
-                <a:ea typeface="Andale Mono"/>
-                <a:cs typeface="Andale Mono"/>
-                <a:sym typeface="Andale Mono"/>
-              </a:rPr>
-              <a:t>                 })</a:t>
-            </a:r>
-            <a:endParaRPr>
-              <a:solidFill>
-                <a:srgbClr val="535353"/>
-              </a:solidFill>
-              <a:latin typeface="Andale Mono"/>
-              <a:ea typeface="Andale Mono"/>
-              <a:cs typeface="Andale Mono"/>
-              <a:sym typeface="Andale Mono"/>
-            </a:endParaRPr>
-          </a:p>
-          <a:p>
-            <a:pPr lvl="0" marL="0" indent="0" defTabSz="584200">
-              <a:spcBef>
-                <a:spcPts val="0"/>
-              </a:spcBef>
-              <a:buSzTx/>
-              <a:buFontTx/>
-              <a:buNone/>
-              <a:defRPr sz="1800">
-                <a:solidFill>
-                  <a:srgbClr val="000000"/>
-                </a:solidFill>
-              </a:defRPr>
-            </a:pPr>
-            <a:r>
-              <a:rPr>
-                <a:solidFill>
-                  <a:srgbClr val="535353"/>
-                </a:solidFill>
-                <a:latin typeface="Andale Mono"/>
-                <a:ea typeface="Andale Mono"/>
-                <a:cs typeface="Andale Mono"/>
-                <a:sym typeface="Andale Mono"/>
-              </a:rPr>
-              <a:t>ageInt &lt;- lapply(lines,</a:t>
-            </a:r>
-            <a:endParaRPr>
-              <a:solidFill>
-                <a:srgbClr val="535353"/>
-              </a:solidFill>
-              <a:latin typeface="Andale Mono"/>
-              <a:ea typeface="Andale Mono"/>
-              <a:cs typeface="Andale Mono"/>
-              <a:sym typeface="Andale Mono"/>
-            </a:endParaRPr>
-          </a:p>
-          <a:p>
-            <a:pPr lvl="0" marL="0" indent="0" defTabSz="584200">
-              <a:spcBef>
-                <a:spcPts val="0"/>
-              </a:spcBef>
-              <a:buSzTx/>
-              <a:buFontTx/>
-              <a:buNone/>
-              <a:defRPr sz="1800">
-                <a:solidFill>
-                  <a:srgbClr val="000000"/>
-                </a:solidFill>
-              </a:defRPr>
-            </a:pPr>
-            <a:r>
-              <a:rPr>
-                <a:solidFill>
-                  <a:srgbClr val="535353"/>
-                </a:solidFill>
-                <a:latin typeface="Andale Mono"/>
-                <a:ea typeface="Andale Mono"/>
-                <a:cs typeface="Andale Mono"/>
-                <a:sym typeface="Andale Mono"/>
-              </a:rPr>
-              <a:t>                 function(line) {</a:t>
-            </a:r>
-            <a:endParaRPr>
-              <a:solidFill>
-                <a:srgbClr val="535353"/>
-              </a:solidFill>
-              <a:latin typeface="Andale Mono"/>
-              <a:ea typeface="Andale Mono"/>
-              <a:cs typeface="Andale Mono"/>
-              <a:sym typeface="Andale Mono"/>
-            </a:endParaRPr>
-          </a:p>
-          <a:p>
-            <a:pPr lvl="0" marL="0" indent="0" defTabSz="584200">
-              <a:spcBef>
-                <a:spcPts val="0"/>
-              </a:spcBef>
-              <a:buSzTx/>
-              <a:buFontTx/>
-              <a:buNone/>
-              <a:defRPr sz="1800">
-                <a:solidFill>
-                  <a:srgbClr val="000000"/>
-                </a:solidFill>
-              </a:defRPr>
-            </a:pPr>
-            <a:r>
-              <a:rPr>
-                <a:solidFill>
-                  <a:srgbClr val="535353"/>
-                </a:solidFill>
-                <a:latin typeface="Andale Mono"/>
-                <a:ea typeface="Andale Mono"/>
-                <a:cs typeface="Andale Mono"/>
-                <a:sym typeface="Andale Mono"/>
-              </a:rPr>
-              <a:t>                   as.numeric(line[2])</a:t>
-            </a:r>
-            <a:endParaRPr>
-              <a:solidFill>
-                <a:srgbClr val="535353"/>
-              </a:solidFill>
-              <a:latin typeface="Andale Mono"/>
-              <a:ea typeface="Andale Mono"/>
-              <a:cs typeface="Andale Mono"/>
-              <a:sym typeface="Andale Mono"/>
-            </a:endParaRPr>
-          </a:p>
-          <a:p>
-            <a:pPr lvl="0" marL="0" indent="0" defTabSz="584200">
-              <a:spcBef>
-                <a:spcPts val="0"/>
-              </a:spcBef>
-              <a:buSzTx/>
-              <a:buFontTx/>
-              <a:buNone/>
-              <a:defRPr sz="1800">
-                <a:solidFill>
-                  <a:srgbClr val="000000"/>
-                </a:solidFill>
-              </a:defRPr>
-            </a:pPr>
-            <a:r>
-              <a:rPr>
-                <a:solidFill>
-                  <a:srgbClr val="535353"/>
-                </a:solidFill>
-                <a:latin typeface="Andale Mono"/>
-                <a:ea typeface="Andale Mono"/>
-                <a:cs typeface="Andale Mono"/>
-                <a:sym typeface="Andale Mono"/>
-              </a:rPr>
-              <a:t>                 })</a:t>
-            </a:r>
-            <a:endParaRPr>
-              <a:solidFill>
-                <a:srgbClr val="535353"/>
-              </a:solidFill>
-              <a:latin typeface="Andale Mono"/>
-              <a:ea typeface="Andale Mono"/>
-              <a:cs typeface="Andale Mono"/>
-              <a:sym typeface="Andale Mono"/>
-            </a:endParaRPr>
-          </a:p>
-          <a:p>
-            <a:pPr lvl="0" marL="0" indent="0" defTabSz="584200">
-              <a:spcBef>
-                <a:spcPts val="0"/>
-              </a:spcBef>
-              <a:buSzTx/>
-              <a:buFontTx/>
-              <a:buNone/>
-              <a:defRPr sz="1800">
-                <a:solidFill>
-                  <a:srgbClr val="000000"/>
-                </a:solidFill>
-              </a:defRPr>
-            </a:pPr>
-            <a:r>
-              <a:rPr>
-                <a:solidFill>
-                  <a:srgbClr val="535353"/>
-                </a:solidFill>
-                <a:latin typeface="Andale Mono"/>
-                <a:ea typeface="Andale Mono"/>
-                <a:cs typeface="Andale Mono"/>
-                <a:sym typeface="Andale Mono"/>
-              </a:rPr>
-              <a:t>sum &lt;- reduce(ageInt,function(x,y) {x+y})</a:t>
-            </a:r>
-          </a:p>
-        </p:txBody>
-      </p:sp>
-      <p:sp>
-        <p:nvSpPr>
-          <p:cNvPr id="78" name="Shape 78"/>
+          <p:cNvPr id="76" name="Shape 76"/>
           <p:cNvSpPr/>
           <p:nvPr>
             <p:ph type="sldNum" sz="quarter" idx="2"/>
@@ -8866,7 +11199,7 @@
           </a:extLst>
         </p:spPr>
         <p:txBody>
-          <a:bodyPr lIns="0" tIns="0" rIns="0" bIns="0"/>
+          <a:bodyPr/>
           <a:lstStyle/>
           <a:p>
             <a:pPr lvl="0">
@@ -8886,6 +11219,60 @@
           </a:p>
         </p:txBody>
       </p:sp>
+      <p:pic>
+        <p:nvPicPr>
+          <p:cNvPr id="77" name="Screen Shot 2015-06-16 at 11.51.17 AM.png"/>
+          <p:cNvPicPr/>
+          <p:nvPr/>
+        </p:nvPicPr>
+        <p:blipFill>
+          <a:blip r:embed="rId2">
+            <a:extLst/>
+          </a:blip>
+          <a:stretch>
+            <a:fillRect/>
+          </a:stretch>
+        </p:blipFill>
+        <p:spPr>
+          <a:xfrm>
+            <a:off x="574070" y="1137714"/>
+            <a:ext cx="7995860" cy="996494"/>
+          </a:xfrm>
+          <a:prstGeom prst="rect">
+            <a:avLst/>
+          </a:prstGeom>
+          <a:ln w="12700">
+            <a:miter lim="400000"/>
+          </a:ln>
+        </p:spPr>
+      </p:pic>
+      <p:pic>
+        <p:nvPicPr>
+          <p:cNvPr id="78" name="pasted-image.png"/>
+          <p:cNvPicPr/>
+          <p:nvPr/>
+        </p:nvPicPr>
+        <p:blipFill>
+          <a:blip r:embed="rId3">
+            <a:extLst/>
+          </a:blip>
+          <a:stretch>
+            <a:fillRect/>
+          </a:stretch>
+        </p:blipFill>
+        <p:spPr>
+          <a:xfrm>
+            <a:off x="1951798" y="2335428"/>
+            <a:ext cx="5240404" cy="824450"/>
+          </a:xfrm>
+          <a:prstGeom prst="rect">
+            <a:avLst/>
+          </a:prstGeom>
+          <a:ln w="12700">
+            <a:miter lim="400000"/>
+          </a:ln>
+        </p:spPr>
+      </p:pic>
     </p:spTree>
   </p:cSld>
   <p:clrMapOvr>
@@ -8942,7 +11329,7 @@
                   <a:srgbClr val="595959"/>
                 </a:solidFill>
               </a:rPr>
-              <a:t>Example: Column Average</a:t>
+              <a:t>History of DataFrames</a:t>
             </a:r>
           </a:p>
         </p:txBody>
@@ -8957,401 +11344,37 @@
         </p:nvSpPr>
         <p:spPr>
           <a:xfrm>
-            <a:off x="457200" y="1200150"/>
-            <a:ext cx="8229600" cy="3066516"/>
+            <a:off x="589175" y="3256667"/>
+            <a:ext cx="4359897" cy="1131095"/>
           </a:xfrm>
           <a:prstGeom prst="rect">
             <a:avLst/>
           </a:prstGeom>
         </p:spPr>
         <p:txBody>
-          <a:bodyPr lIns="0" tIns="0" rIns="0" bIns="0"/>
-          <a:lstStyle/>
-          <a:p>
-            <a:pPr lvl="0" marL="0" indent="0" defTabSz="584200">
-              <a:spcBef>
-                <a:spcPts val="0"/>
-              </a:spcBef>
+          <a:bodyPr/>
+          <a:lstStyle>
+            <a:lvl1pPr marL="0" indent="0">
               <a:buSzTx/>
               <a:buFontTx/>
               <a:buNone/>
-              <a:defRPr sz="1800">
-                <a:solidFill>
-                  <a:srgbClr val="000000"/>
-                </a:solidFill>
-              </a:defRPr>
-            </a:pPr>
-            <a:r>
-              <a:rPr>
-                <a:solidFill>
-                  <a:srgbClr val="535353"/>
-                </a:solidFill>
-                <a:latin typeface="Andale Mono"/>
-                <a:ea typeface="Andale Mono"/>
-                <a:cs typeface="Andale Mono"/>
-                <a:sym typeface="Andale Mono"/>
-              </a:rPr>
-              <a:t>peopleRDD &lt;- textFile(sc, “people.txt”)</a:t>
-            </a:r>
-            <a:endParaRPr>
-              <a:solidFill>
-                <a:srgbClr val="535353"/>
-              </a:solidFill>
-              <a:latin typeface="Andale Mono"/>
-              <a:ea typeface="Andale Mono"/>
-              <a:cs typeface="Andale Mono"/>
-              <a:sym typeface="Andale Mono"/>
-            </a:endParaRPr>
-          </a:p>
-          <a:p>
-            <a:pPr lvl="0" marL="0" indent="0" defTabSz="584200">
-              <a:spcBef>
-                <a:spcPts val="0"/>
-              </a:spcBef>
-              <a:buSzTx/>
-              <a:buFontTx/>
-              <a:buNone/>
-              <a:defRPr sz="1800">
-                <a:solidFill>
-                  <a:srgbClr val="000000"/>
-                </a:solidFill>
-              </a:defRPr>
-            </a:pPr>
-            <a:r>
-              <a:rPr>
-                <a:solidFill>
-                  <a:srgbClr val="535353"/>
-                </a:solidFill>
-                <a:latin typeface="Andale Mono"/>
-                <a:ea typeface="Andale Mono"/>
-                <a:cs typeface="Andale Mono"/>
-                <a:sym typeface="Andale Mono"/>
-              </a:rPr>
-              <a:t>lines &lt;- flatMap(peopleRDD,</a:t>
-            </a:r>
-            <a:endParaRPr>
-              <a:solidFill>
-                <a:srgbClr val="535353"/>
-              </a:solidFill>
-              <a:latin typeface="Andale Mono"/>
-              <a:ea typeface="Andale Mono"/>
-              <a:cs typeface="Andale Mono"/>
-              <a:sym typeface="Andale Mono"/>
-            </a:endParaRPr>
-          </a:p>
-          <a:p>
-            <a:pPr lvl="0" marL="0" indent="0" defTabSz="584200">
-              <a:spcBef>
-                <a:spcPts val="0"/>
-              </a:spcBef>
-              <a:buSzTx/>
-              <a:buFontTx/>
-              <a:buNone/>
-              <a:defRPr sz="1800">
-                <a:solidFill>
-                  <a:srgbClr val="000000"/>
-                </a:solidFill>
-              </a:defRPr>
-            </a:pPr>
-            <a:r>
-              <a:rPr>
-                <a:solidFill>
-                  <a:srgbClr val="535353"/>
-                </a:solidFill>
-                <a:latin typeface="Andale Mono"/>
-                <a:ea typeface="Andale Mono"/>
-                <a:cs typeface="Andale Mono"/>
-                <a:sym typeface="Andale Mono"/>
-              </a:rPr>
-              <a:t>                 function(line) {</a:t>
-            </a:r>
-            <a:endParaRPr>
-              <a:solidFill>
-                <a:srgbClr val="535353"/>
-              </a:solidFill>
-              <a:latin typeface="Andale Mono"/>
-              <a:ea typeface="Andale Mono"/>
-              <a:cs typeface="Andale Mono"/>
-              <a:sym typeface="Andale Mono"/>
-            </a:endParaRPr>
-          </a:p>
-          <a:p>
-            <a:pPr lvl="0" marL="0" indent="0" defTabSz="584200">
-              <a:spcBef>
-                <a:spcPts val="0"/>
-              </a:spcBef>
-              <a:buSzTx/>
-              <a:buFontTx/>
-              <a:buNone/>
-              <a:defRPr sz="1800">
-                <a:solidFill>
-                  <a:srgbClr val="000000"/>
-                </a:solidFill>
-              </a:defRPr>
-            </a:pPr>
-            <a:r>
-              <a:rPr>
-                <a:solidFill>
-                  <a:srgbClr val="535353"/>
-                </a:solidFill>
-                <a:latin typeface="Andale Mono"/>
-                <a:ea typeface="Andale Mono"/>
-                <a:cs typeface="Andale Mono"/>
-                <a:sym typeface="Andale Mono"/>
-              </a:rPr>
-              <a:t>                   strsplit(line, ", ")</a:t>
-            </a:r>
-            <a:endParaRPr>
-              <a:solidFill>
-                <a:srgbClr val="535353"/>
-              </a:solidFill>
-              <a:latin typeface="Andale Mono"/>
-              <a:ea typeface="Andale Mono"/>
-              <a:cs typeface="Andale Mono"/>
-              <a:sym typeface="Andale Mono"/>
-            </a:endParaRPr>
-          </a:p>
-          <a:p>
-            <a:pPr lvl="0" marL="0" indent="0" defTabSz="584200">
-              <a:spcBef>
-                <a:spcPts val="0"/>
-              </a:spcBef>
-              <a:buSzTx/>
-              <a:buFontTx/>
-              <a:buNone/>
-              <a:defRPr sz="1800">
-                <a:solidFill>
-                  <a:srgbClr val="000000"/>
-                </a:solidFill>
-              </a:defRPr>
-            </a:pPr>
-            <a:r>
-              <a:rPr>
-                <a:solidFill>
-                  <a:srgbClr val="535353"/>
-                </a:solidFill>
-                <a:latin typeface="Andale Mono"/>
-                <a:ea typeface="Andale Mono"/>
-                <a:cs typeface="Andale Mono"/>
-                <a:sym typeface="Andale Mono"/>
-              </a:rPr>
-              <a:t>                 })</a:t>
-            </a:r>
-            <a:endParaRPr>
-              <a:solidFill>
-                <a:srgbClr val="535353"/>
-              </a:solidFill>
-              <a:latin typeface="Andale Mono"/>
-              <a:ea typeface="Andale Mono"/>
-              <a:cs typeface="Andale Mono"/>
-              <a:sym typeface="Andale Mono"/>
-            </a:endParaRPr>
-          </a:p>
-          <a:p>
-            <a:pPr lvl="0" marL="0" indent="0" defTabSz="584200">
-              <a:spcBef>
-                <a:spcPts val="0"/>
-              </a:spcBef>
-              <a:buSzTx/>
-              <a:buFontTx/>
-              <a:buNone/>
-              <a:defRPr sz="1800">
-                <a:solidFill>
-                  <a:srgbClr val="000000"/>
-                </a:solidFill>
-              </a:defRPr>
-            </a:pPr>
-            <a:r>
-              <a:rPr>
-                <a:solidFill>
-                  <a:srgbClr val="535353"/>
-                </a:solidFill>
-                <a:latin typeface="Andale Mono"/>
-                <a:ea typeface="Andale Mono"/>
-                <a:cs typeface="Andale Mono"/>
-                <a:sym typeface="Andale Mono"/>
-              </a:rPr>
-              <a:t>ageInt &lt;- lapply(lines,</a:t>
-            </a:r>
-            <a:endParaRPr>
-              <a:solidFill>
-                <a:srgbClr val="535353"/>
-              </a:solidFill>
-              <a:latin typeface="Andale Mono"/>
-              <a:ea typeface="Andale Mono"/>
-              <a:cs typeface="Andale Mono"/>
-              <a:sym typeface="Andale Mono"/>
-            </a:endParaRPr>
-          </a:p>
-          <a:p>
-            <a:pPr lvl="0" marL="0" indent="0" defTabSz="584200">
-              <a:spcBef>
-                <a:spcPts val="0"/>
-              </a:spcBef>
-              <a:buSzTx/>
-              <a:buFontTx/>
-              <a:buNone/>
-              <a:defRPr sz="1800">
-                <a:solidFill>
-                  <a:srgbClr val="000000"/>
-                </a:solidFill>
-              </a:defRPr>
-            </a:pPr>
-            <a:r>
-              <a:rPr>
-                <a:solidFill>
-                  <a:srgbClr val="535353"/>
-                </a:solidFill>
-                <a:latin typeface="Andale Mono"/>
-                <a:ea typeface="Andale Mono"/>
-                <a:cs typeface="Andale Mono"/>
-                <a:sym typeface="Andale Mono"/>
-              </a:rPr>
-              <a:t>                 function(line) {</a:t>
-            </a:r>
-            <a:endParaRPr>
-              <a:solidFill>
-                <a:srgbClr val="535353"/>
-              </a:solidFill>
-              <a:latin typeface="Andale Mono"/>
-              <a:ea typeface="Andale Mono"/>
-              <a:cs typeface="Andale Mono"/>
-              <a:sym typeface="Andale Mono"/>
-            </a:endParaRPr>
-          </a:p>
-          <a:p>
-            <a:pPr lvl="0" marL="0" indent="0" defTabSz="584200">
-              <a:spcBef>
-                <a:spcPts val="0"/>
-              </a:spcBef>
-              <a:buSzTx/>
-              <a:buFontTx/>
-              <a:buNone/>
-              <a:defRPr sz="1800">
-                <a:solidFill>
-                  <a:srgbClr val="000000"/>
-                </a:solidFill>
-              </a:defRPr>
-            </a:pPr>
-            <a:r>
-              <a:rPr>
-                <a:solidFill>
-                  <a:srgbClr val="535353"/>
-                </a:solidFill>
-                <a:latin typeface="Andale Mono"/>
-                <a:ea typeface="Andale Mono"/>
-                <a:cs typeface="Andale Mono"/>
-                <a:sym typeface="Andale Mono"/>
-              </a:rPr>
-              <a:t>                   as.numeric(line[2])</a:t>
-            </a:r>
-            <a:endParaRPr>
-              <a:solidFill>
-                <a:srgbClr val="535353"/>
-              </a:solidFill>
-              <a:latin typeface="Andale Mono"/>
-              <a:ea typeface="Andale Mono"/>
-              <a:cs typeface="Andale Mono"/>
-              <a:sym typeface="Andale Mono"/>
-            </a:endParaRPr>
-          </a:p>
-          <a:p>
-            <a:pPr lvl="0" marL="0" indent="0" defTabSz="584200">
-              <a:spcBef>
-                <a:spcPts val="0"/>
-              </a:spcBef>
-              <a:buSzTx/>
-              <a:buFontTx/>
-              <a:buNone/>
-              <a:defRPr sz="1800">
-                <a:solidFill>
-                  <a:srgbClr val="000000"/>
-                </a:solidFill>
-              </a:defRPr>
-            </a:pPr>
-            <a:r>
-              <a:rPr>
-                <a:solidFill>
-                  <a:srgbClr val="535353"/>
-                </a:solidFill>
-                <a:latin typeface="Andale Mono"/>
-                <a:ea typeface="Andale Mono"/>
-                <a:cs typeface="Andale Mono"/>
-                <a:sym typeface="Andale Mono"/>
-              </a:rPr>
-              <a:t>                 })</a:t>
-            </a:r>
-            <a:endParaRPr>
-              <a:solidFill>
-                <a:srgbClr val="535353"/>
-              </a:solidFill>
-              <a:latin typeface="Andale Mono"/>
-              <a:ea typeface="Andale Mono"/>
-              <a:cs typeface="Andale Mono"/>
-              <a:sym typeface="Andale Mono"/>
-            </a:endParaRPr>
-          </a:p>
-          <a:p>
-            <a:pPr lvl="0" marL="0" indent="0" defTabSz="584200">
-              <a:spcBef>
-                <a:spcPts val="0"/>
-              </a:spcBef>
-              <a:buSzTx/>
-              <a:buFontTx/>
-              <a:buNone/>
-              <a:defRPr sz="1800">
-                <a:solidFill>
-                  <a:srgbClr val="000000"/>
-                </a:solidFill>
-              </a:defRPr>
-            </a:pPr>
-            <a:r>
-              <a:rPr>
-                <a:solidFill>
-                  <a:srgbClr val="535353"/>
-                </a:solidFill>
-                <a:latin typeface="Andale Mono"/>
-                <a:ea typeface="Andale Mono"/>
-                <a:cs typeface="Andale Mono"/>
-                <a:sym typeface="Andale Mono"/>
-              </a:rPr>
-              <a:t>sum &lt;- reduce(ageInt,function(x,y) {x+y})</a:t>
-            </a:r>
-            <a:endParaRPr>
-              <a:solidFill>
-                <a:srgbClr val="535353"/>
-              </a:solidFill>
-              <a:latin typeface="Andale Mono"/>
-              <a:ea typeface="Andale Mono"/>
-              <a:cs typeface="Andale Mono"/>
-              <a:sym typeface="Andale Mono"/>
-            </a:endParaRPr>
-          </a:p>
-          <a:p>
-            <a:pPr lvl="0" marL="0" indent="0" defTabSz="584200">
-              <a:spcBef>
-                <a:spcPts val="0"/>
-              </a:spcBef>
-              <a:buSzTx/>
-              <a:buFontTx/>
-              <a:buNone/>
-              <a:defRPr sz="1800">
-                <a:solidFill>
-                  <a:srgbClr val="000000"/>
-                </a:solidFill>
-              </a:defRPr>
-            </a:pPr>
-            <a:r>
-              <a:rPr>
-                <a:solidFill>
-                  <a:srgbClr val="535353"/>
-                </a:solidFill>
-                <a:latin typeface="Andale Mono"/>
-                <a:ea typeface="Andale Mono"/>
-                <a:cs typeface="Andale Mono"/>
-                <a:sym typeface="Andale Mono"/>
-              </a:rPr>
-              <a:t>avg &lt;- sum / count(peopleRDD)</a:t>
+            </a:lvl1pPr>
+          </a:lstStyle>
+          <a:p>
+            <a:pPr lvl="0">
+              <a:defRPr sz="1800">
+                <a:solidFill>
+                  <a:srgbClr val="000000"/>
+                </a:solidFill>
+              </a:defRPr>
+            </a:pPr>
+            <a:r>
+              <a:rPr sz="2800">
+                <a:solidFill>
+                  <a:srgbClr val="595959"/>
+                </a:solidFill>
+              </a:rPr>
+              <a:t>Me: </a:t>
             </a:r>
           </a:p>
         </p:txBody>
@@ -9375,7 +11398,7 @@
           </a:extLst>
         </p:spPr>
         <p:txBody>
-          <a:bodyPr lIns="0" tIns="0" rIns="0" bIns="0"/>
+          <a:bodyPr/>
           <a:lstStyle/>
           <a:p>
             <a:pPr lvl="0">
@@ -9395,6 +11418,87 @@
           </a:p>
         </p:txBody>
       </p:sp>
+      <p:pic>
+        <p:nvPicPr>
+          <p:cNvPr id="83" name="Screen Shot 2015-06-16 at 11.51.17 AM.png"/>
+          <p:cNvPicPr/>
+          <p:nvPr/>
+        </p:nvPicPr>
+        <p:blipFill>
+          <a:blip r:embed="rId2">
+            <a:extLst/>
+          </a:blip>
+          <a:stretch>
+            <a:fillRect/>
+          </a:stretch>
+        </p:blipFill>
+        <p:spPr>
+          <a:xfrm>
+            <a:off x="574070" y="1137714"/>
+            <a:ext cx="7995860" cy="996494"/>
+          </a:xfrm>
+          <a:prstGeom prst="rect">
+            <a:avLst/>
+          </a:prstGeom>
+          <a:ln w="12700">
+            <a:miter lim="400000"/>
+          </a:ln>
+        </p:spPr>
+      </p:pic>
+      <p:pic>
+        <p:nvPicPr>
+          <p:cNvPr id="84" name="pasted-image.png"/>
+          <p:cNvPicPr/>
+          <p:nvPr/>
+        </p:nvPicPr>
+        <p:blipFill>
+          <a:blip r:embed="rId3">
+            <a:extLst/>
+          </a:blip>
+          <a:stretch>
+            <a:fillRect/>
+          </a:stretch>
+        </p:blipFill>
+        <p:spPr>
+          <a:xfrm>
+            <a:off x="1951798" y="2335428"/>
+            <a:ext cx="5240404" cy="824450"/>
+          </a:xfrm>
+          <a:prstGeom prst="rect">
+            <a:avLst/>
+          </a:prstGeom>
+          <a:ln w="12700">
+            <a:miter lim="400000"/>
+          </a:ln>
+        </p:spPr>
+      </p:pic>
+      <p:pic>
+        <p:nvPicPr>
+          <p:cNvPr id="85" name="RageFace.jpg"/>
+          <p:cNvPicPr/>
+          <p:nvPr/>
+        </p:nvPicPr>
+        <p:blipFill>
+          <a:blip r:embed="rId4">
+            <a:extLst/>
+          </a:blip>
+          <a:stretch>
+            <a:fillRect/>
+          </a:stretch>
+        </p:blipFill>
+        <p:spPr>
+          <a:xfrm>
+            <a:off x="1665938" y="3150320"/>
+            <a:ext cx="1872097" cy="1570145"/>
+          </a:xfrm>
+          <a:prstGeom prst="rect">
+            <a:avLst/>
+          </a:prstGeom>
+          <a:ln w="12700">
+            <a:miter lim="400000"/>
+          </a:ln>
+        </p:spPr>
+      </p:pic>
     </p:spTree>
   </p:cSld>
   <p:clrMapOvr>
@@ -9423,7 +11527,7 @@
       </p:grpSpPr>
       <p:sp>
         <p:nvSpPr>
-          <p:cNvPr id="84" name="Shape 84"/>
+          <p:cNvPr id="87" name="Shape 87"/>
           <p:cNvSpPr/>
           <p:nvPr>
             <p:ph type="title"/>
@@ -9451,14 +11555,14 @@
                   <a:srgbClr val="595959"/>
                 </a:solidFill>
               </a:rPr>
-              <a:t>Example: Column Average</a:t>
+              <a:t>History of DataFrames</a:t>
             </a:r>
           </a:p>
         </p:txBody>
       </p:sp>
       <p:sp>
         <p:nvSpPr>
-          <p:cNvPr id="85" name="Shape 85"/>
+          <p:cNvPr id="88" name="Shape 88"/>
           <p:cNvSpPr/>
           <p:nvPr>
             <p:ph type="body" idx="1"/>
@@ -9466,408 +11570,44 @@
         </p:nvSpPr>
         <p:spPr>
           <a:xfrm>
-            <a:off x="457200" y="1200150"/>
-            <a:ext cx="8229600" cy="3066516"/>
+            <a:off x="589175" y="3256667"/>
+            <a:ext cx="4359897" cy="1131095"/>
           </a:xfrm>
           <a:prstGeom prst="rect">
             <a:avLst/>
           </a:prstGeom>
         </p:spPr>
         <p:txBody>
-          <a:bodyPr lIns="0" tIns="0" rIns="0" bIns="0"/>
-          <a:lstStyle/>
-          <a:p>
-            <a:pPr lvl="0" marL="0" indent="0" defTabSz="584200">
-              <a:spcBef>
-                <a:spcPts val="0"/>
-              </a:spcBef>
+          <a:bodyPr/>
+          <a:lstStyle>
+            <a:lvl1pPr marL="0" indent="0">
               <a:buSzTx/>
               <a:buFontTx/>
               <a:buNone/>
-              <a:defRPr sz="1800">
-                <a:solidFill>
-                  <a:srgbClr val="000000"/>
-                </a:solidFill>
-              </a:defRPr>
-            </a:pPr>
-            <a:r>
-              <a:rPr>
-                <a:solidFill>
-                  <a:srgbClr val="535353"/>
-                </a:solidFill>
-                <a:latin typeface="Andale Mono"/>
-                <a:ea typeface="Andale Mono"/>
-                <a:cs typeface="Andale Mono"/>
-                <a:sym typeface="Andale Mono"/>
-              </a:rPr>
-              <a:t>peopleRDD &lt;- textFile(sc, “people.txt”)</a:t>
-            </a:r>
-            <a:endParaRPr>
-              <a:solidFill>
-                <a:srgbClr val="535353"/>
-              </a:solidFill>
-              <a:latin typeface="Andale Mono"/>
-              <a:ea typeface="Andale Mono"/>
-              <a:cs typeface="Andale Mono"/>
-              <a:sym typeface="Andale Mono"/>
-            </a:endParaRPr>
-          </a:p>
-          <a:p>
-            <a:pPr lvl="0" marL="0" indent="0" defTabSz="584200">
-              <a:spcBef>
-                <a:spcPts val="0"/>
-              </a:spcBef>
-              <a:buSzTx/>
-              <a:buFontTx/>
-              <a:buNone/>
-              <a:defRPr sz="1800">
-                <a:solidFill>
-                  <a:srgbClr val="000000"/>
-                </a:solidFill>
-              </a:defRPr>
-            </a:pPr>
-            <a:r>
-              <a:rPr>
-                <a:solidFill>
-                  <a:srgbClr val="535353"/>
-                </a:solidFill>
-                <a:latin typeface="Andale Mono"/>
-                <a:ea typeface="Andale Mono"/>
-                <a:cs typeface="Andale Mono"/>
-                <a:sym typeface="Andale Mono"/>
-              </a:rPr>
-              <a:t>lines &lt;- flatMap(peopleRDD,</a:t>
-            </a:r>
-            <a:endParaRPr>
-              <a:solidFill>
-                <a:srgbClr val="535353"/>
-              </a:solidFill>
-              <a:latin typeface="Andale Mono"/>
-              <a:ea typeface="Andale Mono"/>
-              <a:cs typeface="Andale Mono"/>
-              <a:sym typeface="Andale Mono"/>
-            </a:endParaRPr>
-          </a:p>
-          <a:p>
-            <a:pPr lvl="0" marL="0" indent="0" defTabSz="584200">
-              <a:spcBef>
-                <a:spcPts val="0"/>
-              </a:spcBef>
-              <a:buSzTx/>
-              <a:buFontTx/>
-              <a:buNone/>
-              <a:defRPr sz="1800">
-                <a:solidFill>
-                  <a:srgbClr val="000000"/>
-                </a:solidFill>
-              </a:defRPr>
-            </a:pPr>
-            <a:r>
-              <a:rPr>
-                <a:solidFill>
-                  <a:srgbClr val="535353"/>
-                </a:solidFill>
-                <a:latin typeface="Andale Mono"/>
-                <a:ea typeface="Andale Mono"/>
-                <a:cs typeface="Andale Mono"/>
-                <a:sym typeface="Andale Mono"/>
-              </a:rPr>
-              <a:t>                 function(line) {</a:t>
-            </a:r>
-            <a:endParaRPr>
-              <a:solidFill>
-                <a:srgbClr val="535353"/>
-              </a:solidFill>
-              <a:latin typeface="Andale Mono"/>
-              <a:ea typeface="Andale Mono"/>
-              <a:cs typeface="Andale Mono"/>
-              <a:sym typeface="Andale Mono"/>
-            </a:endParaRPr>
-          </a:p>
-          <a:p>
-            <a:pPr lvl="0" marL="0" indent="0" defTabSz="584200">
-              <a:spcBef>
-                <a:spcPts val="0"/>
-              </a:spcBef>
-              <a:buSzTx/>
-              <a:buFontTx/>
-              <a:buNone/>
-              <a:defRPr sz="1800">
-                <a:solidFill>
-                  <a:srgbClr val="000000"/>
-                </a:solidFill>
-              </a:defRPr>
-            </a:pPr>
-            <a:r>
-              <a:rPr>
-                <a:solidFill>
-                  <a:srgbClr val="535353"/>
-                </a:solidFill>
-                <a:latin typeface="Andale Mono"/>
-                <a:ea typeface="Andale Mono"/>
-                <a:cs typeface="Andale Mono"/>
-                <a:sym typeface="Andale Mono"/>
-              </a:rPr>
-              <a:t>                   strsplit(line, ", ")</a:t>
-            </a:r>
-            <a:endParaRPr>
-              <a:solidFill>
-                <a:srgbClr val="535353"/>
-              </a:solidFill>
-              <a:latin typeface="Andale Mono"/>
-              <a:ea typeface="Andale Mono"/>
-              <a:cs typeface="Andale Mono"/>
-              <a:sym typeface="Andale Mono"/>
-            </a:endParaRPr>
-          </a:p>
-          <a:p>
-            <a:pPr lvl="0" marL="0" indent="0" defTabSz="584200">
-              <a:spcBef>
-                <a:spcPts val="0"/>
-              </a:spcBef>
-              <a:buSzTx/>
-              <a:buFontTx/>
-              <a:buNone/>
-              <a:defRPr sz="1800">
-                <a:solidFill>
-                  <a:srgbClr val="000000"/>
-                </a:solidFill>
-              </a:defRPr>
-            </a:pPr>
-            <a:r>
-              <a:rPr>
-                <a:solidFill>
-                  <a:srgbClr val="535353"/>
-                </a:solidFill>
-                <a:latin typeface="Andale Mono"/>
-                <a:ea typeface="Andale Mono"/>
-                <a:cs typeface="Andale Mono"/>
-                <a:sym typeface="Andale Mono"/>
-              </a:rPr>
-              <a:t>                 })</a:t>
-            </a:r>
-            <a:endParaRPr>
-              <a:solidFill>
-                <a:srgbClr val="535353"/>
-              </a:solidFill>
-              <a:latin typeface="Andale Mono"/>
-              <a:ea typeface="Andale Mono"/>
-              <a:cs typeface="Andale Mono"/>
-              <a:sym typeface="Andale Mono"/>
-            </a:endParaRPr>
-          </a:p>
-          <a:p>
-            <a:pPr lvl="0" marL="0" indent="0" defTabSz="584200">
-              <a:spcBef>
-                <a:spcPts val="0"/>
-              </a:spcBef>
-              <a:buSzTx/>
-              <a:buFontTx/>
-              <a:buNone/>
-              <a:defRPr sz="1800">
-                <a:solidFill>
-                  <a:srgbClr val="000000"/>
-                </a:solidFill>
-              </a:defRPr>
-            </a:pPr>
-            <a:r>
-              <a:rPr>
-                <a:solidFill>
-                  <a:srgbClr val="535353"/>
-                </a:solidFill>
-                <a:latin typeface="Andale Mono"/>
-                <a:ea typeface="Andale Mono"/>
-                <a:cs typeface="Andale Mono"/>
-                <a:sym typeface="Andale Mono"/>
-              </a:rPr>
-              <a:t>ageInt &lt;- lapply(lines,</a:t>
-            </a:r>
-            <a:endParaRPr>
-              <a:solidFill>
-                <a:srgbClr val="535353"/>
-              </a:solidFill>
-              <a:latin typeface="Andale Mono"/>
-              <a:ea typeface="Andale Mono"/>
-              <a:cs typeface="Andale Mono"/>
-              <a:sym typeface="Andale Mono"/>
-            </a:endParaRPr>
-          </a:p>
-          <a:p>
-            <a:pPr lvl="0" marL="0" indent="0" defTabSz="584200">
-              <a:spcBef>
-                <a:spcPts val="0"/>
-              </a:spcBef>
-              <a:buSzTx/>
-              <a:buFontTx/>
-              <a:buNone/>
-              <a:defRPr sz="1800">
-                <a:solidFill>
-                  <a:srgbClr val="000000"/>
-                </a:solidFill>
-              </a:defRPr>
-            </a:pPr>
-            <a:r>
-              <a:rPr>
-                <a:solidFill>
-                  <a:srgbClr val="535353"/>
-                </a:solidFill>
-                <a:latin typeface="Andale Mono"/>
-                <a:ea typeface="Andale Mono"/>
-                <a:cs typeface="Andale Mono"/>
-                <a:sym typeface="Andale Mono"/>
-              </a:rPr>
-              <a:t>                 function(line) {</a:t>
-            </a:r>
-            <a:endParaRPr>
-              <a:solidFill>
-                <a:srgbClr val="535353"/>
-              </a:solidFill>
-              <a:latin typeface="Andale Mono"/>
-              <a:ea typeface="Andale Mono"/>
-              <a:cs typeface="Andale Mono"/>
-              <a:sym typeface="Andale Mono"/>
-            </a:endParaRPr>
-          </a:p>
-          <a:p>
-            <a:pPr lvl="0" marL="0" indent="0" defTabSz="584200">
-              <a:spcBef>
-                <a:spcPts val="0"/>
-              </a:spcBef>
-              <a:buSzTx/>
-              <a:buFontTx/>
-              <a:buNone/>
-              <a:defRPr sz="1800">
-                <a:solidFill>
-                  <a:srgbClr val="000000"/>
-                </a:solidFill>
-              </a:defRPr>
-            </a:pPr>
-            <a:r>
-              <a:rPr>
-                <a:solidFill>
-                  <a:srgbClr val="535353"/>
-                </a:solidFill>
-                <a:latin typeface="Andale Mono"/>
-                <a:ea typeface="Andale Mono"/>
-                <a:cs typeface="Andale Mono"/>
-                <a:sym typeface="Andale Mono"/>
-              </a:rPr>
-              <a:t>                   as.numeric(line[2])</a:t>
-            </a:r>
-            <a:endParaRPr>
-              <a:solidFill>
-                <a:srgbClr val="535353"/>
-              </a:solidFill>
-              <a:latin typeface="Andale Mono"/>
-              <a:ea typeface="Andale Mono"/>
-              <a:cs typeface="Andale Mono"/>
-              <a:sym typeface="Andale Mono"/>
-            </a:endParaRPr>
-          </a:p>
-          <a:p>
-            <a:pPr lvl="0" marL="0" indent="0" defTabSz="584200">
-              <a:spcBef>
-                <a:spcPts val="0"/>
-              </a:spcBef>
-              <a:buSzTx/>
-              <a:buFontTx/>
-              <a:buNone/>
-              <a:defRPr sz="1800">
-                <a:solidFill>
-                  <a:srgbClr val="000000"/>
-                </a:solidFill>
-              </a:defRPr>
-            </a:pPr>
-            <a:r>
-              <a:rPr>
-                <a:solidFill>
-                  <a:srgbClr val="535353"/>
-                </a:solidFill>
-                <a:latin typeface="Andale Mono"/>
-                <a:ea typeface="Andale Mono"/>
-                <a:cs typeface="Andale Mono"/>
-                <a:sym typeface="Andale Mono"/>
-              </a:rPr>
-              <a:t>                 })</a:t>
-            </a:r>
-            <a:endParaRPr>
-              <a:solidFill>
-                <a:srgbClr val="535353"/>
-              </a:solidFill>
-              <a:latin typeface="Andale Mono"/>
-              <a:ea typeface="Andale Mono"/>
-              <a:cs typeface="Andale Mono"/>
-              <a:sym typeface="Andale Mono"/>
-            </a:endParaRPr>
-          </a:p>
-          <a:p>
-            <a:pPr lvl="0" marL="0" indent="0" defTabSz="584200">
-              <a:spcBef>
-                <a:spcPts val="0"/>
-              </a:spcBef>
-              <a:buSzTx/>
-              <a:buFontTx/>
-              <a:buNone/>
-              <a:defRPr sz="1800">
-                <a:solidFill>
-                  <a:srgbClr val="000000"/>
-                </a:solidFill>
-              </a:defRPr>
-            </a:pPr>
-            <a:r>
-              <a:rPr>
-                <a:solidFill>
-                  <a:srgbClr val="535353"/>
-                </a:solidFill>
-                <a:latin typeface="Andale Mono"/>
-                <a:ea typeface="Andale Mono"/>
-                <a:cs typeface="Andale Mono"/>
-                <a:sym typeface="Andale Mono"/>
-              </a:rPr>
-              <a:t>sum &lt;- reduce(ageInt,function(x,y) {x+y})</a:t>
-            </a:r>
-            <a:endParaRPr>
-              <a:solidFill>
-                <a:srgbClr val="535353"/>
-              </a:solidFill>
-              <a:latin typeface="Andale Mono"/>
-              <a:ea typeface="Andale Mono"/>
-              <a:cs typeface="Andale Mono"/>
-              <a:sym typeface="Andale Mono"/>
-            </a:endParaRPr>
-          </a:p>
-          <a:p>
-            <a:pPr lvl="0" marL="0" indent="0" defTabSz="584200">
-              <a:spcBef>
-                <a:spcPts val="0"/>
-              </a:spcBef>
-              <a:buSzTx/>
-              <a:buFontTx/>
-              <a:buNone/>
-              <a:defRPr sz="1800">
-                <a:solidFill>
-                  <a:srgbClr val="000000"/>
-                </a:solidFill>
-              </a:defRPr>
-            </a:pPr>
-            <a:r>
-              <a:rPr>
-                <a:solidFill>
-                  <a:srgbClr val="535353"/>
-                </a:solidFill>
-                <a:latin typeface="Andale Mono"/>
-                <a:ea typeface="Andale Mono"/>
-                <a:cs typeface="Andale Mono"/>
-                <a:sym typeface="Andale Mono"/>
-              </a:rPr>
-              <a:t>avg &lt;- sum / count(peopleRDD)</a:t>
+            </a:lvl1pPr>
+          </a:lstStyle>
+          <a:p>
+            <a:pPr lvl="0">
+              <a:defRPr sz="1800">
+                <a:solidFill>
+                  <a:srgbClr val="000000"/>
+                </a:solidFill>
+              </a:defRPr>
+            </a:pPr>
+            <a:r>
+              <a:rPr sz="2800">
+                <a:solidFill>
+                  <a:srgbClr val="595959"/>
+                </a:solidFill>
+              </a:rPr>
+              <a:t>Me: </a:t>
             </a:r>
           </a:p>
         </p:txBody>
       </p:sp>
       <p:sp>
         <p:nvSpPr>
-          <p:cNvPr id="86" name="Shape 86"/>
+          <p:cNvPr id="89" name="Shape 89"/>
           <p:cNvSpPr/>
           <p:nvPr>
             <p:ph type="sldNum" sz="quarter" idx="2"/>
@@ -9884,7 +11624,7 @@
           </a:extLst>
         </p:spPr>
         <p:txBody>
-          <a:bodyPr lIns="0" tIns="0" rIns="0" bIns="0"/>
+          <a:bodyPr/>
           <a:lstStyle/>
           <a:p>
             <a:pPr lvl="0">
@@ -9906,7 +11646,7 @@
       </p:sp>
       <p:pic>
         <p:nvPicPr>
-          <p:cNvPr id="87" name="pasted-image.png"/>
+          <p:cNvPr id="90" name="Screen Shot 2015-06-16 at 11.51.17 AM.png"/>
           <p:cNvPicPr/>
           <p:nvPr/>
         </p:nvPicPr>
@@ -9920,8 +11660,151 @@
         </p:blipFill>
         <p:spPr>
           <a:xfrm>
-            <a:off x="2267410" y="1200150"/>
-            <a:ext cx="4609180" cy="3066516"/>
+            <a:off x="574070" y="1137714"/>
+            <a:ext cx="7995860" cy="996494"/>
+          </a:xfrm>
+          <a:prstGeom prst="rect">
+            <a:avLst/>
+          </a:prstGeom>
+          <a:ln w="12700">
+            <a:miter lim="400000"/>
+          </a:ln>
+        </p:spPr>
+      </p:pic>
+      <p:pic>
+        <p:nvPicPr>
+          <p:cNvPr id="91" name="pasted-image.png"/>
+          <p:cNvPicPr/>
+          <p:nvPr/>
+        </p:nvPicPr>
+        <p:blipFill>
+          <a:blip r:embed="rId3">
+            <a:extLst/>
+          </a:blip>
+          <a:stretch>
+            <a:fillRect/>
+          </a:stretch>
+        </p:blipFill>
+        <p:spPr>
+          <a:xfrm>
+            <a:off x="1951798" y="2335428"/>
+            <a:ext cx="5240404" cy="824450"/>
+          </a:xfrm>
+          <a:prstGeom prst="rect">
+            <a:avLst/>
+          </a:prstGeom>
+          <a:ln w="12700">
+            <a:miter lim="400000"/>
+          </a:ln>
+        </p:spPr>
+      </p:pic>
+      <p:pic>
+        <p:nvPicPr>
+          <p:cNvPr id="92" name="RageFace.jpg"/>
+          <p:cNvPicPr/>
+          <p:nvPr/>
+        </p:nvPicPr>
+        <p:blipFill>
+          <a:blip r:embed="rId4">
+            <a:extLst/>
+          </a:blip>
+          <a:stretch>
+            <a:fillRect/>
+          </a:stretch>
+        </p:blipFill>
+        <p:spPr>
+          <a:xfrm>
+            <a:off x="1665938" y="3150320"/>
+            <a:ext cx="1872097" cy="1570145"/>
+          </a:xfrm>
+          <a:prstGeom prst="rect">
+            <a:avLst/>
+          </a:prstGeom>
+          <a:ln w="12700">
+            <a:miter lim="400000"/>
+          </a:ln>
+        </p:spPr>
+      </p:pic>
+      <p:sp>
+        <p:nvSpPr>
+          <p:cNvPr id="93" name="Shape 93"/>
+          <p:cNvSpPr/>
+          <p:nvPr/>
+        </p:nvSpPr>
+        <p:spPr>
+          <a:xfrm>
+            <a:off x="4249655" y="3256667"/>
+            <a:ext cx="4126180" cy="1131095"/>
+          </a:xfrm>
+          <a:prstGeom prst="rect">
+            <a:avLst/>
+          </a:prstGeom>
+          <a:ln w="12700">
+            <a:miter lim="400000"/>
+          </a:ln>
+          <a:extLst>
+            <a:ext uri="{C572A759-6A51-4108-AA02-DFA0A04FC94B}">
+              <ma14:wrappingTextBoxFlag xmlns:ma14="http://schemas.microsoft.com/office/mac/drawingml/2011/main" val="1"/>
+            </a:ext>
+          </a:extLst>
+        </p:spPr>
+        <p:txBody>
+          <a:bodyPr lIns="45719" rIns="45719">
+            <a:normAutofit fontScale="100000" lnSpcReduction="0"/>
+          </a:bodyPr>
+          <a:lstStyle>
+            <a:lvl1pPr>
+              <a:spcBef>
+                <a:spcPts val="700"/>
+              </a:spcBef>
+              <a:defRPr sz="2800">
+                <a:solidFill>
+                  <a:srgbClr val="595959"/>
+                </a:solidFill>
+                <a:latin typeface="Helvetica Light"/>
+                <a:ea typeface="Helvetica Light"/>
+                <a:cs typeface="Helvetica Light"/>
+                <a:sym typeface="Helvetica Light"/>
+              </a:defRPr>
+            </a:lvl1pPr>
+          </a:lstStyle>
+          <a:p>
+            <a:pPr lvl="0">
+              <a:defRPr sz="1800">
+                <a:solidFill>
+                  <a:srgbClr val="000000"/>
+                </a:solidFill>
+              </a:defRPr>
+            </a:pPr>
+            <a:r>
+              <a:rPr sz="2800">
+                <a:solidFill>
+                  <a:srgbClr val="595959"/>
+                </a:solidFill>
+              </a:rPr>
+              <a:t>Reynold: </a:t>
+            </a:r>
+          </a:p>
+        </p:txBody>
+      </p:sp>
+      <p:pic>
+        <p:nvPicPr>
+          <p:cNvPr id="94" name="trollFace.png"/>
+          <p:cNvPicPr/>
+          <p:nvPr/>
+        </p:nvPicPr>
+        <p:blipFill>
+          <a:blip r:embed="rId5">
+            <a:extLst/>
+          </a:blip>
+          <a:stretch>
+            <a:fillRect/>
+          </a:stretch>
+        </p:blipFill>
+        <p:spPr>
+          <a:xfrm>
+            <a:off x="6115639" y="3150703"/>
+            <a:ext cx="1569378" cy="1569379"/>
           </a:xfrm>
           <a:prstGeom prst="rect">
             <a:avLst/>
